--- a/chapter2_rnn/真-极度易懂的RNN,LSTM,GRU.pptx
+++ b/chapter2_rnn/真-极度易懂的RNN,LSTM,GRU.pptx
@@ -1,21 +1,24 @@
 
 <file path=ppt/presentation.xml><?xml version="1.0" encoding="utf-8"?>
-<p:presentation xmlns:a="http://schemas.openxmlformats.org/drawingml/2006/main" xmlns:r="http://schemas.openxmlformats.org/officeDocument/2006/relationships" xmlns:p="http://schemas.openxmlformats.org/presentationml/2006/main" saveSubsetFonts="1" autoCompressPictures="0">
+<p:presentation xmlns:a="http://schemas.openxmlformats.org/drawingml/2006/main" xmlns:r="http://schemas.openxmlformats.org/officeDocument/2006/relationships" xmlns:p="http://schemas.openxmlformats.org/presentationml/2006/main" autoCompressPictures="0">
   <p:sldMasterIdLst>
-    <p:sldMasterId id="2147483828" r:id="rId1"/>
+    <p:sldMasterId id="2147483648" r:id="rId1"/>
   </p:sldMasterIdLst>
   <p:notesMasterIdLst>
-    <p:notesMasterId r:id="rId7"/>
+    <p:notesMasterId r:id="rId10"/>
   </p:notesMasterIdLst>
   <p:handoutMasterIdLst>
-    <p:handoutMasterId r:id="rId8"/>
+    <p:handoutMasterId r:id="rId11"/>
   </p:handoutMasterIdLst>
   <p:sldIdLst>
     <p:sldId id="257" r:id="rId2"/>
     <p:sldId id="324" r:id="rId3"/>
     <p:sldId id="259" r:id="rId4"/>
-    <p:sldId id="265" r:id="rId5"/>
-    <p:sldId id="347" r:id="rId6"/>
+    <p:sldId id="350" r:id="rId5"/>
+    <p:sldId id="348" r:id="rId6"/>
+    <p:sldId id="349" r:id="rId7"/>
+    <p:sldId id="265" r:id="rId8"/>
+    <p:sldId id="347" r:id="rId9"/>
   </p:sldIdLst>
   <p:sldSz cx="12192000" cy="6858000"/>
   <p:notesSz cx="6858000" cy="9144000"/>
@@ -124,13 +127,7 @@
 
 <file path=ppt/commentAuthors.xml><?xml version="1.0" encoding="utf-8"?>
 <p:cmAuthorLst xmlns:a="http://schemas.openxmlformats.org/drawingml/2006/main" xmlns:r="http://schemas.openxmlformats.org/officeDocument/2006/relationships" xmlns:p="http://schemas.openxmlformats.org/presentationml/2006/main">
-  <p:cmAuthor id="1" name="於 方仁" initials="於" lastIdx="1" clrIdx="0">
-    <p:extLst>
-      <p:ext uri="{19B8F6BF-5375-455C-9EA6-DF929625EA0E}">
-        <p15:presenceInfo xmlns:p15="http://schemas.microsoft.com/office/powerpoint/2012/main" userId="bd06c961e1ff8a1a" providerId="Windows Live"/>
-      </p:ext>
-    </p:extLst>
-  </p:cmAuthor>
+  <p:cmAuthor id="1" name="於 方仁" initials="於" lastIdx="1" clrIdx="0"/>
 </p:cmAuthorLst>
 </file>
 
@@ -158,13 +155,7 @@
       </p:grpSpPr>
       <p:sp>
         <p:nvSpPr>
-          <p:cNvPr id="2" name="页眉占位符 1">
-            <a:extLst>
-              <a:ext uri="{FF2B5EF4-FFF2-40B4-BE49-F238E27FC236}">
-                <a16:creationId xmlns:a16="http://schemas.microsoft.com/office/drawing/2014/main" id="{759CBEE4-4C0F-3F40-BB5B-65E3C9037352}"/>
-              </a:ext>
-            </a:extLst>
-          </p:cNvPr>
+          <p:cNvPr id="2" name="页眉占位符 1"/>
           <p:cNvSpPr>
             <a:spLocks noGrp="1"/>
           </p:cNvSpPr>
@@ -198,13 +189,7 @@
       </p:sp>
       <p:sp>
         <p:nvSpPr>
-          <p:cNvPr id="3" name="日期占位符 2">
-            <a:extLst>
-              <a:ext uri="{FF2B5EF4-FFF2-40B4-BE49-F238E27FC236}">
-                <a16:creationId xmlns:a16="http://schemas.microsoft.com/office/drawing/2014/main" id="{B635E101-F953-E94E-BA2C-37F9DE9B9690}"/>
-              </a:ext>
-            </a:extLst>
-          </p:cNvPr>
+          <p:cNvPr id="3" name="日期占位符 2"/>
           <p:cNvSpPr>
             <a:spLocks noGrp="1"/>
           </p:cNvSpPr>
@@ -231,7 +216,7 @@
           <a:p>
             <a:fld id="{593F4049-CF41-9340-921C-9E953AEBC91D}" type="datetimeFigureOut">
               <a:rPr kumimoji="1" lang="zh-CN" altLang="en-US" smtClean="0"/>
-              <a:t>2022/11/10</a:t>
+              <a:t>2022/11/15</a:t>
             </a:fld>
             <a:endParaRPr kumimoji="1" lang="zh-CN" altLang="en-US"/>
           </a:p>
@@ -239,13 +224,7 @@
       </p:sp>
       <p:sp>
         <p:nvSpPr>
-          <p:cNvPr id="4" name="页脚占位符 3">
-            <a:extLst>
-              <a:ext uri="{FF2B5EF4-FFF2-40B4-BE49-F238E27FC236}">
-                <a16:creationId xmlns:a16="http://schemas.microsoft.com/office/drawing/2014/main" id="{9A06290A-E413-624E-A4C1-701D9CBC1C5F}"/>
-              </a:ext>
-            </a:extLst>
-          </p:cNvPr>
+          <p:cNvPr id="4" name="页脚占位符 3"/>
           <p:cNvSpPr>
             <a:spLocks noGrp="1"/>
           </p:cNvSpPr>
@@ -276,13 +255,7 @@
       </p:sp>
       <p:sp>
         <p:nvSpPr>
-          <p:cNvPr id="5" name="灯片编号占位符 4">
-            <a:extLst>
-              <a:ext uri="{FF2B5EF4-FFF2-40B4-BE49-F238E27FC236}">
-                <a16:creationId xmlns:a16="http://schemas.microsoft.com/office/drawing/2014/main" id="{F469756C-2436-AA45-BACD-278E6C38C4B4}"/>
-              </a:ext>
-            </a:extLst>
-          </p:cNvPr>
+          <p:cNvPr id="5" name="灯片编号占位符 4"/>
           <p:cNvSpPr>
             <a:spLocks noGrp="1"/>
           </p:cNvSpPr>
@@ -316,11 +289,6 @@
         </p:txBody>
       </p:sp>
     </p:spTree>
-    <p:extLst>
-      <p:ext uri="{BB962C8B-B14F-4D97-AF65-F5344CB8AC3E}">
-        <p14:creationId xmlns:p14="http://schemas.microsoft.com/office/powerpoint/2010/main" val="2901652156"/>
-      </p:ext>
-    </p:extLst>
   </p:cSld>
   <p:clrMap bg1="lt1" tx1="dk1" bg2="lt2" tx2="dk2" accent1="accent1" accent2="accent2" accent3="accent3" accent4="accent4" accent5="accent5" accent6="accent6" hlink="hlink" folHlink="folHlink"/>
   <p:hf hdr="0" ftr="0" dt="0"/>
@@ -412,7 +380,7 @@
           <a:p>
             <a:fld id="{773ADF60-34E7-844F-99D8-BAD0570EEDCD}" type="datetimeFigureOut">
               <a:rPr kumimoji="1" lang="zh-CN" altLang="en-US" smtClean="0"/>
-              <a:t>2022/11/10</a:t>
+              <a:t>2022/11/15</a:t>
             </a:fld>
             <a:endParaRPr kumimoji="1" lang="zh-CN" altLang="en-US"/>
           </a:p>
@@ -552,11 +520,6 @@
         </p:txBody>
       </p:sp>
     </p:spTree>
-    <p:extLst>
-      <p:ext uri="{BB962C8B-B14F-4D97-AF65-F5344CB8AC3E}">
-        <p14:creationId xmlns:p14="http://schemas.microsoft.com/office/powerpoint/2010/main" val="3589660135"/>
-      </p:ext>
-    </p:extLst>
   </p:cSld>
   <p:clrMap bg1="lt1" tx1="dk1" bg2="lt2" tx2="dk2" accent1="accent1" accent2="accent2" accent3="accent3" accent4="accent4" accent5="accent5" accent6="accent6" hlink="hlink" folHlink="folHlink"/>
   <p:hf hdr="0" ftr="0" dt="0"/>
@@ -794,7 +757,7 @@
           <a:p>
             <a:fld id="{5AFC35CC-315E-4EBB-BB1D-857C0F661865}" type="datetime1">
               <a:rPr kumimoji="1" lang="zh-CN" altLang="en-US" smtClean="0"/>
-              <a:t>2022/11/10</a:t>
+              <a:t>2022/11/15</a:t>
             </a:fld>
             <a:endParaRPr kumimoji="1" lang="zh-CN" altLang="en-US"/>
           </a:p>
@@ -825,7 +788,7 @@
               <a:t>骰子人工智能 </a:t>
             </a:r>
             <a:r>
-              <a:rPr kumimoji="1" lang="en" altLang="zh-CN"/>
+              <a:rPr kumimoji="1" lang="en-GB" altLang="zh-CN"/>
               <a:t>B</a:t>
             </a:r>
             <a:r>
@@ -837,7 +800,7 @@
               <a:t>:</a:t>
             </a:r>
             <a:r>
-              <a:rPr kumimoji="1" lang="en" altLang="zh-CN"/>
+              <a:rPr kumimoji="1" lang="en-GB" altLang="zh-CN"/>
               <a:t>https://space.bilibili.com/497998686</a:t>
             </a:r>
             <a:endParaRPr kumimoji="1" lang="zh-CN" altLang="en-US"/>
@@ -904,11 +867,6 @@
         </p:style>
       </p:cxnSp>
     </p:spTree>
-    <p:extLst>
-      <p:ext uri="{BB962C8B-B14F-4D97-AF65-F5344CB8AC3E}">
-        <p14:creationId xmlns:p14="http://schemas.microsoft.com/office/powerpoint/2010/main" val="311554197"/>
-      </p:ext>
-    </p:extLst>
   </p:cSld>
   <p:clrMapOvr>
     <a:masterClrMapping/>
@@ -963,7 +921,7 @@
             <a:spLocks noGrp="1"/>
           </p:cNvSpPr>
           <p:nvPr>
-            <p:ph type="body" orient="vert" idx="1"/>
+            <p:ph type="body" orient="vert" idx="1" hasCustomPrompt="1"/>
           </p:nvPr>
         </p:nvSpPr>
         <p:spPr/>
@@ -1001,7 +959,7 @@
           <a:p>
             <a:fld id="{8C20FC0B-28F4-401C-AB8E-06CF1AB074BD}" type="datetime1">
               <a:rPr kumimoji="1" lang="zh-CN" altLang="en-US" smtClean="0"/>
-              <a:t>2022/11/10</a:t>
+              <a:t>2022/11/15</a:t>
             </a:fld>
             <a:endParaRPr kumimoji="1" lang="zh-CN" altLang="en-US"/>
           </a:p>
@@ -1027,7 +985,7 @@
               <a:t>骰子人工智能 </a:t>
             </a:r>
             <a:r>
-              <a:rPr kumimoji="1" lang="en" altLang="zh-CN"/>
+              <a:rPr kumimoji="1" lang="en-GB" altLang="zh-CN"/>
               <a:t>B</a:t>
             </a:r>
             <a:r>
@@ -1039,7 +997,7 @@
               <a:t>:</a:t>
             </a:r>
             <a:r>
-              <a:rPr kumimoji="1" lang="en" altLang="zh-CN"/>
+              <a:rPr kumimoji="1" lang="en-GB" altLang="zh-CN"/>
               <a:t>https://space.bilibili.com/497998686</a:t>
             </a:r>
             <a:endParaRPr kumimoji="1" lang="zh-CN" altLang="en-US"/>
@@ -1101,11 +1059,6 @@
         </p:style>
       </p:cxnSp>
     </p:spTree>
-    <p:extLst>
-      <p:ext uri="{BB962C8B-B14F-4D97-AF65-F5344CB8AC3E}">
-        <p14:creationId xmlns:p14="http://schemas.microsoft.com/office/powerpoint/2010/main" val="858627704"/>
-      </p:ext>
-    </p:extLst>
   </p:cSld>
   <p:clrMapOvr>
     <a:masterClrMapping/>
@@ -1169,7 +1122,7 @@
             <a:spLocks noGrp="1"/>
           </p:cNvSpPr>
           <p:nvPr>
-            <p:ph type="body" orient="vert" idx="1"/>
+            <p:ph type="body" orient="vert" idx="1" hasCustomPrompt="1"/>
           </p:nvPr>
         </p:nvSpPr>
         <p:spPr>
@@ -1212,7 +1165,7 @@
           <a:p>
             <a:fld id="{C37B7176-7F49-4550-AE1D-81B48D7C7167}" type="datetime1">
               <a:rPr kumimoji="1" lang="zh-CN" altLang="en-US" smtClean="0"/>
-              <a:t>2022/11/10</a:t>
+              <a:t>2022/11/15</a:t>
             </a:fld>
             <a:endParaRPr kumimoji="1" lang="zh-CN" altLang="en-US"/>
           </a:p>
@@ -1238,7 +1191,7 @@
               <a:t>骰子人工智能 </a:t>
             </a:r>
             <a:r>
-              <a:rPr kumimoji="1" lang="en" altLang="zh-CN"/>
+              <a:rPr kumimoji="1" lang="en-GB" altLang="zh-CN"/>
               <a:t>B</a:t>
             </a:r>
             <a:r>
@@ -1250,7 +1203,7 @@
               <a:t>:</a:t>
             </a:r>
             <a:r>
-              <a:rPr kumimoji="1" lang="en" altLang="zh-CN"/>
+              <a:rPr kumimoji="1" lang="en-GB" altLang="zh-CN"/>
               <a:t>https://space.bilibili.com/497998686</a:t>
             </a:r>
             <a:endParaRPr kumimoji="1" lang="zh-CN" altLang="en-US"/>
@@ -1312,11 +1265,6 @@
         </p:style>
       </p:cxnSp>
     </p:spTree>
-    <p:extLst>
-      <p:ext uri="{BB962C8B-B14F-4D97-AF65-F5344CB8AC3E}">
-        <p14:creationId xmlns:p14="http://schemas.microsoft.com/office/powerpoint/2010/main" val="3215568835"/>
-      </p:ext>
-    </p:extLst>
   </p:cSld>
   <p:clrMapOvr>
     <a:masterClrMapping/>
@@ -1371,7 +1319,7 @@
             <a:spLocks noGrp="1"/>
           </p:cNvSpPr>
           <p:nvPr>
-            <p:ph idx="1"/>
+            <p:ph idx="1" hasCustomPrompt="1"/>
           </p:nvPr>
         </p:nvSpPr>
         <p:spPr/>
@@ -1409,7 +1357,7 @@
           <a:p>
             <a:fld id="{72B0BF93-9FD5-4DFE-973A-511ED9CC0D13}" type="datetime1">
               <a:rPr kumimoji="1" lang="zh-CN" altLang="en-US" smtClean="0"/>
-              <a:t>2022/11/10</a:t>
+              <a:t>2022/11/15</a:t>
             </a:fld>
             <a:endParaRPr kumimoji="1" lang="zh-CN" altLang="en-US"/>
           </a:p>
@@ -1435,7 +1383,7 @@
               <a:t>骰子人工智能 </a:t>
             </a:r>
             <a:r>
-              <a:rPr kumimoji="1" lang="en" altLang="zh-CN"/>
+              <a:rPr kumimoji="1" lang="en-GB" altLang="zh-CN"/>
               <a:t>B</a:t>
             </a:r>
             <a:r>
@@ -1447,7 +1395,7 @@
               <a:t>:</a:t>
             </a:r>
             <a:r>
-              <a:rPr kumimoji="1" lang="en" altLang="zh-CN"/>
+              <a:rPr kumimoji="1" lang="en-GB" altLang="zh-CN"/>
               <a:t>https://space.bilibili.com/497998686</a:t>
             </a:r>
             <a:endParaRPr kumimoji="1" lang="zh-CN" altLang="en-US"/>
@@ -1509,11 +1457,6 @@
         </p:style>
       </p:cxnSp>
     </p:spTree>
-    <p:extLst>
-      <p:ext uri="{BB962C8B-B14F-4D97-AF65-F5344CB8AC3E}">
-        <p14:creationId xmlns:p14="http://schemas.microsoft.com/office/powerpoint/2010/main" val="1627721030"/>
-      </p:ext>
-    </p:extLst>
   </p:cSld>
   <p:clrMapOvr>
     <a:masterClrMapping/>
@@ -1579,7 +1522,7 @@
             <a:spLocks noGrp="1"/>
           </p:cNvSpPr>
           <p:nvPr>
-            <p:ph type="body" idx="1"/>
+            <p:ph type="body" idx="1" hasCustomPrompt="1"/>
           </p:nvPr>
         </p:nvSpPr>
         <p:spPr>
@@ -1713,7 +1656,7 @@
           <a:p>
             <a:fld id="{97579F9F-1A62-4F0D-9ECB-1F991F2FCBE7}" type="datetime1">
               <a:rPr kumimoji="1" lang="zh-CN" altLang="en-US" smtClean="0"/>
-              <a:t>2022/11/10</a:t>
+              <a:t>2022/11/15</a:t>
             </a:fld>
             <a:endParaRPr kumimoji="1" lang="zh-CN" altLang="en-US"/>
           </a:p>
@@ -1739,7 +1682,7 @@
               <a:t>骰子人工智能 </a:t>
             </a:r>
             <a:r>
-              <a:rPr kumimoji="1" lang="en" altLang="zh-CN"/>
+              <a:rPr kumimoji="1" lang="en-GB" altLang="zh-CN"/>
               <a:t>B</a:t>
             </a:r>
             <a:r>
@@ -1751,7 +1694,7 @@
               <a:t>:</a:t>
             </a:r>
             <a:r>
-              <a:rPr kumimoji="1" lang="en" altLang="zh-CN"/>
+              <a:rPr kumimoji="1" lang="en-GB" altLang="zh-CN"/>
               <a:t>https://space.bilibili.com/497998686</a:t>
             </a:r>
             <a:endParaRPr kumimoji="1" lang="zh-CN" altLang="en-US"/>
@@ -1813,11 +1756,6 @@
         </p:style>
       </p:cxnSp>
     </p:spTree>
-    <p:extLst>
-      <p:ext uri="{BB962C8B-B14F-4D97-AF65-F5344CB8AC3E}">
-        <p14:creationId xmlns:p14="http://schemas.microsoft.com/office/powerpoint/2010/main" val="3704028783"/>
-      </p:ext>
-    </p:extLst>
   </p:cSld>
   <p:clrMapOvr>
     <a:masterClrMapping/>
@@ -1877,7 +1815,7 @@
             <a:spLocks noGrp="1"/>
           </p:cNvSpPr>
           <p:nvPr>
-            <p:ph sz="half" idx="1"/>
+            <p:ph sz="half" idx="1" hasCustomPrompt="1"/>
           </p:nvPr>
         </p:nvSpPr>
         <p:spPr>
@@ -1910,7 +1848,7 @@
             <a:spLocks noGrp="1"/>
           </p:cNvSpPr>
           <p:nvPr>
-            <p:ph sz="half" idx="2"/>
+            <p:ph sz="half" idx="2" hasCustomPrompt="1"/>
           </p:nvPr>
         </p:nvSpPr>
         <p:spPr>
@@ -1953,7 +1891,7 @@
           <a:p>
             <a:fld id="{4FCF45F3-C8D2-439C-BE78-FF24BD87F948}" type="datetime1">
               <a:rPr kumimoji="1" lang="zh-CN" altLang="en-US" smtClean="0"/>
-              <a:t>2022/11/10</a:t>
+              <a:t>2022/11/15</a:t>
             </a:fld>
             <a:endParaRPr kumimoji="1" lang="zh-CN" altLang="en-US"/>
           </a:p>
@@ -1979,7 +1917,7 @@
               <a:t>骰子人工智能 </a:t>
             </a:r>
             <a:r>
-              <a:rPr kumimoji="1" lang="en" altLang="zh-CN"/>
+              <a:rPr kumimoji="1" lang="en-GB" altLang="zh-CN"/>
               <a:t>B</a:t>
             </a:r>
             <a:r>
@@ -1991,7 +1929,7 @@
               <a:t>:</a:t>
             </a:r>
             <a:r>
-              <a:rPr kumimoji="1" lang="en" altLang="zh-CN"/>
+              <a:rPr kumimoji="1" lang="en-GB" altLang="zh-CN"/>
               <a:t>https://space.bilibili.com/497998686</a:t>
             </a:r>
             <a:endParaRPr kumimoji="1" lang="zh-CN" altLang="en-US"/>
@@ -2053,11 +1991,6 @@
         </p:style>
       </p:cxnSp>
     </p:spTree>
-    <p:extLst>
-      <p:ext uri="{BB962C8B-B14F-4D97-AF65-F5344CB8AC3E}">
-        <p14:creationId xmlns:p14="http://schemas.microsoft.com/office/powerpoint/2010/main" val="1014736514"/>
-      </p:ext>
-    </p:extLst>
   </p:cSld>
   <p:clrMapOvr>
     <a:masterClrMapping/>
@@ -2117,7 +2050,7 @@
             <a:spLocks noGrp="1"/>
           </p:cNvSpPr>
           <p:nvPr>
-            <p:ph type="body" idx="1"/>
+            <p:ph type="body" idx="1" hasCustomPrompt="1"/>
           </p:nvPr>
         </p:nvSpPr>
         <p:spPr>
@@ -2196,7 +2129,7 @@
             <a:spLocks noGrp="1"/>
           </p:cNvSpPr>
           <p:nvPr>
-            <p:ph sz="half" idx="2"/>
+            <p:ph sz="half" idx="2" hasCustomPrompt="1"/>
           </p:nvPr>
         </p:nvSpPr>
         <p:spPr>
@@ -2229,7 +2162,7 @@
             <a:spLocks noGrp="1"/>
           </p:cNvSpPr>
           <p:nvPr>
-            <p:ph type="body" sz="quarter" idx="3"/>
+            <p:ph type="body" sz="quarter" idx="3" hasCustomPrompt="1"/>
           </p:nvPr>
         </p:nvSpPr>
         <p:spPr>
@@ -2308,7 +2241,7 @@
             <a:spLocks noGrp="1"/>
           </p:cNvSpPr>
           <p:nvPr>
-            <p:ph sz="quarter" idx="4"/>
+            <p:ph sz="quarter" idx="4" hasCustomPrompt="1"/>
           </p:nvPr>
         </p:nvSpPr>
         <p:spPr>
@@ -2351,7 +2284,7 @@
           <a:p>
             <a:fld id="{D76B6416-4DA9-4757-8CE2-FBD225BFDEFA}" type="datetime1">
               <a:rPr kumimoji="1" lang="zh-CN" altLang="en-US" smtClean="0"/>
-              <a:t>2022/11/10</a:t>
+              <a:t>2022/11/15</a:t>
             </a:fld>
             <a:endParaRPr kumimoji="1" lang="zh-CN" altLang="en-US"/>
           </a:p>
@@ -2377,7 +2310,7 @@
               <a:t>骰子人工智能 </a:t>
             </a:r>
             <a:r>
-              <a:rPr kumimoji="1" lang="en" altLang="zh-CN"/>
+              <a:rPr kumimoji="1" lang="en-GB" altLang="zh-CN"/>
               <a:t>B</a:t>
             </a:r>
             <a:r>
@@ -2389,7 +2322,7 @@
               <a:t>:</a:t>
             </a:r>
             <a:r>
-              <a:rPr kumimoji="1" lang="en" altLang="zh-CN"/>
+              <a:rPr kumimoji="1" lang="en-GB" altLang="zh-CN"/>
               <a:t>https://space.bilibili.com/497998686</a:t>
             </a:r>
             <a:endParaRPr kumimoji="1" lang="zh-CN" altLang="en-US"/>
@@ -2451,11 +2384,6 @@
         </p:style>
       </p:cxnSp>
     </p:spTree>
-    <p:extLst>
-      <p:ext uri="{BB962C8B-B14F-4D97-AF65-F5344CB8AC3E}">
-        <p14:creationId xmlns:p14="http://schemas.microsoft.com/office/powerpoint/2010/main" val="3639993523"/>
-      </p:ext>
-    </p:extLst>
   </p:cSld>
   <p:clrMapOvr>
     <a:masterClrMapping/>
@@ -2520,7 +2448,7 @@
           <a:p>
             <a:fld id="{45E0F46D-7C48-4361-92F7-8D388B6E6072}" type="datetime1">
               <a:rPr kumimoji="1" lang="zh-CN" altLang="en-US" smtClean="0"/>
-              <a:t>2022/11/10</a:t>
+              <a:t>2022/11/15</a:t>
             </a:fld>
             <a:endParaRPr kumimoji="1" lang="zh-CN" altLang="en-US"/>
           </a:p>
@@ -2546,7 +2474,7 @@
               <a:t>骰子人工智能 </a:t>
             </a:r>
             <a:r>
-              <a:rPr kumimoji="1" lang="en" altLang="zh-CN"/>
+              <a:rPr kumimoji="1" lang="en-GB" altLang="zh-CN"/>
               <a:t>B</a:t>
             </a:r>
             <a:r>
@@ -2558,7 +2486,7 @@
               <a:t>:</a:t>
             </a:r>
             <a:r>
-              <a:rPr kumimoji="1" lang="en" altLang="zh-CN"/>
+              <a:rPr kumimoji="1" lang="en-GB" altLang="zh-CN"/>
               <a:t>https://space.bilibili.com/497998686</a:t>
             </a:r>
             <a:endParaRPr kumimoji="1" lang="zh-CN" altLang="en-US"/>
@@ -2620,11 +2548,6 @@
         </p:style>
       </p:cxnSp>
     </p:spTree>
-    <p:extLst>
-      <p:ext uri="{BB962C8B-B14F-4D97-AF65-F5344CB8AC3E}">
-        <p14:creationId xmlns:p14="http://schemas.microsoft.com/office/powerpoint/2010/main" val="3412114575"/>
-      </p:ext>
-    </p:extLst>
   </p:cSld>
   <p:clrMapOvr>
     <a:masterClrMapping/>
@@ -2666,7 +2589,7 @@
           <a:p>
             <a:fld id="{91486523-A9F2-41A0-BE19-13D07F5199E8}" type="datetime1">
               <a:rPr kumimoji="1" lang="zh-CN" altLang="en-US" smtClean="0"/>
-              <a:t>2022/11/10</a:t>
+              <a:t>2022/11/15</a:t>
             </a:fld>
             <a:endParaRPr kumimoji="1" lang="zh-CN" altLang="en-US"/>
           </a:p>
@@ -2692,7 +2615,7 @@
               <a:t>骰子人工智能 </a:t>
             </a:r>
             <a:r>
-              <a:rPr kumimoji="1" lang="en" altLang="zh-CN"/>
+              <a:rPr kumimoji="1" lang="en-GB" altLang="zh-CN"/>
               <a:t>B</a:t>
             </a:r>
             <a:r>
@@ -2704,7 +2627,7 @@
               <a:t>:</a:t>
             </a:r>
             <a:r>
-              <a:rPr kumimoji="1" lang="en" altLang="zh-CN"/>
+              <a:rPr kumimoji="1" lang="en-GB" altLang="zh-CN"/>
               <a:t>https://space.bilibili.com/497998686</a:t>
             </a:r>
             <a:endParaRPr kumimoji="1" lang="zh-CN" altLang="en-US"/>
@@ -2735,11 +2658,6 @@
         </p:txBody>
       </p:sp>
     </p:spTree>
-    <p:extLst>
-      <p:ext uri="{BB962C8B-B14F-4D97-AF65-F5344CB8AC3E}">
-        <p14:creationId xmlns:p14="http://schemas.microsoft.com/office/powerpoint/2010/main" val="303598902"/>
-      </p:ext>
-    </p:extLst>
   </p:cSld>
   <p:clrMapOvr>
     <a:masterClrMapping/>
@@ -2805,7 +2723,7 @@
             <a:spLocks noGrp="1"/>
           </p:cNvSpPr>
           <p:nvPr>
-            <p:ph idx="1"/>
+            <p:ph idx="1" hasCustomPrompt="1"/>
           </p:nvPr>
         </p:nvSpPr>
         <p:spPr>
@@ -2838,7 +2756,7 @@
             <a:spLocks noGrp="1"/>
           </p:cNvSpPr>
           <p:nvPr>
-            <p:ph type="body" sz="half" idx="2"/>
+            <p:ph type="body" sz="half" idx="2" hasCustomPrompt="1"/>
           </p:nvPr>
         </p:nvSpPr>
         <p:spPr>
@@ -2918,7 +2836,7 @@
           <a:p>
             <a:fld id="{CF403A26-3DC0-49C3-81DB-831A026EC17E}" type="datetime1">
               <a:rPr kumimoji="1" lang="zh-CN" altLang="en-US" smtClean="0"/>
-              <a:t>2022/11/10</a:t>
+              <a:t>2022/11/15</a:t>
             </a:fld>
             <a:endParaRPr kumimoji="1" lang="zh-CN" altLang="en-US"/>
           </a:p>
@@ -2944,7 +2862,7 @@
               <a:t>骰子人工智能 </a:t>
             </a:r>
             <a:r>
-              <a:rPr kumimoji="1" lang="en" altLang="zh-CN"/>
+              <a:rPr kumimoji="1" lang="en-GB" altLang="zh-CN"/>
               <a:t>B</a:t>
             </a:r>
             <a:r>
@@ -2956,7 +2874,7 @@
               <a:t>:</a:t>
             </a:r>
             <a:r>
-              <a:rPr kumimoji="1" lang="en" altLang="zh-CN"/>
+              <a:rPr kumimoji="1" lang="en-GB" altLang="zh-CN"/>
               <a:t>https://space.bilibili.com/497998686</a:t>
             </a:r>
             <a:endParaRPr kumimoji="1" lang="zh-CN" altLang="en-US"/>
@@ -3018,11 +2936,6 @@
         </p:style>
       </p:cxnSp>
     </p:spTree>
-    <p:extLst>
-      <p:ext uri="{BB962C8B-B14F-4D97-AF65-F5344CB8AC3E}">
-        <p14:creationId xmlns:p14="http://schemas.microsoft.com/office/powerpoint/2010/main" val="3749863660"/>
-      </p:ext>
-    </p:extLst>
   </p:cSld>
   <p:clrMapOvr>
     <a:masterClrMapping/>
@@ -3297,7 +3210,7 @@
             <a:spLocks noGrp="1"/>
           </p:cNvSpPr>
           <p:nvPr>
-            <p:ph type="body" sz="half" idx="2"/>
+            <p:ph type="body" sz="half" idx="2" hasCustomPrompt="1"/>
           </p:nvPr>
         </p:nvSpPr>
         <p:spPr>
@@ -3388,7 +3301,7 @@
           <a:p>
             <a:fld id="{4D0BDDCD-FC51-46EB-9EB5-A43390A2D02D}" type="datetime1">
               <a:rPr kumimoji="1" lang="zh-CN" altLang="en-US" smtClean="0"/>
-              <a:t>2022/11/10</a:t>
+              <a:t>2022/11/15</a:t>
             </a:fld>
             <a:endParaRPr kumimoji="1" lang="zh-CN" altLang="en-US"/>
           </a:p>
@@ -3419,7 +3332,7 @@
               <a:t>骰子人工智能 </a:t>
             </a:r>
             <a:r>
-              <a:rPr kumimoji="1" lang="en" altLang="zh-CN"/>
+              <a:rPr kumimoji="1" lang="en-GB" altLang="zh-CN"/>
               <a:t>B</a:t>
             </a:r>
             <a:r>
@@ -3431,7 +3344,7 @@
               <a:t>:</a:t>
             </a:r>
             <a:r>
-              <a:rPr kumimoji="1" lang="en" altLang="zh-CN"/>
+              <a:rPr kumimoji="1" lang="en-GB" altLang="zh-CN"/>
               <a:t>https://space.bilibili.com/497998686</a:t>
             </a:r>
             <a:endParaRPr kumimoji="1" lang="zh-CN" altLang="en-US"/>
@@ -3493,11 +3406,6 @@
         </p:style>
       </p:cxnSp>
     </p:spTree>
-    <p:extLst>
-      <p:ext uri="{BB962C8B-B14F-4D97-AF65-F5344CB8AC3E}">
-        <p14:creationId xmlns:p14="http://schemas.microsoft.com/office/powerpoint/2010/main" val="1243560379"/>
-      </p:ext>
-    </p:extLst>
   </p:cSld>
   <p:clrMapOvr>
     <a:masterClrMapping/>
@@ -3613,7 +3521,9 @@
             </a:extLst>
           </a:blip>
           <a:srcRect t="1538" b="-1538"/>
-          <a:stretch/>
+          <a:stretch>
+            <a:fillRect/>
+          </a:stretch>
         </p:blipFill>
         <p:spPr bwMode="black">
           <a:xfrm>
@@ -3754,7 +3664,7 @@
           <a:p>
             <a:fld id="{46AEEAAB-4F17-4025-A311-BC19406417DF}" type="datetime1">
               <a:rPr kumimoji="1" lang="zh-CN" altLang="en-US" smtClean="0"/>
-              <a:t>2022/11/10</a:t>
+              <a:t>2022/11/15</a:t>
             </a:fld>
             <a:endParaRPr kumimoji="1" lang="zh-CN" altLang="en-US"/>
           </a:p>
@@ -3798,7 +3708,7 @@
               <a:t>骰子人工智能 </a:t>
             </a:r>
             <a:r>
-              <a:rPr kumimoji="1" lang="en" altLang="zh-CN"/>
+              <a:rPr kumimoji="1" lang="en-GB" altLang="zh-CN"/>
               <a:t>B</a:t>
             </a:r>
             <a:r>
@@ -3810,7 +3720,7 @@
               <a:t>:</a:t>
             </a:r>
             <a:r>
-              <a:rPr kumimoji="1" lang="en" altLang="zh-CN"/>
+              <a:rPr kumimoji="1" lang="en-GB" altLang="zh-CN"/>
               <a:t>https://space.bilibili.com/497998686</a:t>
             </a:r>
             <a:endParaRPr kumimoji="1" lang="zh-CN" altLang="en-US"/>
@@ -3894,25 +3804,20 @@
         </p:style>
       </p:cxnSp>
     </p:spTree>
-    <p:extLst>
-      <p:ext uri="{BB962C8B-B14F-4D97-AF65-F5344CB8AC3E}">
-        <p14:creationId xmlns:p14="http://schemas.microsoft.com/office/powerpoint/2010/main" val="1085049637"/>
-      </p:ext>
-    </p:extLst>
   </p:cSld>
   <p:clrMap bg1="lt1" tx1="dk1" bg2="lt2" tx2="dk2" accent1="accent1" accent2="accent2" accent3="accent3" accent4="accent4" accent5="accent5" accent6="accent6" hlink="hlink" folHlink="folHlink"/>
   <p:sldLayoutIdLst>
-    <p:sldLayoutId id="2147483829" r:id="rId1"/>
-    <p:sldLayoutId id="2147483830" r:id="rId2"/>
-    <p:sldLayoutId id="2147483831" r:id="rId3"/>
-    <p:sldLayoutId id="2147483832" r:id="rId4"/>
-    <p:sldLayoutId id="2147483833" r:id="rId5"/>
-    <p:sldLayoutId id="2147483834" r:id="rId6"/>
-    <p:sldLayoutId id="2147483835" r:id="rId7"/>
-    <p:sldLayoutId id="2147483836" r:id="rId8"/>
-    <p:sldLayoutId id="2147483837" r:id="rId9"/>
-    <p:sldLayoutId id="2147483838" r:id="rId10"/>
-    <p:sldLayoutId id="2147483839" r:id="rId11"/>
+    <p:sldLayoutId id="2147483649" r:id="rId1"/>
+    <p:sldLayoutId id="2147483650" r:id="rId2"/>
+    <p:sldLayoutId id="2147483651" r:id="rId3"/>
+    <p:sldLayoutId id="2147483652" r:id="rId4"/>
+    <p:sldLayoutId id="2147483653" r:id="rId5"/>
+    <p:sldLayoutId id="2147483654" r:id="rId6"/>
+    <p:sldLayoutId id="2147483655" r:id="rId7"/>
+    <p:sldLayoutId id="2147483656" r:id="rId8"/>
+    <p:sldLayoutId id="2147483657" r:id="rId9"/>
+    <p:sldLayoutId id="2147483658" r:id="rId10"/>
+    <p:sldLayoutId id="2147483659" r:id="rId11"/>
   </p:sldLayoutIdLst>
   <p:hf sldNum="0" hdr="0" ftr="0" dt="0"/>
   <p:txStyles>
@@ -4263,13 +4168,7 @@
       </p:grpSpPr>
       <p:sp>
         <p:nvSpPr>
-          <p:cNvPr id="3" name="标题 2">
-            <a:extLst>
-              <a:ext uri="{FF2B5EF4-FFF2-40B4-BE49-F238E27FC236}">
-                <a16:creationId xmlns:a16="http://schemas.microsoft.com/office/drawing/2014/main" id="{6FC65379-817E-4EA0-9A70-90A8F60DBF33}"/>
-              </a:ext>
-            </a:extLst>
-          </p:cNvPr>
+          <p:cNvPr id="3" name="标题 2"/>
           <p:cNvSpPr>
             <a:spLocks noGrp="1"/>
           </p:cNvSpPr>
@@ -4311,13 +4210,7 @@
       </p:sp>
       <p:sp>
         <p:nvSpPr>
-          <p:cNvPr id="4" name="副标题 3">
-            <a:extLst>
-              <a:ext uri="{FF2B5EF4-FFF2-40B4-BE49-F238E27FC236}">
-                <a16:creationId xmlns:a16="http://schemas.microsoft.com/office/drawing/2014/main" id="{9FEA9230-5CCD-4DB6-B457-7CD0F19ABB2F}"/>
-              </a:ext>
-            </a:extLst>
-          </p:cNvPr>
+          <p:cNvPr id="4" name="副标题 3"/>
           <p:cNvSpPr>
             <a:spLocks noGrp="1"/>
           </p:cNvSpPr>
@@ -4351,22 +4244,14 @@
       </p:sp>
       <p:pic>
         <p:nvPicPr>
-          <p:cNvPr id="5" name="图片 4">
-            <a:extLst>
-              <a:ext uri="{FF2B5EF4-FFF2-40B4-BE49-F238E27FC236}">
-                <a16:creationId xmlns:a16="http://schemas.microsoft.com/office/drawing/2014/main" id="{C270A841-4E85-4FC7-9707-F2EC2F238880}"/>
-              </a:ext>
-            </a:extLst>
-          </p:cNvPr>
+          <p:cNvPr id="5" name="图片 4"/>
           <p:cNvPicPr>
             <a:picLocks noChangeAspect="1"/>
           </p:cNvPicPr>
           <p:nvPr/>
         </p:nvPicPr>
         <p:blipFill>
-          <a:blip r:embed="rId2">
-            <a:alphaModFix/>
-          </a:blip>
+          <a:blip r:embed="rId2"/>
           <a:stretch>
             <a:fillRect/>
           </a:stretch>
@@ -4383,11 +4268,6 @@
         </p:spPr>
       </p:pic>
     </p:spTree>
-    <p:extLst>
-      <p:ext uri="{BB962C8B-B14F-4D97-AF65-F5344CB8AC3E}">
-        <p14:creationId xmlns:p14="http://schemas.microsoft.com/office/powerpoint/2010/main" val="4127976646"/>
-      </p:ext>
-    </p:extLst>
   </p:cSld>
   <p:clrMapOvr>
     <a:masterClrMapping/>
@@ -4414,13 +4294,7 @@
       </p:grpSpPr>
       <p:sp>
         <p:nvSpPr>
-          <p:cNvPr id="2" name="标题 1">
-            <a:extLst>
-              <a:ext uri="{FF2B5EF4-FFF2-40B4-BE49-F238E27FC236}">
-                <a16:creationId xmlns:a16="http://schemas.microsoft.com/office/drawing/2014/main" id="{5952F855-CD1A-4361-A4F1-4916B2130B35}"/>
-              </a:ext>
-            </a:extLst>
-          </p:cNvPr>
+          <p:cNvPr id="2" name="标题 1"/>
           <p:cNvSpPr>
             <a:spLocks noGrp="1"/>
           </p:cNvSpPr>
@@ -4450,13 +4324,7 @@
       </p:sp>
       <p:sp>
         <p:nvSpPr>
-          <p:cNvPr id="3" name="内容占位符 2">
-            <a:extLst>
-              <a:ext uri="{FF2B5EF4-FFF2-40B4-BE49-F238E27FC236}">
-                <a16:creationId xmlns:a16="http://schemas.microsoft.com/office/drawing/2014/main" id="{FA231E46-3B3E-4CB7-B774-6318FFFDE730}"/>
-              </a:ext>
-            </a:extLst>
-          </p:cNvPr>
+          <p:cNvPr id="3" name="内容占位符 2"/>
           <p:cNvSpPr>
             <a:spLocks noGrp="1"/>
           </p:cNvSpPr>
@@ -4888,11 +4756,6 @@
         </p:txBody>
       </p:sp>
     </p:spTree>
-    <p:extLst>
-      <p:ext uri="{BB962C8B-B14F-4D97-AF65-F5344CB8AC3E}">
-        <p14:creationId xmlns:p14="http://schemas.microsoft.com/office/powerpoint/2010/main" val="4185046895"/>
-      </p:ext>
-    </p:extLst>
   </p:cSld>
   <p:clrMapOvr>
     <a:masterClrMapping/>
@@ -4919,13 +4782,7 @@
       </p:grpSpPr>
       <p:sp>
         <p:nvSpPr>
-          <p:cNvPr id="2" name="标题 1">
-            <a:extLst>
-              <a:ext uri="{FF2B5EF4-FFF2-40B4-BE49-F238E27FC236}">
-                <a16:creationId xmlns:a16="http://schemas.microsoft.com/office/drawing/2014/main" id="{BDEAB4AC-3E24-684B-8A42-6CD262275A34}"/>
-              </a:ext>
-            </a:extLst>
-          </p:cNvPr>
+          <p:cNvPr id="2" name="标题 1"/>
           <p:cNvSpPr>
             <a:spLocks noGrp="1"/>
           </p:cNvSpPr>
@@ -4942,27 +4799,29 @@
           <a:p>
             <a:pPr algn="ctr"/>
             <a:r>
-              <a:rPr kumimoji="1" lang="en-US" altLang="zh-CN" sz="3600" b="1" dirty="0"/>
+              <a:rPr kumimoji="1" lang="en-US" altLang="zh-CN" sz="3600" b="1" dirty="0">
+                <a:latin typeface="宋体" panose="02010600030101010101" pitchFamily="2" charset="-122"/>
+                <a:ea typeface="宋体" panose="02010600030101010101" pitchFamily="2" charset="-122"/>
+                <a:cs typeface="宋体" panose="02010600030101010101" pitchFamily="2" charset="-122"/>
+              </a:rPr>
               <a:t>1. </a:t>
             </a:r>
             <a:r>
-              <a:rPr kumimoji="1" lang="zh-CN" altLang="en-US" sz="3600" b="1" dirty="0"/>
+              <a:rPr kumimoji="1" lang="zh-CN" altLang="en-US" sz="3600" b="1" dirty="0">
+                <a:latin typeface="宋体" panose="02010600030101010101" pitchFamily="2" charset="-122"/>
+                <a:ea typeface="宋体" panose="02010600030101010101" pitchFamily="2" charset="-122"/>
+                <a:cs typeface="宋体" panose="02010600030101010101" pitchFamily="2" charset="-122"/>
+              </a:rPr>
               <a:t>循环神经网络</a:t>
             </a:r>
           </a:p>
         </p:txBody>
       </p:sp>
-      <mc:AlternateContent xmlns:mc="http://schemas.openxmlformats.org/markup-compatibility/2006">
-        <mc:Choice xmlns:a14="http://schemas.microsoft.com/office/drawing/2010/main" Requires="a14">
+      <mc:AlternateContent xmlns:mc="http://schemas.openxmlformats.org/markup-compatibility/2006" xmlns:a14="http://schemas.microsoft.com/office/drawing/2010/main">
+        <mc:Choice Requires="a14">
           <p:sp>
             <p:nvSpPr>
-              <p:cNvPr id="3" name="内容占位符 2">
-                <a:extLst>
-                  <a:ext uri="{FF2B5EF4-FFF2-40B4-BE49-F238E27FC236}">
-                    <a16:creationId xmlns:a16="http://schemas.microsoft.com/office/drawing/2014/main" id="{FF3B8DE9-0095-414A-9B81-D08E7779AEB8}"/>
-                  </a:ext>
-                </a:extLst>
-              </p:cNvPr>
+              <p:cNvPr id="3" name="内容占位符 2"/>
               <p:cNvSpPr>
                 <a:spLocks noGrp="1"/>
               </p:cNvSpPr>
@@ -4977,49 +4836,91 @@
               </a:xfrm>
             </p:spPr>
             <p:txBody>
-              <a:bodyPr/>
+              <a:bodyPr>
+                <a:normAutofit fontScale="92500"/>
+              </a:bodyPr>
               <a:lstStyle/>
               <a:p>
                 <a:pPr marL="0" indent="0">
                   <a:buNone/>
                 </a:pPr>
                 <a:r>
-                  <a:rPr lang="zh-CN" altLang="en-US" dirty="0"/>
+                  <a:rPr lang="zh-CN" altLang="en-US" dirty="0">
+                    <a:latin typeface="宋体" panose="02010600030101010101" pitchFamily="2" charset="-122"/>
+                    <a:ea typeface="宋体" panose="02010600030101010101" pitchFamily="2" charset="-122"/>
+                    <a:cs typeface="宋体" panose="02010600030101010101" pitchFamily="2" charset="-122"/>
+                  </a:rPr>
                   <a:t>循环神经网络</a:t>
                 </a:r>
                 <a:r>
-                  <a:rPr lang="en-US" altLang="zh-CN" dirty="0"/>
+                  <a:rPr lang="en-US" altLang="zh-CN" dirty="0">
+                    <a:latin typeface="宋体" panose="02010600030101010101" pitchFamily="2" charset="-122"/>
+                    <a:ea typeface="宋体" panose="02010600030101010101" pitchFamily="2" charset="-122"/>
+                    <a:cs typeface="宋体" panose="02010600030101010101" pitchFamily="2" charset="-122"/>
+                  </a:rPr>
                   <a:t>(Recurrent Neural Network,</a:t>
                 </a:r>
                 <a:r>
-                  <a:rPr lang="zh-CN" altLang="en-US" dirty="0"/>
+                  <a:rPr lang="zh-CN" altLang="en-US" dirty="0">
+                    <a:latin typeface="宋体" panose="02010600030101010101" pitchFamily="2" charset="-122"/>
+                    <a:ea typeface="宋体" panose="02010600030101010101" pitchFamily="2" charset="-122"/>
+                    <a:cs typeface="宋体" panose="02010600030101010101" pitchFamily="2" charset="-122"/>
+                  </a:rPr>
                   <a:t> </a:t>
                 </a:r>
                 <a:r>
-                  <a:rPr lang="en-US" altLang="zh-CN" dirty="0"/>
+                  <a:rPr lang="en-US" altLang="zh-CN" dirty="0">
+                    <a:latin typeface="宋体" panose="02010600030101010101" pitchFamily="2" charset="-122"/>
+                    <a:ea typeface="宋体" panose="02010600030101010101" pitchFamily="2" charset="-122"/>
+                    <a:cs typeface="宋体" panose="02010600030101010101" pitchFamily="2" charset="-122"/>
+                  </a:rPr>
                   <a:t>RNN)</a:t>
                 </a:r>
                 <a:r>
-                  <a:rPr lang="zh-CN" altLang="en-US" dirty="0"/>
+                  <a:rPr lang="zh-CN" altLang="en-US" dirty="0">
+                    <a:latin typeface="宋体" panose="02010600030101010101" pitchFamily="2" charset="-122"/>
+                    <a:ea typeface="宋体" panose="02010600030101010101" pitchFamily="2" charset="-122"/>
+                    <a:cs typeface="宋体" panose="02010600030101010101" pitchFamily="2" charset="-122"/>
+                  </a:rPr>
                   <a:t>由多个</a:t>
                 </a:r>
                 <a:r>
-                  <a:rPr lang="en-US" altLang="zh-CN" dirty="0"/>
+                  <a:rPr lang="en-US" altLang="zh-CN" dirty="0">
+                    <a:latin typeface="宋体" panose="02010600030101010101" pitchFamily="2" charset="-122"/>
+                    <a:ea typeface="宋体" panose="02010600030101010101" pitchFamily="2" charset="-122"/>
+                    <a:cs typeface="宋体" panose="02010600030101010101" pitchFamily="2" charset="-122"/>
+                  </a:rPr>
                   <a:t>RNN Cell</a:t>
                 </a:r>
                 <a:r>
-                  <a:rPr lang="zh-CN" altLang="en-US" dirty="0"/>
+                  <a:rPr lang="zh-CN" altLang="en-US" dirty="0">
+                    <a:latin typeface="宋体" panose="02010600030101010101" pitchFamily="2" charset="-122"/>
+                    <a:ea typeface="宋体" panose="02010600030101010101" pitchFamily="2" charset="-122"/>
+                    <a:cs typeface="宋体" panose="02010600030101010101" pitchFamily="2" charset="-122"/>
+                  </a:rPr>
                   <a:t>组成，每个</a:t>
                 </a:r>
                 <a:r>
-                  <a:rPr lang="en-US" altLang="zh-CN" dirty="0"/>
+                  <a:rPr lang="en-US" altLang="zh-CN" dirty="0">
+                    <a:latin typeface="宋体" panose="02010600030101010101" pitchFamily="2" charset="-122"/>
+                    <a:ea typeface="宋体" panose="02010600030101010101" pitchFamily="2" charset="-122"/>
+                    <a:cs typeface="宋体" panose="02010600030101010101" pitchFamily="2" charset="-122"/>
+                  </a:rPr>
                   <a:t>Cell</a:t>
                 </a:r>
                 <a:r>
-                  <a:rPr lang="zh-CN" altLang="en-US" dirty="0"/>
+                  <a:rPr lang="zh-CN" altLang="en-US" dirty="0">
+                    <a:latin typeface="宋体" panose="02010600030101010101" pitchFamily="2" charset="-122"/>
+                    <a:ea typeface="宋体" panose="02010600030101010101" pitchFamily="2" charset="-122"/>
+                    <a:cs typeface="宋体" panose="02010600030101010101" pitchFamily="2" charset="-122"/>
+                  </a:rPr>
                   <a:t>的计算公式如下：</a:t>
                 </a:r>
-                <a:endParaRPr lang="en-US" altLang="zh-CN" dirty="0"/>
+                <a:endParaRPr lang="en-US" altLang="zh-CN" dirty="0">
+                  <a:latin typeface="宋体" panose="02010600030101010101" pitchFamily="2" charset="-122"/>
+                  <a:ea typeface="宋体" panose="02010600030101010101" pitchFamily="2" charset="-122"/>
+                  <a:cs typeface="宋体" panose="02010600030101010101" pitchFamily="2" charset="-122"/>
+                </a:endParaRPr>
               </a:p>
               <a:p>
                 <a:pPr marL="0" indent="0">
@@ -5037,7 +4938,8 @@
                             <a:rPr lang="zh-CN" altLang="zh-CN" i="1" smtClean="0">
                               <a:effectLst/>
                               <a:latin typeface="Cambria Math" panose="02040503050406030204" pitchFamily="18" charset="0"/>
-                              <a:ea typeface="Cambria Math" panose="02040503050406030204" pitchFamily="18" charset="0"/>
+                              <a:ea typeface="宋体" panose="02010600030101010101" pitchFamily="2" charset="-122"/>
+                              <a:cs typeface="Cambria Math" panose="02040503050406030204" pitchFamily="18" charset="0"/>
                             </a:rPr>
                           </m:ctrlPr>
                         </m:sSubPr>
@@ -5047,7 +4949,7 @@
                               <a:effectLst/>
                               <a:latin typeface="Cambria Math" panose="02040503050406030204" pitchFamily="18" charset="0"/>
                               <a:ea typeface="宋体" panose="02010600030101010101" pitchFamily="2" charset="-122"/>
-                              <a:cs typeface="Times New Roman" panose="02020603050405020304" pitchFamily="18" charset="0"/>
+                              <a:cs typeface="Cambria Math" panose="02040503050406030204" pitchFamily="18" charset="0"/>
                             </a:rPr>
                             <m:t>𝒉</m:t>
                           </m:r>
@@ -5058,7 +4960,7 @@
                               <a:effectLst/>
                               <a:latin typeface="Cambria Math" panose="02040503050406030204" pitchFamily="18" charset="0"/>
                               <a:ea typeface="宋体" panose="02010600030101010101" pitchFamily="2" charset="-122"/>
-                              <a:cs typeface="Times New Roman" panose="02020603050405020304" pitchFamily="18" charset="0"/>
+                              <a:cs typeface="Cambria Math" panose="02040503050406030204" pitchFamily="18" charset="0"/>
                             </a:rPr>
                             <m:t>𝑡</m:t>
                           </m:r>
@@ -5068,8 +4970,8 @@
                         <a:rPr lang="en-US" altLang="zh-CN" sz="1800" i="1" kern="0">
                           <a:effectLst/>
                           <a:latin typeface="Cambria Math" panose="02040503050406030204" pitchFamily="18" charset="0"/>
-                          <a:ea typeface="宋体" panose="02010600030101010101" pitchFamily="2" charset="-122"/>
-                          <a:cs typeface="Times New Roman" panose="02020603050405020304" pitchFamily="18" charset="0"/>
+                          <a:ea typeface="MS Mincho" charset="0"/>
+                          <a:cs typeface="Cambria Math" panose="02040503050406030204" pitchFamily="18" charset="0"/>
                         </a:rPr>
                         <m:t>=</m:t>
                       </m:r>
@@ -5079,7 +4981,8 @@
                             <a:rPr lang="zh-CN" altLang="zh-CN" i="1" smtClean="0">
                               <a:effectLst/>
                               <a:latin typeface="Cambria Math" panose="02040503050406030204" pitchFamily="18" charset="0"/>
-                              <a:ea typeface="Cambria Math" panose="02040503050406030204" pitchFamily="18" charset="0"/>
+                              <a:ea typeface="宋体" panose="02010600030101010101" pitchFamily="2" charset="-122"/>
+                              <a:cs typeface="Cambria Math" panose="02040503050406030204" pitchFamily="18" charset="0"/>
                             </a:rPr>
                           </m:ctrlPr>
                         </m:funcPr>
@@ -5088,8 +4991,8 @@
                             <a:rPr lang="el-GR" altLang="zh-CN" sz="1800" i="1" kern="0" smtClean="0">
                               <a:effectLst/>
                               <a:latin typeface="Cambria Math" panose="02040503050406030204" pitchFamily="18" charset="0"/>
-                              <a:ea typeface="Cambria Math" panose="02040503050406030204" pitchFamily="18" charset="0"/>
-                              <a:cs typeface="Times New Roman" panose="02020603050405020304" pitchFamily="18" charset="0"/>
+                              <a:ea typeface="MS Mincho" charset="0"/>
+                              <a:cs typeface="Cambria Math" panose="02040503050406030204" pitchFamily="18" charset="0"/>
                             </a:rPr>
                             <m:t>𝜎</m:t>
                           </m:r>
@@ -5101,7 +5004,8 @@
                                 <a:rPr lang="zh-CN" altLang="zh-CN" b="1" i="1">
                                   <a:effectLst/>
                                   <a:latin typeface="Cambria Math" panose="02040503050406030204" pitchFamily="18" charset="0"/>
-                                  <a:ea typeface="Cambria Math" panose="02040503050406030204" pitchFamily="18" charset="0"/>
+                                  <a:ea typeface="宋体" panose="02010600030101010101" pitchFamily="2" charset="-122"/>
+                                  <a:cs typeface="Cambria Math" panose="02040503050406030204" pitchFamily="18" charset="0"/>
                                 </a:rPr>
                               </m:ctrlPr>
                             </m:dPr>
@@ -5112,7 +5016,8 @@
                                     <a:rPr lang="zh-CN" altLang="zh-CN" b="1" i="1">
                                       <a:effectLst/>
                                       <a:latin typeface="Cambria Math" panose="02040503050406030204" pitchFamily="18" charset="0"/>
-                                      <a:ea typeface="Cambria Math" panose="02040503050406030204" pitchFamily="18" charset="0"/>
+                                      <a:ea typeface="宋体" panose="02010600030101010101" pitchFamily="2" charset="-122"/>
+                                      <a:cs typeface="Cambria Math" panose="02040503050406030204" pitchFamily="18" charset="0"/>
                                     </a:rPr>
                                   </m:ctrlPr>
                                 </m:sSubPr>
@@ -5122,7 +5027,7 @@
                                       <a:effectLst/>
                                       <a:latin typeface="Cambria Math" panose="02040503050406030204" pitchFamily="18" charset="0"/>
                                       <a:ea typeface="宋体" panose="02010600030101010101" pitchFamily="2" charset="-122"/>
-                                      <a:cs typeface="Times New Roman" panose="02020603050405020304" pitchFamily="18" charset="0"/>
+                                      <a:cs typeface="Cambria Math" panose="02040503050406030204" pitchFamily="18" charset="0"/>
                                     </a:rPr>
                                     <m:t>𝒘</m:t>
                                   </m:r>
@@ -5133,7 +5038,7 @@
                                       <a:effectLst/>
                                       <a:latin typeface="Cambria Math" panose="02040503050406030204" pitchFamily="18" charset="0"/>
                                       <a:ea typeface="宋体" panose="02010600030101010101" pitchFamily="2" charset="-122"/>
-                                      <a:cs typeface="Times New Roman" panose="02020603050405020304" pitchFamily="18" charset="0"/>
+                                      <a:cs typeface="Cambria Math" panose="02040503050406030204" pitchFamily="18" charset="0"/>
                                     </a:rPr>
                                     <m:t>𝒙</m:t>
                                   </m:r>
@@ -5145,7 +5050,8 @@
                                     <a:rPr lang="zh-CN" altLang="zh-CN" b="1" i="1">
                                       <a:effectLst/>
                                       <a:latin typeface="Cambria Math" panose="02040503050406030204" pitchFamily="18" charset="0"/>
-                                      <a:ea typeface="Cambria Math" panose="02040503050406030204" pitchFamily="18" charset="0"/>
+                                      <a:ea typeface="宋体" panose="02010600030101010101" pitchFamily="2" charset="-122"/>
+                                      <a:cs typeface="Cambria Math" panose="02040503050406030204" pitchFamily="18" charset="0"/>
                                     </a:rPr>
                                   </m:ctrlPr>
                                 </m:sSubPr>
@@ -5155,7 +5061,7 @@
                                       <a:effectLst/>
                                       <a:latin typeface="Cambria Math" panose="02040503050406030204" pitchFamily="18" charset="0"/>
                                       <a:ea typeface="宋体" panose="02010600030101010101" pitchFamily="2" charset="-122"/>
-                                      <a:cs typeface="Times New Roman" panose="02020603050405020304" pitchFamily="18" charset="0"/>
+                                      <a:cs typeface="Cambria Math" panose="02040503050406030204" pitchFamily="18" charset="0"/>
                                     </a:rPr>
                                     <m:t>𝒙</m:t>
                                   </m:r>
@@ -5166,7 +5072,7 @@
                                       <a:effectLst/>
                                       <a:latin typeface="Cambria Math" panose="02040503050406030204" pitchFamily="18" charset="0"/>
                                       <a:ea typeface="宋体" panose="02010600030101010101" pitchFamily="2" charset="-122"/>
-                                      <a:cs typeface="Times New Roman" panose="02020603050405020304" pitchFamily="18" charset="0"/>
+                                      <a:cs typeface="Cambria Math" panose="02040503050406030204" pitchFamily="18" charset="0"/>
                                     </a:rPr>
                                     <m:t>𝒕</m:t>
                                   </m:r>
@@ -5176,8 +5082,8 @@
                                 <a:rPr lang="en-US" altLang="zh-CN" sz="1800" b="1" i="1" kern="0">
                                   <a:effectLst/>
                                   <a:latin typeface="Cambria Math" panose="02040503050406030204" pitchFamily="18" charset="0"/>
-                                  <a:ea typeface="宋体" panose="02010600030101010101" pitchFamily="2" charset="-122"/>
-                                  <a:cs typeface="Times New Roman" panose="02020603050405020304" pitchFamily="18" charset="0"/>
+                                  <a:ea typeface="MS Mincho" charset="0"/>
+                                  <a:cs typeface="Cambria Math" panose="02040503050406030204" pitchFamily="18" charset="0"/>
                                 </a:rPr>
                                 <m:t>+</m:t>
                               </m:r>
@@ -5187,7 +5093,8 @@
                                     <a:rPr lang="zh-CN" altLang="zh-CN" b="1" i="1">
                                       <a:effectLst/>
                                       <a:latin typeface="Cambria Math" panose="02040503050406030204" pitchFamily="18" charset="0"/>
-                                      <a:ea typeface="Cambria Math" panose="02040503050406030204" pitchFamily="18" charset="0"/>
+                                      <a:ea typeface="宋体" panose="02010600030101010101" pitchFamily="2" charset="-122"/>
+                                      <a:cs typeface="Cambria Math" panose="02040503050406030204" pitchFamily="18" charset="0"/>
                                     </a:rPr>
                                   </m:ctrlPr>
                                 </m:sSubPr>
@@ -5197,7 +5104,7 @@
                                       <a:effectLst/>
                                       <a:latin typeface="Cambria Math" panose="02040503050406030204" pitchFamily="18" charset="0"/>
                                       <a:ea typeface="宋体" panose="02010600030101010101" pitchFamily="2" charset="-122"/>
-                                      <a:cs typeface="Times New Roman" panose="02020603050405020304" pitchFamily="18" charset="0"/>
+                                      <a:cs typeface="Cambria Math" panose="02040503050406030204" pitchFamily="18" charset="0"/>
                                     </a:rPr>
                                     <m:t>𝒘</m:t>
                                   </m:r>
@@ -5208,7 +5115,7 @@
                                       <a:effectLst/>
                                       <a:latin typeface="Cambria Math" panose="02040503050406030204" pitchFamily="18" charset="0"/>
                                       <a:ea typeface="宋体" panose="02010600030101010101" pitchFamily="2" charset="-122"/>
-                                      <a:cs typeface="Times New Roman" panose="02020603050405020304" pitchFamily="18" charset="0"/>
+                                      <a:cs typeface="Cambria Math" panose="02040503050406030204" pitchFamily="18" charset="0"/>
                                     </a:rPr>
                                     <m:t>𝒉</m:t>
                                   </m:r>
@@ -5220,7 +5127,8 @@
                                     <a:rPr lang="zh-CN" altLang="zh-CN" b="1" i="1">
                                       <a:effectLst/>
                                       <a:latin typeface="Cambria Math" panose="02040503050406030204" pitchFamily="18" charset="0"/>
-                                      <a:ea typeface="Cambria Math" panose="02040503050406030204" pitchFamily="18" charset="0"/>
+                                      <a:ea typeface="宋体" panose="02010600030101010101" pitchFamily="2" charset="-122"/>
+                                      <a:cs typeface="Cambria Math" panose="02040503050406030204" pitchFamily="18" charset="0"/>
                                     </a:rPr>
                                   </m:ctrlPr>
                                 </m:sSubPr>
@@ -5230,7 +5138,7 @@
                                       <a:effectLst/>
                                       <a:latin typeface="Cambria Math" panose="02040503050406030204" pitchFamily="18" charset="0"/>
                                       <a:ea typeface="宋体" panose="02010600030101010101" pitchFamily="2" charset="-122"/>
-                                      <a:cs typeface="Times New Roman" panose="02020603050405020304" pitchFamily="18" charset="0"/>
+                                      <a:cs typeface="Cambria Math" panose="02040503050406030204" pitchFamily="18" charset="0"/>
                                     </a:rPr>
                                     <m:t>𝒉</m:t>
                                   </m:r>
@@ -5241,7 +5149,7 @@
                                       <a:effectLst/>
                                       <a:latin typeface="Cambria Math" panose="02040503050406030204" pitchFamily="18" charset="0"/>
                                       <a:ea typeface="宋体" panose="02010600030101010101" pitchFamily="2" charset="-122"/>
-                                      <a:cs typeface="Times New Roman" panose="02020603050405020304" pitchFamily="18" charset="0"/>
+                                      <a:cs typeface="Cambria Math" panose="02040503050406030204" pitchFamily="18" charset="0"/>
                                     </a:rPr>
                                     <m:t>𝒕</m:t>
                                   </m:r>
@@ -5249,8 +5157,8 @@
                                     <a:rPr lang="en-US" altLang="zh-CN" sz="1800" b="1" i="1" kern="0">
                                       <a:effectLst/>
                                       <a:latin typeface="Cambria Math" panose="02040503050406030204" pitchFamily="18" charset="0"/>
-                                      <a:ea typeface="宋体" panose="02010600030101010101" pitchFamily="2" charset="-122"/>
-                                      <a:cs typeface="Times New Roman" panose="02020603050405020304" pitchFamily="18" charset="0"/>
+                                      <a:ea typeface="MS Mincho" charset="0"/>
+                                      <a:cs typeface="Cambria Math" panose="02040503050406030204" pitchFamily="18" charset="0"/>
                                     </a:rPr>
                                     <m:t>−</m:t>
                                   </m:r>
@@ -5259,7 +5167,7 @@
                                       <a:effectLst/>
                                       <a:latin typeface="Cambria Math" panose="02040503050406030204" pitchFamily="18" charset="0"/>
                                       <a:ea typeface="宋体" panose="02010600030101010101" pitchFamily="2" charset="-122"/>
-                                      <a:cs typeface="Times New Roman" panose="02020603050405020304" pitchFamily="18" charset="0"/>
+                                      <a:cs typeface="Cambria Math" panose="02040503050406030204" pitchFamily="18" charset="0"/>
                                     </a:rPr>
                                     <m:t>𝟏</m:t>
                                   </m:r>
@@ -5269,8 +5177,8 @@
                                 <a:rPr lang="en-US" altLang="zh-CN" sz="1800" b="1" i="1" kern="0">
                                   <a:effectLst/>
                                   <a:latin typeface="Cambria Math" panose="02040503050406030204" pitchFamily="18" charset="0"/>
-                                  <a:ea typeface="宋体" panose="02010600030101010101" pitchFamily="2" charset="-122"/>
-                                  <a:cs typeface="Times New Roman" panose="02020603050405020304" pitchFamily="18" charset="0"/>
+                                  <a:ea typeface="MS Mincho" charset="0"/>
+                                  <a:cs typeface="Cambria Math" panose="02040503050406030204" pitchFamily="18" charset="0"/>
                                 </a:rPr>
                                 <m:t>+</m:t>
                               </m:r>
@@ -5279,7 +5187,7 @@
                                   <a:effectLst/>
                                   <a:latin typeface="Cambria Math" panose="02040503050406030204" pitchFamily="18" charset="0"/>
                                   <a:ea typeface="宋体" panose="02010600030101010101" pitchFamily="2" charset="-122"/>
-                                  <a:cs typeface="Times New Roman" panose="02020603050405020304" pitchFamily="18" charset="0"/>
+                                  <a:cs typeface="Cambria Math" panose="02040503050406030204" pitchFamily="18" charset="0"/>
                                 </a:rPr>
                                 <m:t>𝒃</m:t>
                               </m:r>
@@ -5290,7 +5198,11 @@
                     </m:oMath>
                   </m:oMathPara>
                 </a14:m>
-                <a:endParaRPr lang="en-US" altLang="zh-CN" dirty="0"/>
+                <a:endParaRPr lang="en-US" altLang="zh-CN" dirty="0">
+                  <a:latin typeface="宋体" panose="02010600030101010101" pitchFamily="2" charset="-122"/>
+                  <a:ea typeface="宋体" panose="02010600030101010101" pitchFamily="2" charset="-122"/>
+                  <a:cs typeface="宋体" panose="02010600030101010101" pitchFamily="2" charset="-122"/>
+                </a:endParaRPr>
               </a:p>
               <a:p>
                 <a:pPr marL="0" indent="0">
@@ -5304,7 +5216,8 @@
                           <a:rPr lang="zh-CN" altLang="zh-CN" i="1" smtClean="0">
                             <a:effectLst/>
                             <a:latin typeface="Cambria Math" panose="02040503050406030204" pitchFamily="18" charset="0"/>
-                            <a:ea typeface="Cambria Math" panose="02040503050406030204" pitchFamily="18" charset="0"/>
+                            <a:ea typeface="宋体" panose="02010600030101010101" pitchFamily="2" charset="-122"/>
+                            <a:cs typeface="Cambria Math" panose="02040503050406030204" pitchFamily="18" charset="0"/>
                           </a:rPr>
                         </m:ctrlPr>
                       </m:sSubPr>
@@ -5314,7 +5227,7 @@
                             <a:effectLst/>
                             <a:latin typeface="Cambria Math" panose="02040503050406030204" pitchFamily="18" charset="0"/>
                             <a:ea typeface="宋体" panose="02010600030101010101" pitchFamily="2" charset="-122"/>
-                            <a:cs typeface="Times New Roman" panose="02020603050405020304" pitchFamily="18" charset="0"/>
+                            <a:cs typeface="Cambria Math" panose="02040503050406030204" pitchFamily="18" charset="0"/>
                           </a:rPr>
                           <m:t>𝒙</m:t>
                         </m:r>
@@ -5325,7 +5238,7 @@
                             <a:effectLst/>
                             <a:latin typeface="Cambria Math" panose="02040503050406030204" pitchFamily="18" charset="0"/>
                             <a:ea typeface="宋体" panose="02010600030101010101" pitchFamily="2" charset="-122"/>
-                            <a:cs typeface="Times New Roman" panose="02020603050405020304" pitchFamily="18" charset="0"/>
+                            <a:cs typeface="Cambria Math" panose="02040503050406030204" pitchFamily="18" charset="0"/>
                           </a:rPr>
                           <m:t>𝑡</m:t>
                         </m:r>
@@ -5334,26 +5247,34 @@
                     <m:r>
                       <a:rPr lang="zh-CN" altLang="en-US" i="1" kern="0">
                         <a:latin typeface="Cambria Math" panose="02040503050406030204" pitchFamily="18" charset="0"/>
-                        <a:ea typeface="宋体" panose="02010600030101010101" pitchFamily="2" charset="-122"/>
-                        <a:cs typeface="Times New Roman" panose="02020603050405020304" pitchFamily="18" charset="0"/>
+                        <a:ea typeface="MS Mincho" charset="0"/>
+                        <a:cs typeface="Cambria Math" panose="02040503050406030204" pitchFamily="18" charset="0"/>
                       </a:rPr>
                       <m:t>代表</m:t>
                     </m:r>
                     <m:r>
                       <a:rPr lang="en-US" altLang="zh-CN" i="1" dirty="0" smtClean="0">
                         <a:latin typeface="Cambria Math" panose="02040503050406030204" pitchFamily="18" charset="0"/>
+                        <a:ea typeface="宋体" panose="02010600030101010101" pitchFamily="2" charset="-122"/>
+                        <a:cs typeface="Cambria Math" panose="02040503050406030204" pitchFamily="18" charset="0"/>
                       </a:rPr>
                       <m:t>𝑡</m:t>
                     </m:r>
                   </m:oMath>
                 </a14:m>
                 <a:r>
-                  <a:rPr lang="zh-CN" altLang="en-US" dirty="0"/>
+                  <a:rPr lang="zh-CN" altLang="en-US" dirty="0">
+                    <a:latin typeface="宋体" panose="02010600030101010101" pitchFamily="2" charset="-122"/>
+                    <a:ea typeface="宋体" panose="02010600030101010101" pitchFamily="2" charset="-122"/>
+                    <a:cs typeface="宋体" panose="02010600030101010101" pitchFamily="2" charset="-122"/>
+                  </a:rPr>
                   <a:t>时刻的输入，</a:t>
                 </a:r>
                 <a:r>
                   <a:rPr lang="zh-CN" altLang="zh-CN" dirty="0">
-                    <a:ea typeface="Cambria Math" panose="02040503050406030204" pitchFamily="18" charset="0"/>
+                    <a:latin typeface="宋体" panose="02010600030101010101" pitchFamily="2" charset="-122"/>
+                    <a:ea typeface="宋体" panose="02010600030101010101" pitchFamily="2" charset="-122"/>
+                    <a:cs typeface="宋体" panose="02010600030101010101" pitchFamily="2" charset="-122"/>
                   </a:rPr>
                   <a:t> </a:t>
                 </a:r>
@@ -5364,7 +5285,8 @@
                         <m:ctrlPr>
                           <a:rPr lang="zh-CN" altLang="zh-CN" i="1">
                             <a:latin typeface="Cambria Math" panose="02040503050406030204" pitchFamily="18" charset="0"/>
-                            <a:ea typeface="Cambria Math" panose="02040503050406030204" pitchFamily="18" charset="0"/>
+                            <a:ea typeface="宋体" panose="02010600030101010101" pitchFamily="2" charset="-122"/>
+                            <a:cs typeface="Cambria Math" panose="02040503050406030204" pitchFamily="18" charset="0"/>
                           </a:rPr>
                         </m:ctrlPr>
                       </m:sSubPr>
@@ -5373,7 +5295,7 @@
                           <a:rPr lang="en-US" altLang="zh-CN" b="1" i="1" kern="0">
                             <a:latin typeface="Cambria Math" panose="02040503050406030204" pitchFamily="18" charset="0"/>
                             <a:ea typeface="宋体" panose="02010600030101010101" pitchFamily="2" charset="-122"/>
-                            <a:cs typeface="Times New Roman" panose="02020603050405020304" pitchFamily="18" charset="0"/>
+                            <a:cs typeface="Cambria Math" panose="02040503050406030204" pitchFamily="18" charset="0"/>
                           </a:rPr>
                           <m:t>𝒉</m:t>
                         </m:r>
@@ -5383,7 +5305,7 @@
                           <a:rPr lang="en-US" altLang="zh-CN" i="1" kern="0">
                             <a:latin typeface="Cambria Math" panose="02040503050406030204" pitchFamily="18" charset="0"/>
                             <a:ea typeface="宋体" panose="02010600030101010101" pitchFamily="2" charset="-122"/>
-                            <a:cs typeface="Times New Roman" panose="02020603050405020304" pitchFamily="18" charset="0"/>
+                            <a:cs typeface="Cambria Math" panose="02040503050406030204" pitchFamily="18" charset="0"/>
                           </a:rPr>
                           <m:t>𝑡</m:t>
                         </m:r>
@@ -5392,7 +5314,11 @@
                   </m:oMath>
                 </a14:m>
                 <a:r>
-                  <a:rPr lang="zh-CN" altLang="en-US" dirty="0"/>
+                  <a:rPr lang="zh-CN" altLang="en-US" dirty="0">
+                    <a:latin typeface="宋体" panose="02010600030101010101" pitchFamily="2" charset="-122"/>
+                    <a:ea typeface="宋体" panose="02010600030101010101" pitchFamily="2" charset="-122"/>
+                    <a:cs typeface="宋体" panose="02010600030101010101" pitchFamily="2" charset="-122"/>
+                  </a:rPr>
                   <a:t>代表</a:t>
                 </a:r>
                 <a14:m>
@@ -5400,18 +5326,26 @@
                     <m:r>
                       <a:rPr lang="en-US" altLang="zh-CN" i="1" dirty="0" smtClean="0">
                         <a:latin typeface="Cambria Math" panose="02040503050406030204" pitchFamily="18" charset="0"/>
+                        <a:ea typeface="宋体" panose="02010600030101010101" pitchFamily="2" charset="-122"/>
+                        <a:cs typeface="Cambria Math" panose="02040503050406030204" pitchFamily="18" charset="0"/>
                       </a:rPr>
                       <m:t>𝑡</m:t>
                     </m:r>
                   </m:oMath>
                 </a14:m>
                 <a:r>
-                  <a:rPr lang="zh-CN" altLang="en-US" dirty="0"/>
+                  <a:rPr lang="zh-CN" altLang="en-US" dirty="0">
+                    <a:latin typeface="宋体" panose="02010600030101010101" pitchFamily="2" charset="-122"/>
+                    <a:ea typeface="宋体" panose="02010600030101010101" pitchFamily="2" charset="-122"/>
+                    <a:cs typeface="宋体" panose="02010600030101010101" pitchFamily="2" charset="-122"/>
+                  </a:rPr>
                   <a:t>时刻的输出，</a:t>
                 </a:r>
                 <a:r>
                   <a:rPr lang="zh-CN" altLang="zh-CN" dirty="0">
-                    <a:ea typeface="Cambria Math" panose="02040503050406030204" pitchFamily="18" charset="0"/>
+                    <a:latin typeface="宋体" panose="02010600030101010101" pitchFamily="2" charset="-122"/>
+                    <a:ea typeface="宋体" panose="02010600030101010101" pitchFamily="2" charset="-122"/>
+                    <a:cs typeface="宋体" panose="02010600030101010101" pitchFamily="2" charset="-122"/>
                   </a:rPr>
                   <a:t> </a:t>
                 </a:r>
@@ -5422,7 +5356,8 @@
                         <m:ctrlPr>
                           <a:rPr lang="zh-CN" altLang="zh-CN" i="1">
                             <a:latin typeface="Cambria Math" panose="02040503050406030204" pitchFamily="18" charset="0"/>
-                            <a:ea typeface="Cambria Math" panose="02040503050406030204" pitchFamily="18" charset="0"/>
+                            <a:ea typeface="宋体" panose="02010600030101010101" pitchFamily="2" charset="-122"/>
+                            <a:cs typeface="Cambria Math" panose="02040503050406030204" pitchFamily="18" charset="0"/>
                           </a:rPr>
                         </m:ctrlPr>
                       </m:sSubPr>
@@ -5431,7 +5366,7 @@
                           <a:rPr lang="en-US" altLang="zh-CN" b="1" i="1" kern="0">
                             <a:latin typeface="Cambria Math" panose="02040503050406030204" pitchFamily="18" charset="0"/>
                             <a:ea typeface="宋体" panose="02010600030101010101" pitchFamily="2" charset="-122"/>
-                            <a:cs typeface="Times New Roman" panose="02020603050405020304" pitchFamily="18" charset="0"/>
+                            <a:cs typeface="Cambria Math" panose="02040503050406030204" pitchFamily="18" charset="0"/>
                           </a:rPr>
                           <m:t>𝒉</m:t>
                         </m:r>
@@ -5441,44 +5376,68 @@
                           <a:rPr lang="en-US" altLang="zh-CN" i="1" kern="0">
                             <a:latin typeface="Cambria Math" panose="02040503050406030204" pitchFamily="18" charset="0"/>
                             <a:ea typeface="宋体" panose="02010600030101010101" pitchFamily="2" charset="-122"/>
-                            <a:cs typeface="Times New Roman" panose="02020603050405020304" pitchFamily="18" charset="0"/>
+                            <a:cs typeface="Cambria Math" panose="02040503050406030204" pitchFamily="18" charset="0"/>
                           </a:rPr>
                           <m:t>𝑡</m:t>
                         </m:r>
                         <m:r>
                           <a:rPr lang="en-US" altLang="zh-CN" i="1" kern="0">
                             <a:latin typeface="Cambria Math" panose="02040503050406030204" pitchFamily="18" charset="0"/>
-                            <a:ea typeface="宋体" panose="02010600030101010101" pitchFamily="2" charset="-122"/>
-                            <a:cs typeface="Times New Roman" panose="02020603050405020304" pitchFamily="18" charset="0"/>
+                            <a:ea typeface="MS Mincho" charset="0"/>
+                            <a:cs typeface="Cambria Math" panose="02040503050406030204" pitchFamily="18" charset="0"/>
                           </a:rPr>
-                          <m:t>−1</m:t>
+                          <m:t>−</m:t>
+                        </m:r>
+                        <m:r>
+                          <a:rPr lang="en-US" altLang="zh-CN" i="1" kern="0">
+                            <a:latin typeface="Cambria Math" panose="02040503050406030204" pitchFamily="18" charset="0"/>
+                            <a:ea typeface="MS Mincho" charset="0"/>
+                            <a:cs typeface="Cambria Math" panose="02040503050406030204" pitchFamily="18" charset="0"/>
+                          </a:rPr>
+                          <m:t>1</m:t>
                         </m:r>
                       </m:sub>
                     </m:sSub>
                     <m:r>
                       <a:rPr lang="zh-CN" altLang="en-US" i="1" kern="0">
                         <a:latin typeface="Cambria Math" panose="02040503050406030204" pitchFamily="18" charset="0"/>
-                        <a:ea typeface="宋体" panose="02010600030101010101" pitchFamily="2" charset="-122"/>
-                        <a:cs typeface="Times New Roman" panose="02020603050405020304" pitchFamily="18" charset="0"/>
+                        <a:ea typeface="MS Mincho" charset="0"/>
+                        <a:cs typeface="Cambria Math" panose="02040503050406030204" pitchFamily="18" charset="0"/>
                       </a:rPr>
                       <m:t>代表</m:t>
                     </m:r>
                     <m:r>
                       <a:rPr lang="en-US" altLang="zh-CN" i="1" dirty="0" smtClean="0">
                         <a:latin typeface="Cambria Math" panose="02040503050406030204" pitchFamily="18" charset="0"/>
+                        <a:ea typeface="宋体" panose="02010600030101010101" pitchFamily="2" charset="-122"/>
+                        <a:cs typeface="Cambria Math" panose="02040503050406030204" pitchFamily="18" charset="0"/>
                       </a:rPr>
                       <m:t>𝑡</m:t>
                     </m:r>
                     <m:r>
                       <a:rPr lang="en-US" altLang="zh-CN" i="1" dirty="0" smtClean="0">
                         <a:latin typeface="Cambria Math" panose="02040503050406030204" pitchFamily="18" charset="0"/>
+                        <a:ea typeface="MS Mincho" charset="0"/>
+                        <a:cs typeface="Cambria Math" panose="02040503050406030204" pitchFamily="18" charset="0"/>
                       </a:rPr>
-                      <m:t>−1</m:t>
+                      <m:t>−</m:t>
+                    </m:r>
+                    <m:r>
+                      <a:rPr lang="en-US" altLang="zh-CN" i="1" dirty="0" smtClean="0">
+                        <a:latin typeface="Cambria Math" panose="02040503050406030204" pitchFamily="18" charset="0"/>
+                        <a:ea typeface="MS Mincho" charset="0"/>
+                        <a:cs typeface="Cambria Math" panose="02040503050406030204" pitchFamily="18" charset="0"/>
+                      </a:rPr>
+                      <m:t>1</m:t>
                     </m:r>
                   </m:oMath>
                 </a14:m>
                 <a:r>
-                  <a:rPr lang="zh-CN" altLang="en-US" dirty="0"/>
+                  <a:rPr lang="zh-CN" altLang="en-US" dirty="0">
+                    <a:latin typeface="宋体" panose="02010600030101010101" pitchFamily="2" charset="-122"/>
+                    <a:ea typeface="宋体" panose="02010600030101010101" pitchFamily="2" charset="-122"/>
+                    <a:cs typeface="宋体" panose="02010600030101010101" pitchFamily="2" charset="-122"/>
+                  </a:rPr>
                   <a:t>时刻的输出。其余的</a:t>
                 </a:r>
                 <a14:m>
@@ -5486,13 +5445,19 @@
                     <m:r>
                       <a:rPr lang="en-US" altLang="zh-CN" b="1" i="1" dirty="0" smtClean="0">
                         <a:latin typeface="Cambria Math" panose="02040503050406030204" pitchFamily="18" charset="0"/>
+                        <a:ea typeface="宋体" panose="02010600030101010101" pitchFamily="2" charset="-122"/>
+                        <a:cs typeface="Cambria Math" panose="02040503050406030204" pitchFamily="18" charset="0"/>
                       </a:rPr>
                       <m:t>𝒘</m:t>
                     </m:r>
                   </m:oMath>
                 </a14:m>
                 <a:r>
-                  <a:rPr lang="zh-CN" altLang="en-US" dirty="0"/>
+                  <a:rPr lang="zh-CN" altLang="en-US" dirty="0">
+                    <a:latin typeface="宋体" panose="02010600030101010101" pitchFamily="2" charset="-122"/>
+                    <a:ea typeface="宋体" panose="02010600030101010101" pitchFamily="2" charset="-122"/>
+                    <a:cs typeface="宋体" panose="02010600030101010101" pitchFamily="2" charset="-122"/>
+                  </a:rPr>
                   <a:t>和</a:t>
                 </a:r>
                 <a14:m>
@@ -5500,99 +5465,155 @@
                     <m:r>
                       <a:rPr lang="en-US" altLang="zh-CN" b="1" i="1" dirty="0" smtClean="0">
                         <a:latin typeface="Cambria Math" panose="02040503050406030204" pitchFamily="18" charset="0"/>
+                        <a:ea typeface="宋体" panose="02010600030101010101" pitchFamily="2" charset="-122"/>
+                        <a:cs typeface="Cambria Math" panose="02040503050406030204" pitchFamily="18" charset="0"/>
                       </a:rPr>
                       <m:t>𝒃</m:t>
                     </m:r>
                   </m:oMath>
                 </a14:m>
                 <a:r>
-                  <a:rPr lang="zh-CN" altLang="en-US" dirty="0"/>
+                  <a:rPr lang="zh-CN" altLang="en-US" dirty="0">
+                    <a:latin typeface="宋体" panose="02010600030101010101" pitchFamily="2" charset="-122"/>
+                    <a:ea typeface="宋体" panose="02010600030101010101" pitchFamily="2" charset="-122"/>
+                    <a:cs typeface="宋体" panose="02010600030101010101" pitchFamily="2" charset="-122"/>
+                  </a:rPr>
                   <a:t>是模型需训练的参数。</a:t>
                 </a:r>
                 <a:r>
-                  <a:rPr lang="en-US" altLang="zh-CN" dirty="0"/>
+                  <a:rPr lang="en-US" altLang="zh-CN" dirty="0">
+                    <a:latin typeface="宋体" panose="02010600030101010101" pitchFamily="2" charset="-122"/>
+                    <a:ea typeface="宋体" panose="02010600030101010101" pitchFamily="2" charset="-122"/>
+                    <a:cs typeface="宋体" panose="02010600030101010101" pitchFamily="2" charset="-122"/>
+                  </a:rPr>
                   <a:t>RNN</a:t>
                 </a:r>
                 <a:r>
-                  <a:rPr lang="zh-CN" altLang="en-US" dirty="0"/>
+                  <a:rPr lang="zh-CN" altLang="en-US" dirty="0">
+                    <a:latin typeface="宋体" panose="02010600030101010101" pitchFamily="2" charset="-122"/>
+                    <a:ea typeface="宋体" panose="02010600030101010101" pitchFamily="2" charset="-122"/>
+                    <a:cs typeface="宋体" panose="02010600030101010101" pitchFamily="2" charset="-122"/>
+                  </a:rPr>
                   <a:t>的精髓就在于当前时刻的输出将作为下一时刻的输入参与下一时刻的计算。</a:t>
                 </a:r>
-                <a:endParaRPr lang="en-US" altLang="zh-CN" dirty="0"/>
+                <a:endParaRPr lang="en-US" altLang="zh-CN" dirty="0">
+                  <a:latin typeface="宋体" panose="02010600030101010101" pitchFamily="2" charset="-122"/>
+                  <a:ea typeface="宋体" panose="02010600030101010101" pitchFamily="2" charset="-122"/>
+                  <a:cs typeface="宋体" panose="02010600030101010101" pitchFamily="2" charset="-122"/>
+                </a:endParaRPr>
               </a:p>
               <a:p>
                 <a:pPr marL="457200" indent="-457200">
                   <a:buFont typeface="+mj-lt"/>
                   <a:buAutoNum type="arabicPeriod"/>
                 </a:pPr>
-                <a:endParaRPr lang="en-US" altLang="zh-CN" dirty="0"/>
+                <a:endParaRPr lang="en-US" altLang="zh-CN" dirty="0">
+                  <a:latin typeface="宋体" panose="02010600030101010101" pitchFamily="2" charset="-122"/>
+                  <a:ea typeface="宋体" panose="02010600030101010101" pitchFamily="2" charset="-122"/>
+                  <a:cs typeface="宋体" panose="02010600030101010101" pitchFamily="2" charset="-122"/>
+                </a:endParaRPr>
               </a:p>
               <a:p>
                 <a:pPr marL="0" indent="0">
                   <a:buNone/>
                 </a:pPr>
-                <a:endParaRPr lang="en-US" altLang="zh-CN" dirty="0"/>
+                <a:endParaRPr lang="en-US" altLang="zh-CN" dirty="0">
+                  <a:latin typeface="宋体" panose="02010600030101010101" pitchFamily="2" charset="-122"/>
+                  <a:ea typeface="宋体" panose="02010600030101010101" pitchFamily="2" charset="-122"/>
+                  <a:cs typeface="宋体" panose="02010600030101010101" pitchFamily="2" charset="-122"/>
+                </a:endParaRPr>
               </a:p>
               <a:p>
-                <a:endParaRPr lang="en-US" altLang="zh-CN" dirty="0"/>
+                <a:endParaRPr lang="en-US" altLang="zh-CN" dirty="0">
+                  <a:latin typeface="宋体" panose="02010600030101010101" pitchFamily="2" charset="-122"/>
+                  <a:ea typeface="宋体" panose="02010600030101010101" pitchFamily="2" charset="-122"/>
+                  <a:cs typeface="宋体" panose="02010600030101010101" pitchFamily="2" charset="-122"/>
+                </a:endParaRPr>
               </a:p>
               <a:p>
-                <a:endParaRPr lang="en-US" altLang="zh-CN" dirty="0"/>
+                <a:endParaRPr lang="en-US" altLang="zh-CN" dirty="0">
+                  <a:latin typeface="宋体" panose="02010600030101010101" pitchFamily="2" charset="-122"/>
+                  <a:ea typeface="宋体" panose="02010600030101010101" pitchFamily="2" charset="-122"/>
+                  <a:cs typeface="宋体" panose="02010600030101010101" pitchFamily="2" charset="-122"/>
+                </a:endParaRPr>
               </a:p>
               <a:p>
                 <a:r>
-                  <a:rPr lang="en-US" altLang="zh-CN" dirty="0"/>
+                  <a:rPr lang="en-US" altLang="zh-CN" dirty="0">
+                    <a:latin typeface="宋体" panose="02010600030101010101" pitchFamily="2" charset="-122"/>
+                    <a:ea typeface="宋体" panose="02010600030101010101" pitchFamily="2" charset="-122"/>
+                    <a:cs typeface="宋体" panose="02010600030101010101" pitchFamily="2" charset="-122"/>
+                  </a:rPr>
                   <a:t>RNN</a:t>
                 </a:r>
                 <a:r>
-                  <a:rPr lang="zh-CN" altLang="en-US" dirty="0"/>
+                  <a:rPr lang="zh-CN" altLang="en-US" dirty="0">
+                    <a:latin typeface="宋体" panose="02010600030101010101" pitchFamily="2" charset="-122"/>
+                    <a:ea typeface="宋体" panose="02010600030101010101" pitchFamily="2" charset="-122"/>
+                    <a:cs typeface="宋体" panose="02010600030101010101" pitchFamily="2" charset="-122"/>
+                  </a:rPr>
                   <a:t>最终的输出是最后一个</a:t>
                 </a:r>
                 <a:r>
-                  <a:rPr lang="en-US" altLang="zh-CN" dirty="0"/>
+                  <a:rPr lang="en-US" altLang="zh-CN" dirty="0">
+                    <a:latin typeface="宋体" panose="02010600030101010101" pitchFamily="2" charset="-122"/>
+                    <a:ea typeface="宋体" panose="02010600030101010101" pitchFamily="2" charset="-122"/>
+                    <a:cs typeface="宋体" panose="02010600030101010101" pitchFamily="2" charset="-122"/>
+                  </a:rPr>
                   <a:t>Cell</a:t>
                 </a:r>
                 <a:r>
-                  <a:rPr lang="zh-CN" altLang="en-US" dirty="0"/>
+                  <a:rPr lang="zh-CN" altLang="en-US" dirty="0">
+                    <a:latin typeface="宋体" panose="02010600030101010101" pitchFamily="2" charset="-122"/>
+                    <a:ea typeface="宋体" panose="02010600030101010101" pitchFamily="2" charset="-122"/>
+                    <a:cs typeface="宋体" panose="02010600030101010101" pitchFamily="2" charset="-122"/>
+                  </a:rPr>
                   <a:t>的输出，也可以是所有</a:t>
                 </a:r>
                 <a:r>
-                  <a:rPr lang="en-US" altLang="zh-CN" dirty="0"/>
+                  <a:rPr lang="en-US" altLang="zh-CN" dirty="0">
+                    <a:latin typeface="宋体" panose="02010600030101010101" pitchFamily="2" charset="-122"/>
+                    <a:ea typeface="宋体" panose="02010600030101010101" pitchFamily="2" charset="-122"/>
+                    <a:cs typeface="宋体" panose="02010600030101010101" pitchFamily="2" charset="-122"/>
+                  </a:rPr>
                   <a:t>Cell</a:t>
                 </a:r>
                 <a:r>
-                  <a:rPr lang="zh-CN" altLang="en-US" dirty="0"/>
+                  <a:rPr lang="zh-CN" altLang="en-US" dirty="0">
+                    <a:latin typeface="宋体" panose="02010600030101010101" pitchFamily="2" charset="-122"/>
+                    <a:ea typeface="宋体" panose="02010600030101010101" pitchFamily="2" charset="-122"/>
+                    <a:cs typeface="宋体" panose="02010600030101010101" pitchFamily="2" charset="-122"/>
+                  </a:rPr>
                   <a:t>的输出组合成的张量。</a:t>
                 </a:r>
-                <a:endParaRPr lang="en-US" altLang="zh-CN" dirty="0"/>
+                <a:endParaRPr lang="en-US" altLang="zh-CN" dirty="0">
+                  <a:latin typeface="宋体" panose="02010600030101010101" pitchFamily="2" charset="-122"/>
+                  <a:ea typeface="宋体" panose="02010600030101010101" pitchFamily="2" charset="-122"/>
+                  <a:cs typeface="宋体" panose="02010600030101010101" pitchFamily="2" charset="-122"/>
+                </a:endParaRPr>
               </a:p>
               <a:p>
                 <a:pPr marL="0" indent="0">
                   <a:buNone/>
                 </a:pPr>
-                <a:endParaRPr lang="en" altLang="zh-CN" dirty="0"/>
+                <a:endParaRPr lang="en-GB" altLang="zh-CN" dirty="0"/>
               </a:p>
               <a:p>
-                <a:endParaRPr kumimoji="1" lang="en" altLang="zh-CN" dirty="0"/>
+                <a:endParaRPr kumimoji="1" lang="en-GB" altLang="zh-CN" dirty="0"/>
               </a:p>
               <a:p>
                 <a:pPr marL="0" indent="0">
                   <a:buNone/>
                 </a:pPr>
-                <a:endParaRPr kumimoji="1" lang="en" altLang="zh-CN" dirty="0"/>
+                <a:endParaRPr kumimoji="1" lang="en-GB" altLang="zh-CN" dirty="0"/>
               </a:p>
             </p:txBody>
           </p:sp>
         </mc:Choice>
-        <mc:Fallback>
+        <mc:Fallback xmlns="">
           <p:sp>
             <p:nvSpPr>
-              <p:cNvPr id="3" name="内容占位符 2">
-                <a:extLst>
-                  <a:ext uri="{FF2B5EF4-FFF2-40B4-BE49-F238E27FC236}">
-                    <a16:creationId xmlns:a16="http://schemas.microsoft.com/office/drawing/2014/main" id="{FF3B8DE9-0095-414A-9B81-D08E7779AEB8}"/>
-                  </a:ext>
-                </a:extLst>
-              </p:cNvPr>
+              <p:cNvPr id="3" name="内容占位符 2"/>
               <p:cNvSpPr>
                 <a:spLocks noGrp="1" noRot="1" noChangeAspect="1" noMove="1" noResize="1" noEditPoints="1" noAdjustHandles="1" noChangeArrowheads="1" noChangeShapeType="1" noTextEdit="1"/>
               </p:cNvSpPr>
@@ -5608,7 +5629,7 @@
               <a:blipFill>
                 <a:blip r:embed="rId2"/>
                 <a:stretch>
-                  <a:fillRect l="-555"/>
+                  <a:fillRect l="-499" t="-420"/>
                 </a:stretch>
               </a:blipFill>
             </p:spPr>
@@ -5629,13 +5650,7 @@
       </mc:AlternateContent>
       <p:pic>
         <p:nvPicPr>
-          <p:cNvPr id="6" name="图片 5">
-            <a:extLst>
-              <a:ext uri="{FF2B5EF4-FFF2-40B4-BE49-F238E27FC236}">
-                <a16:creationId xmlns:a16="http://schemas.microsoft.com/office/drawing/2014/main" id="{60DACAB5-3A50-88E7-AAF3-BFC663E61A43}"/>
-              </a:ext>
-            </a:extLst>
-          </p:cNvPr>
+          <p:cNvPr id="6" name="图片 5"/>
           <p:cNvPicPr>
             <a:picLocks noChangeAspect="1"/>
           </p:cNvPicPr>
@@ -5649,7 +5664,7 @@
         </p:blipFill>
         <p:spPr>
           <a:xfrm>
-            <a:off x="2467025" y="3625885"/>
+            <a:off x="2467025" y="3536238"/>
             <a:ext cx="7572375" cy="1809750"/>
           </a:xfrm>
           <a:prstGeom prst="rect">
@@ -5658,11 +5673,6 @@
         </p:spPr>
       </p:pic>
     </p:spTree>
-    <p:extLst>
-      <p:ext uri="{BB962C8B-B14F-4D97-AF65-F5344CB8AC3E}">
-        <p14:creationId xmlns:p14="http://schemas.microsoft.com/office/powerpoint/2010/main" val="3276044752"/>
-      </p:ext>
-    </p:extLst>
   </p:cSld>
   <p:clrMapOvr>
     <a:masterClrMapping/>
@@ -5689,13 +5699,4469 @@
       </p:grpSpPr>
       <p:sp>
         <p:nvSpPr>
-          <p:cNvPr id="2" name="标题 1">
+          <p:cNvPr id="2" name="标题 1"/>
+          <p:cNvSpPr>
+            <a:spLocks noGrp="1"/>
+          </p:cNvSpPr>
+          <p:nvPr>
+            <p:ph type="title"/>
+          </p:nvPr>
+        </p:nvSpPr>
+        <p:spPr/>
+        <p:txBody>
+          <a:bodyPr>
+            <a:normAutofit/>
+          </a:bodyPr>
+          <a:lstStyle/>
+          <a:p>
+            <a:pPr algn="ctr"/>
+            <a:r>
+              <a:rPr kumimoji="1" lang="en-US" altLang="zh-CN" sz="3600" b="1" dirty="0">
+                <a:latin typeface="宋体" panose="02010600030101010101" pitchFamily="2" charset="-122"/>
+                <a:ea typeface="宋体" panose="02010600030101010101" pitchFamily="2" charset="-122"/>
+                <a:cs typeface="宋体" panose="02010600030101010101" pitchFamily="2" charset="-122"/>
+              </a:rPr>
+              <a:t>1. </a:t>
+            </a:r>
+            <a:r>
+              <a:rPr kumimoji="1" lang="zh-CN" altLang="en-US" sz="3600" b="1" dirty="0">
+                <a:latin typeface="宋体" panose="02010600030101010101" pitchFamily="2" charset="-122"/>
+                <a:ea typeface="宋体" panose="02010600030101010101" pitchFamily="2" charset="-122"/>
+                <a:cs typeface="宋体" panose="02010600030101010101" pitchFamily="2" charset="-122"/>
+              </a:rPr>
+              <a:t>循环神经网络</a:t>
+            </a:r>
+          </a:p>
+        </p:txBody>
+      </p:sp>
+      <mc:AlternateContent xmlns:mc="http://schemas.openxmlformats.org/markup-compatibility/2006" xmlns:a14="http://schemas.microsoft.com/office/drawing/2010/main">
+        <mc:Choice Requires="a14">
+          <p:sp>
+            <p:nvSpPr>
+              <p:cNvPr id="3" name="内容占位符 2"/>
+              <p:cNvSpPr>
+                <a:spLocks noGrp="1"/>
+              </p:cNvSpPr>
+              <p:nvPr>
+                <p:ph idx="1"/>
+              </p:nvPr>
+            </p:nvSpPr>
+            <p:spPr>
+              <a:xfrm>
+                <a:off x="757934" y="1979260"/>
+                <a:ext cx="10990555" cy="4351338"/>
+              </a:xfrm>
+            </p:spPr>
+            <p:txBody>
+              <a:bodyPr>
+                <a:normAutofit/>
+              </a:bodyPr>
+              <a:lstStyle/>
+              <a:p>
+                <a:r>
+                  <a:rPr lang="zh-CN" altLang="en-US" b="0" dirty="0">
+                    <a:latin typeface="Cambria Math" panose="02040503050406030204" pitchFamily="18" charset="0"/>
+                    <a:ea typeface="宋体" panose="02010600030101010101" pitchFamily="2" charset="-122"/>
+                    <a:cs typeface="宋体" panose="02010600030101010101" pitchFamily="2" charset="-122"/>
+                  </a:rPr>
+                  <a:t>原理</a:t>
+                </a:r>
+                <a:r>
+                  <a:rPr lang="en-US" altLang="zh-CN" b="0" dirty="0">
+                    <a:latin typeface="Cambria Math" panose="02040503050406030204" pitchFamily="18" charset="0"/>
+                    <a:ea typeface="宋体" panose="02010600030101010101" pitchFamily="2" charset="-122"/>
+                    <a:cs typeface="宋体" panose="02010600030101010101" pitchFamily="2" charset="-122"/>
+                  </a:rPr>
+                  <a:t>:</a:t>
+                </a:r>
+              </a:p>
+              <a:p>
+                <a:pPr marL="0" indent="0">
+                  <a:buNone/>
+                </a:pPr>
+                <a:endParaRPr lang="en-US" altLang="zh-CN" b="0" i="1" dirty="0">
+                  <a:latin typeface="Cambria Math" panose="02040503050406030204" pitchFamily="18" charset="0"/>
+                  <a:ea typeface="宋体" panose="02010600030101010101" pitchFamily="2" charset="-122"/>
+                  <a:cs typeface="宋体" panose="02010600030101010101" pitchFamily="2" charset="-122"/>
+                </a:endParaRPr>
+              </a:p>
+              <a:p>
+                <a:pPr marL="0" indent="0">
+                  <a:buNone/>
+                </a:pPr>
+                <a14:m>
+                  <m:oMathPara xmlns:m="http://schemas.openxmlformats.org/officeDocument/2006/math">
+                    <m:oMathParaPr>
+                      <m:jc m:val="centerGroup"/>
+                    </m:oMathParaPr>
+                    <m:oMath xmlns:m="http://schemas.openxmlformats.org/officeDocument/2006/math">
+                      <m:r>
+                        <a:rPr lang="en-US" altLang="zh-CN" b="0" i="1" smtClean="0">
+                          <a:latin typeface="Cambria Math" panose="02040503050406030204" pitchFamily="18" charset="0"/>
+                          <a:ea typeface="宋体" panose="02010600030101010101" pitchFamily="2" charset="-122"/>
+                          <a:cs typeface="宋体" panose="02010600030101010101" pitchFamily="2" charset="-122"/>
+                        </a:rPr>
+                        <m:t>𝑃</m:t>
+                      </m:r>
+                      <m:d>
+                        <m:dPr>
+                          <m:ctrlPr>
+                            <a:rPr lang="en-US" altLang="zh-CN" b="0" i="1" smtClean="0">
+                              <a:latin typeface="Cambria Math" panose="02040503050406030204" pitchFamily="18" charset="0"/>
+                              <a:ea typeface="宋体" panose="02010600030101010101" pitchFamily="2" charset="-122"/>
+                              <a:cs typeface="宋体" panose="02010600030101010101" pitchFamily="2" charset="-122"/>
+                            </a:rPr>
+                          </m:ctrlPr>
+                        </m:dPr>
+                        <m:e>
+                          <m:sSub>
+                            <m:sSubPr>
+                              <m:ctrlPr>
+                                <a:rPr lang="en-US" altLang="zh-CN" b="0" i="1" smtClean="0">
+                                  <a:latin typeface="Cambria Math" panose="02040503050406030204" pitchFamily="18" charset="0"/>
+                                  <a:ea typeface="宋体" panose="02010600030101010101" pitchFamily="2" charset="-122"/>
+                                  <a:cs typeface="宋体" panose="02010600030101010101" pitchFamily="2" charset="-122"/>
+                                </a:rPr>
+                              </m:ctrlPr>
+                            </m:sSubPr>
+                            <m:e>
+                              <m:r>
+                                <a:rPr lang="en-US" altLang="zh-CN" b="0" i="1" smtClean="0">
+                                  <a:latin typeface="Cambria Math" panose="02040503050406030204" pitchFamily="18" charset="0"/>
+                                  <a:ea typeface="宋体" panose="02010600030101010101" pitchFamily="2" charset="-122"/>
+                                  <a:cs typeface="宋体" panose="02010600030101010101" pitchFamily="2" charset="-122"/>
+                                </a:rPr>
+                                <m:t>𝑥</m:t>
+                              </m:r>
+                            </m:e>
+                            <m:sub>
+                              <m:r>
+                                <a:rPr lang="en-US" altLang="zh-CN" b="0" i="1" smtClean="0">
+                                  <a:latin typeface="Cambria Math" panose="02040503050406030204" pitchFamily="18" charset="0"/>
+                                  <a:ea typeface="宋体" panose="02010600030101010101" pitchFamily="2" charset="-122"/>
+                                  <a:cs typeface="宋体" panose="02010600030101010101" pitchFamily="2" charset="-122"/>
+                                </a:rPr>
+                                <m:t>𝑡</m:t>
+                              </m:r>
+                            </m:sub>
+                          </m:sSub>
+                        </m:e>
+                        <m:e>
+                          <m:sSub>
+                            <m:sSubPr>
+                              <m:ctrlPr>
+                                <a:rPr lang="en-US" altLang="zh-CN" b="0" i="1" smtClean="0">
+                                  <a:latin typeface="Cambria Math" panose="02040503050406030204" pitchFamily="18" charset="0"/>
+                                  <a:ea typeface="宋体" panose="02010600030101010101" pitchFamily="2" charset="-122"/>
+                                  <a:cs typeface="宋体" panose="02010600030101010101" pitchFamily="2" charset="-122"/>
+                                </a:rPr>
+                              </m:ctrlPr>
+                            </m:sSubPr>
+                            <m:e>
+                              <m:r>
+                                <a:rPr lang="en-US" altLang="zh-CN" b="0" i="1" smtClean="0">
+                                  <a:latin typeface="Cambria Math" panose="02040503050406030204" pitchFamily="18" charset="0"/>
+                                  <a:ea typeface="宋体" panose="02010600030101010101" pitchFamily="2" charset="-122"/>
+                                  <a:cs typeface="宋体" panose="02010600030101010101" pitchFamily="2" charset="-122"/>
+                                </a:rPr>
+                                <m:t>𝑥</m:t>
+                              </m:r>
+                            </m:e>
+                            <m:sub>
+                              <m:r>
+                                <a:rPr lang="en-US" altLang="zh-CN" b="0" i="1" smtClean="0">
+                                  <a:latin typeface="Cambria Math" panose="02040503050406030204" pitchFamily="18" charset="0"/>
+                                  <a:ea typeface="宋体" panose="02010600030101010101" pitchFamily="2" charset="-122"/>
+                                  <a:cs typeface="宋体" panose="02010600030101010101" pitchFamily="2" charset="-122"/>
+                                </a:rPr>
+                                <m:t>𝑡</m:t>
+                              </m:r>
+                              <m:r>
+                                <a:rPr lang="en-US" altLang="zh-CN" b="0" i="1" smtClean="0">
+                                  <a:latin typeface="Cambria Math" panose="02040503050406030204" pitchFamily="18" charset="0"/>
+                                  <a:ea typeface="宋体" panose="02010600030101010101" pitchFamily="2" charset="-122"/>
+                                  <a:cs typeface="宋体" panose="02010600030101010101" pitchFamily="2" charset="-122"/>
+                                </a:rPr>
+                                <m:t>−</m:t>
+                              </m:r>
+                              <m:r>
+                                <a:rPr lang="en-US" altLang="zh-CN" b="0" i="1" smtClean="0">
+                                  <a:latin typeface="Cambria Math" panose="02040503050406030204" pitchFamily="18" charset="0"/>
+                                  <a:ea typeface="宋体" panose="02010600030101010101" pitchFamily="2" charset="-122"/>
+                                  <a:cs typeface="宋体" panose="02010600030101010101" pitchFamily="2" charset="-122"/>
+                                </a:rPr>
+                                <m:t>1</m:t>
+                              </m:r>
+                            </m:sub>
+                          </m:sSub>
+                          <m:r>
+                            <a:rPr lang="en-US" altLang="zh-CN" b="0" i="1" smtClean="0">
+                              <a:latin typeface="Cambria Math" panose="02040503050406030204" pitchFamily="18" charset="0"/>
+                              <a:ea typeface="宋体" panose="02010600030101010101" pitchFamily="2" charset="-122"/>
+                              <a:cs typeface="宋体" panose="02010600030101010101" pitchFamily="2" charset="-122"/>
+                            </a:rPr>
+                            <m:t>,…,</m:t>
+                          </m:r>
+                          <m:sSub>
+                            <m:sSubPr>
+                              <m:ctrlPr>
+                                <a:rPr lang="en-US" altLang="zh-CN" b="0" i="1" smtClean="0">
+                                  <a:latin typeface="Cambria Math" panose="02040503050406030204" pitchFamily="18" charset="0"/>
+                                  <a:ea typeface="宋体" panose="02010600030101010101" pitchFamily="2" charset="-122"/>
+                                  <a:cs typeface="宋体" panose="02010600030101010101" pitchFamily="2" charset="-122"/>
+                                </a:rPr>
+                              </m:ctrlPr>
+                            </m:sSubPr>
+                            <m:e>
+                              <m:r>
+                                <a:rPr lang="en-US" altLang="zh-CN" b="0" i="1" smtClean="0">
+                                  <a:latin typeface="Cambria Math" panose="02040503050406030204" pitchFamily="18" charset="0"/>
+                                  <a:ea typeface="宋体" panose="02010600030101010101" pitchFamily="2" charset="-122"/>
+                                  <a:cs typeface="宋体" panose="02010600030101010101" pitchFamily="2" charset="-122"/>
+                                </a:rPr>
+                                <m:t>𝑥</m:t>
+                              </m:r>
+                            </m:e>
+                            <m:sub>
+                              <m:r>
+                                <a:rPr lang="en-US" altLang="zh-CN" b="0" i="1" smtClean="0">
+                                  <a:latin typeface="Cambria Math" panose="02040503050406030204" pitchFamily="18" charset="0"/>
+                                  <a:ea typeface="宋体" panose="02010600030101010101" pitchFamily="2" charset="-122"/>
+                                  <a:cs typeface="宋体" panose="02010600030101010101" pitchFamily="2" charset="-122"/>
+                                </a:rPr>
+                                <m:t>1</m:t>
+                              </m:r>
+                            </m:sub>
+                          </m:sSub>
+                        </m:e>
+                      </m:d>
+                      <m:r>
+                        <a:rPr lang="en-US" altLang="zh-CN" b="0" i="1" smtClean="0">
+                          <a:latin typeface="Cambria Math" panose="02040503050406030204" pitchFamily="18" charset="0"/>
+                          <a:ea typeface="宋体" panose="02010600030101010101" pitchFamily="2" charset="-122"/>
+                          <a:cs typeface="宋体" panose="02010600030101010101" pitchFamily="2" charset="-122"/>
+                        </a:rPr>
+                        <m:t>≈</m:t>
+                      </m:r>
+                      <m:r>
+                        <a:rPr lang="en-US" altLang="zh-CN" b="0" i="1" smtClean="0">
+                          <a:latin typeface="Cambria Math" panose="02040503050406030204" pitchFamily="18" charset="0"/>
+                          <a:ea typeface="宋体" panose="02010600030101010101" pitchFamily="2" charset="-122"/>
+                          <a:cs typeface="宋体" panose="02010600030101010101" pitchFamily="2" charset="-122"/>
+                        </a:rPr>
+                        <m:t>𝑃</m:t>
+                      </m:r>
+                      <m:r>
+                        <a:rPr lang="en-US" altLang="zh-CN" b="0" i="1" smtClean="0">
+                          <a:latin typeface="Cambria Math" panose="02040503050406030204" pitchFamily="18" charset="0"/>
+                          <a:ea typeface="宋体" panose="02010600030101010101" pitchFamily="2" charset="-122"/>
+                          <a:cs typeface="宋体" panose="02010600030101010101" pitchFamily="2" charset="-122"/>
+                        </a:rPr>
+                        <m:t>(</m:t>
+                      </m:r>
+                      <m:sSub>
+                        <m:sSubPr>
+                          <m:ctrlPr>
+                            <a:rPr lang="en-US" altLang="zh-CN" b="0" i="1" smtClean="0">
+                              <a:latin typeface="Cambria Math" panose="02040503050406030204" pitchFamily="18" charset="0"/>
+                              <a:ea typeface="宋体" panose="02010600030101010101" pitchFamily="2" charset="-122"/>
+                              <a:cs typeface="宋体" panose="02010600030101010101" pitchFamily="2" charset="-122"/>
+                            </a:rPr>
+                          </m:ctrlPr>
+                        </m:sSubPr>
+                        <m:e>
+                          <m:r>
+                            <a:rPr lang="en-US" altLang="zh-CN" b="0" i="1" smtClean="0">
+                              <a:latin typeface="Cambria Math" panose="02040503050406030204" pitchFamily="18" charset="0"/>
+                              <a:ea typeface="宋体" panose="02010600030101010101" pitchFamily="2" charset="-122"/>
+                              <a:cs typeface="宋体" panose="02010600030101010101" pitchFamily="2" charset="-122"/>
+                            </a:rPr>
+                            <m:t>𝑥</m:t>
+                          </m:r>
+                        </m:e>
+                        <m:sub>
+                          <m:r>
+                            <a:rPr lang="en-US" altLang="zh-CN" b="0" i="1" smtClean="0">
+                              <a:latin typeface="Cambria Math" panose="02040503050406030204" pitchFamily="18" charset="0"/>
+                              <a:ea typeface="宋体" panose="02010600030101010101" pitchFamily="2" charset="-122"/>
+                              <a:cs typeface="宋体" panose="02010600030101010101" pitchFamily="2" charset="-122"/>
+                            </a:rPr>
+                            <m:t>𝑡</m:t>
+                          </m:r>
+                        </m:sub>
+                      </m:sSub>
+                      <m:r>
+                        <a:rPr lang="en-US" altLang="zh-CN" b="0" i="1" smtClean="0">
+                          <a:latin typeface="Cambria Math" panose="02040503050406030204" pitchFamily="18" charset="0"/>
+                          <a:ea typeface="宋体" panose="02010600030101010101" pitchFamily="2" charset="-122"/>
+                          <a:cs typeface="宋体" panose="02010600030101010101" pitchFamily="2" charset="-122"/>
+                        </a:rPr>
+                        <m:t>|</m:t>
+                      </m:r>
+                      <m:sSub>
+                        <m:sSubPr>
+                          <m:ctrlPr>
+                            <a:rPr lang="en-US" altLang="zh-CN" b="0" i="1" smtClean="0">
+                              <a:latin typeface="Cambria Math" panose="02040503050406030204" pitchFamily="18" charset="0"/>
+                              <a:ea typeface="宋体" panose="02010600030101010101" pitchFamily="2" charset="-122"/>
+                              <a:cs typeface="宋体" panose="02010600030101010101" pitchFamily="2" charset="-122"/>
+                            </a:rPr>
+                          </m:ctrlPr>
+                        </m:sSubPr>
+                        <m:e>
+                          <m:r>
+                            <a:rPr lang="en-US" altLang="zh-CN" b="0" i="1" smtClean="0">
+                              <a:latin typeface="Cambria Math" panose="02040503050406030204" pitchFamily="18" charset="0"/>
+                              <a:ea typeface="宋体" panose="02010600030101010101" pitchFamily="2" charset="-122"/>
+                              <a:cs typeface="宋体" panose="02010600030101010101" pitchFamily="2" charset="-122"/>
+                            </a:rPr>
+                            <m:t>h</m:t>
+                          </m:r>
+                        </m:e>
+                        <m:sub>
+                          <m:r>
+                            <a:rPr lang="en-US" altLang="zh-CN" b="0" i="1" smtClean="0">
+                              <a:latin typeface="Cambria Math" panose="02040503050406030204" pitchFamily="18" charset="0"/>
+                              <a:ea typeface="宋体" panose="02010600030101010101" pitchFamily="2" charset="-122"/>
+                              <a:cs typeface="宋体" panose="02010600030101010101" pitchFamily="2" charset="-122"/>
+                            </a:rPr>
+                            <m:t>𝑡</m:t>
+                          </m:r>
+                          <m:r>
+                            <a:rPr lang="en-US" altLang="zh-CN" b="0" i="1" smtClean="0">
+                              <a:latin typeface="Cambria Math" panose="02040503050406030204" pitchFamily="18" charset="0"/>
+                              <a:ea typeface="宋体" panose="02010600030101010101" pitchFamily="2" charset="-122"/>
+                              <a:cs typeface="宋体" panose="02010600030101010101" pitchFamily="2" charset="-122"/>
+                            </a:rPr>
+                            <m:t>−</m:t>
+                          </m:r>
+                          <m:r>
+                            <a:rPr lang="en-US" altLang="zh-CN" b="0" i="1" smtClean="0">
+                              <a:latin typeface="Cambria Math" panose="02040503050406030204" pitchFamily="18" charset="0"/>
+                              <a:ea typeface="宋体" panose="02010600030101010101" pitchFamily="2" charset="-122"/>
+                              <a:cs typeface="宋体" panose="02010600030101010101" pitchFamily="2" charset="-122"/>
+                            </a:rPr>
+                            <m:t>1</m:t>
+                          </m:r>
+                        </m:sub>
+                      </m:sSub>
+                      <m:r>
+                        <a:rPr lang="en-US" altLang="zh-CN" b="0" i="1" smtClean="0">
+                          <a:latin typeface="Cambria Math" panose="02040503050406030204" pitchFamily="18" charset="0"/>
+                          <a:ea typeface="宋体" panose="02010600030101010101" pitchFamily="2" charset="-122"/>
+                          <a:cs typeface="宋体" panose="02010600030101010101" pitchFamily="2" charset="-122"/>
+                        </a:rPr>
+                        <m:t>)</m:t>
+                      </m:r>
+                    </m:oMath>
+                  </m:oMathPara>
+                </a14:m>
+                <a:endParaRPr lang="en-US" altLang="zh-CN" dirty="0">
+                  <a:latin typeface="宋体" panose="02010600030101010101" pitchFamily="2" charset="-122"/>
+                  <a:ea typeface="宋体" panose="02010600030101010101" pitchFamily="2" charset="-122"/>
+                  <a:cs typeface="宋体" panose="02010600030101010101" pitchFamily="2" charset="-122"/>
+                </a:endParaRPr>
+              </a:p>
+              <a:p>
+                <a:pPr marL="0" indent="0">
+                  <a:buNone/>
+                </a:pPr>
+                <a:endParaRPr lang="en-GB" altLang="zh-CN" dirty="0"/>
+              </a:p>
+            </p:txBody>
+          </p:sp>
+        </mc:Choice>
+        <mc:Fallback xmlns="">
+          <p:sp>
+            <p:nvSpPr>
+              <p:cNvPr id="3" name="内容占位符 2"/>
+              <p:cNvSpPr>
+                <a:spLocks noGrp="1" noRot="1" noChangeAspect="1" noMove="1" noResize="1" noEditPoints="1" noAdjustHandles="1" noChangeArrowheads="1" noChangeShapeType="1" noTextEdit="1"/>
+              </p:cNvSpPr>
+              <p:nvPr>
+                <p:ph idx="1"/>
+              </p:nvPr>
+            </p:nvSpPr>
+            <p:spPr>
+              <a:xfrm>
+                <a:off x="757934" y="1979260"/>
+                <a:ext cx="10990555" cy="4351338"/>
+              </a:xfrm>
+              <a:blipFill>
+                <a:blip r:embed="rId2"/>
+                <a:stretch>
+                  <a:fillRect l="-499" t="-561"/>
+                </a:stretch>
+              </a:blipFill>
+            </p:spPr>
+            <p:txBody>
+              <a:bodyPr/>
+              <a:lstStyle/>
+              <a:p>
+                <a:r>
+                  <a:rPr lang="zh-CN" altLang="en-US">
+                    <a:noFill/>
+                  </a:rPr>
+                  <a:t> </a:t>
+                </a:r>
+              </a:p>
+            </p:txBody>
+          </p:sp>
+        </mc:Fallback>
+      </mc:AlternateContent>
+      <p:pic>
+        <p:nvPicPr>
+          <p:cNvPr id="5" name="图片 4">
             <a:extLst>
               <a:ext uri="{FF2B5EF4-FFF2-40B4-BE49-F238E27FC236}">
-                <a16:creationId xmlns:a16="http://schemas.microsoft.com/office/drawing/2014/main" id="{BDEAB4AC-3E24-684B-8A42-6CD262275A34}"/>
+                <a16:creationId xmlns:a16="http://schemas.microsoft.com/office/drawing/2014/main" id="{CF4A6692-B236-4153-A6FD-6DC708E9858D}"/>
               </a:ext>
             </a:extLst>
           </p:cNvPr>
+          <p:cNvPicPr>
+            <a:picLocks noChangeAspect="1"/>
+          </p:cNvPicPr>
+          <p:nvPr/>
+        </p:nvPicPr>
+        <p:blipFill>
+          <a:blip r:embed="rId3"/>
+          <a:stretch>
+            <a:fillRect/>
+          </a:stretch>
+        </p:blipFill>
+        <p:spPr>
+          <a:xfrm>
+            <a:off x="2467025" y="3608082"/>
+            <a:ext cx="7572375" cy="1809750"/>
+          </a:xfrm>
+          <a:prstGeom prst="rect">
+            <a:avLst/>
+          </a:prstGeom>
+        </p:spPr>
+      </p:pic>
+    </p:spTree>
+    <p:extLst>
+      <p:ext uri="{BB962C8B-B14F-4D97-AF65-F5344CB8AC3E}">
+        <p14:creationId xmlns:p14="http://schemas.microsoft.com/office/powerpoint/2010/main" val="3704181834"/>
+      </p:ext>
+    </p:extLst>
+  </p:cSld>
+  <p:clrMapOvr>
+    <a:masterClrMapping/>
+  </p:clrMapOvr>
+</p:sld>
+</file>
+
+<file path=ppt/slides/slide5.xml><?xml version="1.0" encoding="utf-8"?>
+<p:sld xmlns:a="http://schemas.openxmlformats.org/drawingml/2006/main" xmlns:r="http://schemas.openxmlformats.org/officeDocument/2006/relationships" xmlns:p="http://schemas.openxmlformats.org/presentationml/2006/main">
+  <p:cSld>
+    <p:spTree>
+      <p:nvGrpSpPr>
+        <p:cNvPr id="1" name=""/>
+        <p:cNvGrpSpPr/>
+        <p:nvPr/>
+      </p:nvGrpSpPr>
+      <p:grpSpPr>
+        <a:xfrm>
+          <a:off x="0" y="0"/>
+          <a:ext cx="0" cy="0"/>
+          <a:chOff x="0" y="0"/>
+          <a:chExt cx="0" cy="0"/>
+        </a:xfrm>
+      </p:grpSpPr>
+      <p:sp>
+        <p:nvSpPr>
+          <p:cNvPr id="2" name="标题 1"/>
+          <p:cNvSpPr>
+            <a:spLocks noGrp="1"/>
+          </p:cNvSpPr>
+          <p:nvPr>
+            <p:ph type="title"/>
+          </p:nvPr>
+        </p:nvSpPr>
+        <p:spPr/>
+        <p:txBody>
+          <a:bodyPr/>
+          <a:lstStyle/>
+          <a:p>
+            <a:pPr algn="ctr"/>
+            <a:r>
+              <a:rPr kumimoji="1" lang="en-US" altLang="zh-CN" sz="3600" b="1" dirty="0">
+                <a:latin typeface="宋体" panose="02010600030101010101" pitchFamily="2" charset="-122"/>
+                <a:ea typeface="宋体" panose="02010600030101010101" pitchFamily="2" charset="-122"/>
+                <a:cs typeface="宋体" panose="02010600030101010101" pitchFamily="2" charset="-122"/>
+              </a:rPr>
+              <a:t>2. </a:t>
+            </a:r>
+            <a:r>
+              <a:rPr kumimoji="1" lang="zh-CN" altLang="en-US" sz="3600" b="1" dirty="0">
+                <a:latin typeface="宋体" panose="02010600030101010101" pitchFamily="2" charset="-122"/>
+                <a:ea typeface="宋体" panose="02010600030101010101" pitchFamily="2" charset="-122"/>
+                <a:cs typeface="宋体" panose="02010600030101010101" pitchFamily="2" charset="-122"/>
+              </a:rPr>
+              <a:t>门控循环单元（GRU）</a:t>
+            </a:r>
+          </a:p>
+        </p:txBody>
+      </p:sp>
+      <mc:AlternateContent xmlns:mc="http://schemas.openxmlformats.org/markup-compatibility/2006" xmlns:a14="http://schemas.microsoft.com/office/drawing/2010/main">
+        <mc:Choice Requires="a14">
+          <p:sp>
+            <p:nvSpPr>
+              <p:cNvPr id="3" name="内容占位符 2"/>
+              <p:cNvSpPr>
+                <a:spLocks noGrp="1"/>
+              </p:cNvSpPr>
+              <p:nvPr>
+                <p:ph idx="1"/>
+              </p:nvPr>
+            </p:nvSpPr>
+            <p:spPr>
+              <a:xfrm>
+                <a:off x="757936" y="1853754"/>
+                <a:ext cx="10990555" cy="4351338"/>
+              </a:xfrm>
+            </p:spPr>
+            <p:txBody>
+              <a:bodyPr>
+                <a:normAutofit lnSpcReduction="10000"/>
+              </a:bodyPr>
+              <a:lstStyle/>
+              <a:p>
+                <a:pPr marL="0" indent="0">
+                  <a:buNone/>
+                </a:pPr>
+                <a:r>
+                  <a:rPr dirty="0">
+                    <a:latin typeface="宋体" panose="02010600030101010101" pitchFamily="2" charset="-122"/>
+                    <a:ea typeface="宋体" panose="02010600030101010101" pitchFamily="2" charset="-122"/>
+                    <a:cs typeface="宋体" panose="02010600030101010101" pitchFamily="2" charset="-122"/>
+                  </a:rPr>
+                  <a:t>门控循环单元（gated recurrent unit，GRU</a:t>
+                </a:r>
+                <a:r>
+                  <a:rPr lang="en-US" dirty="0">
+                    <a:latin typeface="宋体" panose="02010600030101010101" pitchFamily="2" charset="-122"/>
+                    <a:ea typeface="宋体" panose="02010600030101010101" pitchFamily="2" charset="-122"/>
+                    <a:cs typeface="宋体" panose="02010600030101010101" pitchFamily="2" charset="-122"/>
+                  </a:rPr>
+                  <a:t>)</a:t>
+                </a:r>
+                <a:r>
+                  <a:rPr lang="zh-CN" altLang="en-US" dirty="0">
+                    <a:latin typeface="宋体" panose="02010600030101010101" pitchFamily="2" charset="-122"/>
+                    <a:ea typeface="宋体" panose="02010600030101010101" pitchFamily="2" charset="-122"/>
+                    <a:cs typeface="宋体" panose="02010600030101010101" pitchFamily="2" charset="-122"/>
+                  </a:rPr>
+                  <a:t>：</a:t>
+                </a:r>
+                <a:r>
+                  <a:rPr lang="en-US" altLang="zh-CN" dirty="0">
+                    <a:latin typeface="宋体" panose="02010600030101010101" pitchFamily="2" charset="-122"/>
+                    <a:ea typeface="宋体" panose="02010600030101010101" pitchFamily="2" charset="-122"/>
+                    <a:cs typeface="宋体" panose="02010600030101010101" pitchFamily="2" charset="-122"/>
+                  </a:rPr>
+                  <a:t>2014</a:t>
+                </a:r>
+                <a:endParaRPr lang="zh-CN" altLang="en-US" dirty="0">
+                  <a:latin typeface="宋体" panose="02010600030101010101" pitchFamily="2" charset="-122"/>
+                  <a:ea typeface="宋体" panose="02010600030101010101" pitchFamily="2" charset="-122"/>
+                  <a:cs typeface="宋体" panose="02010600030101010101" pitchFamily="2" charset="-122"/>
+                </a:endParaRPr>
+              </a:p>
+              <a:p>
+                <a:pPr marL="0" indent="0">
+                  <a:buNone/>
+                </a:pPr>
+                <a14:m>
+                  <m:oMathPara xmlns:m="http://schemas.openxmlformats.org/officeDocument/2006/math">
+                    <m:oMathParaPr>
+                      <m:jc m:val="centerGroup"/>
+                    </m:oMathParaPr>
+                    <m:oMath xmlns:m="http://schemas.openxmlformats.org/officeDocument/2006/math">
+                      <m:sSub>
+                        <m:sSubPr>
+                          <m:ctrlPr>
+                            <a:rPr lang="zh-CN" altLang="zh-CN" b="1" i="1" smtClean="0">
+                              <a:effectLst/>
+                              <a:latin typeface="Cambria Math" panose="02040503050406030204" pitchFamily="18" charset="0"/>
+                              <a:ea typeface="宋体" panose="02010600030101010101" pitchFamily="2" charset="-122"/>
+                              <a:cs typeface="Cambria Math" panose="02040503050406030204" pitchFamily="18" charset="0"/>
+                            </a:rPr>
+                          </m:ctrlPr>
+                        </m:sSubPr>
+                        <m:e>
+                          <m:r>
+                            <a:rPr lang="en-US" altLang="zh-CN" b="1" i="1" smtClean="0">
+                              <a:effectLst/>
+                              <a:latin typeface="Cambria Math" panose="02040503050406030204" pitchFamily="18" charset="0"/>
+                              <a:ea typeface="宋体" panose="02010600030101010101" pitchFamily="2" charset="-122"/>
+                              <a:cs typeface="Cambria Math" panose="02040503050406030204" pitchFamily="18" charset="0"/>
+                            </a:rPr>
+                            <m:t>𝒓</m:t>
+                          </m:r>
+                        </m:e>
+                        <m:sub>
+                          <m:r>
+                            <a:rPr lang="en-US" altLang="zh-CN" b="1" i="1" kern="0">
+                              <a:effectLst/>
+                              <a:latin typeface="Cambria Math" panose="02040503050406030204" pitchFamily="18" charset="0"/>
+                              <a:ea typeface="宋体" panose="02010600030101010101" pitchFamily="2" charset="-122"/>
+                              <a:cs typeface="Cambria Math" panose="02040503050406030204" pitchFamily="18" charset="0"/>
+                            </a:rPr>
+                            <m:t>𝒕</m:t>
+                          </m:r>
+                        </m:sub>
+                      </m:sSub>
+                      <m:r>
+                        <a:rPr lang="en-US" altLang="zh-CN" i="1" kern="0">
+                          <a:effectLst/>
+                          <a:latin typeface="Cambria Math" panose="02040503050406030204" pitchFamily="18" charset="0"/>
+                          <a:ea typeface="MS Mincho" charset="0"/>
+                          <a:cs typeface="Cambria Math" panose="02040503050406030204" pitchFamily="18" charset="0"/>
+                        </a:rPr>
+                        <m:t>=</m:t>
+                      </m:r>
+                      <m:func>
+                        <m:funcPr>
+                          <m:ctrlPr>
+                            <a:rPr lang="zh-CN" altLang="zh-CN" i="1" smtClean="0">
+                              <a:effectLst/>
+                              <a:latin typeface="Cambria Math" panose="02040503050406030204" pitchFamily="18" charset="0"/>
+                              <a:ea typeface="宋体" panose="02010600030101010101" pitchFamily="2" charset="-122"/>
+                              <a:cs typeface="Cambria Math" panose="02040503050406030204" pitchFamily="18" charset="0"/>
+                            </a:rPr>
+                          </m:ctrlPr>
+                        </m:funcPr>
+                        <m:fName>
+                          <m:r>
+                            <a:rPr lang="el-GR" altLang="zh-CN" i="1" kern="0" smtClean="0">
+                              <a:effectLst/>
+                              <a:latin typeface="Cambria Math" panose="02040503050406030204" pitchFamily="18" charset="0"/>
+                              <a:ea typeface="MS Mincho" charset="0"/>
+                              <a:cs typeface="Cambria Math" panose="02040503050406030204" pitchFamily="18" charset="0"/>
+                            </a:rPr>
+                            <m:t>𝜎</m:t>
+                          </m:r>
+                        </m:fName>
+                        <m:e>
+                          <m:d>
+                            <m:dPr>
+                              <m:ctrlPr>
+                                <a:rPr lang="zh-CN" altLang="zh-CN" b="1" i="1">
+                                  <a:effectLst/>
+                                  <a:latin typeface="Cambria Math" panose="02040503050406030204" pitchFamily="18" charset="0"/>
+                                  <a:ea typeface="宋体" panose="02010600030101010101" pitchFamily="2" charset="-122"/>
+                                  <a:cs typeface="Cambria Math" panose="02040503050406030204" pitchFamily="18" charset="0"/>
+                                </a:rPr>
+                              </m:ctrlPr>
+                            </m:dPr>
+                            <m:e>
+                              <m:sSub>
+                                <m:sSubPr>
+                                  <m:ctrlPr>
+                                    <a:rPr lang="zh-CN" altLang="zh-CN" b="1" i="1">
+                                      <a:effectLst/>
+                                      <a:latin typeface="Cambria Math" panose="02040503050406030204" pitchFamily="18" charset="0"/>
+                                      <a:ea typeface="宋体" panose="02010600030101010101" pitchFamily="2" charset="-122"/>
+                                      <a:cs typeface="Cambria Math" panose="02040503050406030204" pitchFamily="18" charset="0"/>
+                                    </a:rPr>
+                                  </m:ctrlPr>
+                                </m:sSubPr>
+                                <m:e>
+                                  <m:r>
+                                    <a:rPr lang="en-US" altLang="zh-CN" b="1" i="1" kern="0">
+                                      <a:effectLst/>
+                                      <a:latin typeface="Cambria Math" panose="02040503050406030204" pitchFamily="18" charset="0"/>
+                                      <a:ea typeface="宋体" panose="02010600030101010101" pitchFamily="2" charset="-122"/>
+                                      <a:cs typeface="Cambria Math" panose="02040503050406030204" pitchFamily="18" charset="0"/>
+                                    </a:rPr>
+                                    <m:t>𝒘</m:t>
+                                  </m:r>
+                                </m:e>
+                                <m:sub>
+                                  <m:r>
+                                    <a:rPr lang="en-US" altLang="zh-CN" b="1" i="1" kern="0" smtClean="0">
+                                      <a:effectLst/>
+                                      <a:latin typeface="Cambria Math" panose="02040503050406030204" pitchFamily="18" charset="0"/>
+                                      <a:ea typeface="宋体" panose="02010600030101010101" pitchFamily="2" charset="-122"/>
+                                      <a:cs typeface="Cambria Math" panose="02040503050406030204" pitchFamily="18" charset="0"/>
+                                    </a:rPr>
+                                    <m:t>𝒙𝒓</m:t>
+                                  </m:r>
+                                </m:sub>
+                              </m:sSub>
+                              <m:sSub>
+                                <m:sSubPr>
+                                  <m:ctrlPr>
+                                    <a:rPr lang="zh-CN" altLang="zh-CN" b="1" i="1">
+                                      <a:effectLst/>
+                                      <a:latin typeface="Cambria Math" panose="02040503050406030204" pitchFamily="18" charset="0"/>
+                                      <a:ea typeface="宋体" panose="02010600030101010101" pitchFamily="2" charset="-122"/>
+                                      <a:cs typeface="Cambria Math" panose="02040503050406030204" pitchFamily="18" charset="0"/>
+                                    </a:rPr>
+                                  </m:ctrlPr>
+                                </m:sSubPr>
+                                <m:e>
+                                  <m:r>
+                                    <a:rPr lang="en-US" altLang="zh-CN" b="1" i="1" kern="0">
+                                      <a:effectLst/>
+                                      <a:latin typeface="Cambria Math" panose="02040503050406030204" pitchFamily="18" charset="0"/>
+                                      <a:ea typeface="宋体" panose="02010600030101010101" pitchFamily="2" charset="-122"/>
+                                      <a:cs typeface="Cambria Math" panose="02040503050406030204" pitchFamily="18" charset="0"/>
+                                    </a:rPr>
+                                    <m:t>𝒙</m:t>
+                                  </m:r>
+                                </m:e>
+                                <m:sub>
+                                  <m:r>
+                                    <a:rPr lang="en-US" altLang="zh-CN" b="1" i="1" kern="0">
+                                      <a:effectLst/>
+                                      <a:latin typeface="Cambria Math" panose="02040503050406030204" pitchFamily="18" charset="0"/>
+                                      <a:ea typeface="宋体" panose="02010600030101010101" pitchFamily="2" charset="-122"/>
+                                      <a:cs typeface="Cambria Math" panose="02040503050406030204" pitchFamily="18" charset="0"/>
+                                    </a:rPr>
+                                    <m:t>𝒕</m:t>
+                                  </m:r>
+                                </m:sub>
+                              </m:sSub>
+                              <m:r>
+                                <a:rPr lang="en-US" altLang="zh-CN" b="1" i="1" kern="0">
+                                  <a:effectLst/>
+                                  <a:latin typeface="Cambria Math" panose="02040503050406030204" pitchFamily="18" charset="0"/>
+                                  <a:ea typeface="MS Mincho" charset="0"/>
+                                  <a:cs typeface="Cambria Math" panose="02040503050406030204" pitchFamily="18" charset="0"/>
+                                </a:rPr>
+                                <m:t>+</m:t>
+                              </m:r>
+                              <m:sSub>
+                                <m:sSubPr>
+                                  <m:ctrlPr>
+                                    <a:rPr lang="zh-CN" altLang="zh-CN" b="1" i="1">
+                                      <a:effectLst/>
+                                      <a:latin typeface="Cambria Math" panose="02040503050406030204" pitchFamily="18" charset="0"/>
+                                      <a:ea typeface="宋体" panose="02010600030101010101" pitchFamily="2" charset="-122"/>
+                                      <a:cs typeface="Cambria Math" panose="02040503050406030204" pitchFamily="18" charset="0"/>
+                                    </a:rPr>
+                                  </m:ctrlPr>
+                                </m:sSubPr>
+                                <m:e>
+                                  <m:r>
+                                    <a:rPr lang="en-US" altLang="zh-CN" b="1" i="1" kern="0">
+                                      <a:effectLst/>
+                                      <a:latin typeface="Cambria Math" panose="02040503050406030204" pitchFamily="18" charset="0"/>
+                                      <a:ea typeface="宋体" panose="02010600030101010101" pitchFamily="2" charset="-122"/>
+                                      <a:cs typeface="Cambria Math" panose="02040503050406030204" pitchFamily="18" charset="0"/>
+                                    </a:rPr>
+                                    <m:t>𝒘</m:t>
+                                  </m:r>
+                                </m:e>
+                                <m:sub>
+                                  <m:r>
+                                    <a:rPr lang="en-US" altLang="zh-CN" b="1" i="1" kern="0">
+                                      <a:effectLst/>
+                                      <a:latin typeface="Cambria Math" panose="02040503050406030204" pitchFamily="18" charset="0"/>
+                                      <a:ea typeface="宋体" panose="02010600030101010101" pitchFamily="2" charset="-122"/>
+                                      <a:cs typeface="Cambria Math" panose="02040503050406030204" pitchFamily="18" charset="0"/>
+                                    </a:rPr>
+                                    <m:t>𝒉𝒓</m:t>
+                                  </m:r>
+                                </m:sub>
+                              </m:sSub>
+                              <m:sSub>
+                                <m:sSubPr>
+                                  <m:ctrlPr>
+                                    <a:rPr lang="zh-CN" altLang="zh-CN" b="1" i="1">
+                                      <a:effectLst/>
+                                      <a:latin typeface="Cambria Math" panose="02040503050406030204" pitchFamily="18" charset="0"/>
+                                      <a:ea typeface="宋体" panose="02010600030101010101" pitchFamily="2" charset="-122"/>
+                                      <a:cs typeface="Cambria Math" panose="02040503050406030204" pitchFamily="18" charset="0"/>
+                                    </a:rPr>
+                                  </m:ctrlPr>
+                                </m:sSubPr>
+                                <m:e>
+                                  <m:r>
+                                    <a:rPr lang="en-US" altLang="zh-CN" b="1" i="1" kern="0">
+                                      <a:effectLst/>
+                                      <a:latin typeface="Cambria Math" panose="02040503050406030204" pitchFamily="18" charset="0"/>
+                                      <a:ea typeface="宋体" panose="02010600030101010101" pitchFamily="2" charset="-122"/>
+                                      <a:cs typeface="Cambria Math" panose="02040503050406030204" pitchFamily="18" charset="0"/>
+                                    </a:rPr>
+                                    <m:t>𝒉</m:t>
+                                  </m:r>
+                                </m:e>
+                                <m:sub>
+                                  <m:r>
+                                    <a:rPr lang="en-US" altLang="zh-CN" b="1" i="1" kern="0">
+                                      <a:effectLst/>
+                                      <a:latin typeface="Cambria Math" panose="02040503050406030204" pitchFamily="18" charset="0"/>
+                                      <a:ea typeface="宋体" panose="02010600030101010101" pitchFamily="2" charset="-122"/>
+                                      <a:cs typeface="Cambria Math" panose="02040503050406030204" pitchFamily="18" charset="0"/>
+                                    </a:rPr>
+                                    <m:t>𝒕</m:t>
+                                  </m:r>
+                                  <m:r>
+                                    <a:rPr lang="en-US" altLang="zh-CN" b="1" i="1" kern="0">
+                                      <a:effectLst/>
+                                      <a:latin typeface="Cambria Math" panose="02040503050406030204" pitchFamily="18" charset="0"/>
+                                      <a:ea typeface="MS Mincho" charset="0"/>
+                                      <a:cs typeface="Cambria Math" panose="02040503050406030204" pitchFamily="18" charset="0"/>
+                                    </a:rPr>
+                                    <m:t>−</m:t>
+                                  </m:r>
+                                  <m:r>
+                                    <a:rPr lang="en-US" altLang="zh-CN" b="1" i="1" kern="0">
+                                      <a:effectLst/>
+                                      <a:latin typeface="Cambria Math" panose="02040503050406030204" pitchFamily="18" charset="0"/>
+                                      <a:ea typeface="宋体" panose="02010600030101010101" pitchFamily="2" charset="-122"/>
+                                      <a:cs typeface="Cambria Math" panose="02040503050406030204" pitchFamily="18" charset="0"/>
+                                    </a:rPr>
+                                    <m:t>𝟏</m:t>
+                                  </m:r>
+                                </m:sub>
+                              </m:sSub>
+                              <m:r>
+                                <a:rPr lang="en-US" altLang="zh-CN" b="1" i="1" kern="0">
+                                  <a:effectLst/>
+                                  <a:latin typeface="Cambria Math" panose="02040503050406030204" pitchFamily="18" charset="0"/>
+                                  <a:ea typeface="MS Mincho" charset="0"/>
+                                  <a:cs typeface="Cambria Math" panose="02040503050406030204" pitchFamily="18" charset="0"/>
+                                </a:rPr>
+                                <m:t>+</m:t>
+                              </m:r>
+                              <m:sSub>
+                                <m:sSubPr>
+                                  <m:ctrlPr>
+                                    <a:rPr lang="en-US" altLang="zh-CN" b="1" i="1" kern="0" smtClean="0">
+                                      <a:effectLst/>
+                                      <a:latin typeface="Cambria Math" panose="02040503050406030204" pitchFamily="18" charset="0"/>
+                                      <a:ea typeface="宋体" panose="02010600030101010101" pitchFamily="2" charset="-122"/>
+                                      <a:cs typeface="Cambria Math" panose="02040503050406030204" pitchFamily="18" charset="0"/>
+                                    </a:rPr>
+                                  </m:ctrlPr>
+                                </m:sSubPr>
+                                <m:e>
+                                  <m:r>
+                                    <a:rPr lang="en-US" altLang="zh-CN" b="1" i="1" kern="0" smtClean="0">
+                                      <a:effectLst/>
+                                      <a:latin typeface="Cambria Math" panose="02040503050406030204" pitchFamily="18" charset="0"/>
+                                      <a:ea typeface="宋体" panose="02010600030101010101" pitchFamily="2" charset="-122"/>
+                                      <a:cs typeface="Cambria Math" panose="02040503050406030204" pitchFamily="18" charset="0"/>
+                                    </a:rPr>
+                                    <m:t>𝒃</m:t>
+                                  </m:r>
+                                </m:e>
+                                <m:sub>
+                                  <m:r>
+                                    <a:rPr lang="en-US" altLang="zh-CN" b="1" i="1" kern="0" smtClean="0">
+                                      <a:effectLst/>
+                                      <a:latin typeface="Cambria Math" panose="02040503050406030204" pitchFamily="18" charset="0"/>
+                                      <a:ea typeface="宋体" panose="02010600030101010101" pitchFamily="2" charset="-122"/>
+                                      <a:cs typeface="Cambria Math" panose="02040503050406030204" pitchFamily="18" charset="0"/>
+                                    </a:rPr>
+                                    <m:t>𝒓</m:t>
+                                  </m:r>
+                                </m:sub>
+                              </m:sSub>
+                            </m:e>
+                          </m:d>
+                        </m:e>
+                      </m:func>
+                    </m:oMath>
+                  </m:oMathPara>
+                </a14:m>
+                <a:endParaRPr lang="en-US" altLang="zh-CN" dirty="0">
+                  <a:latin typeface="宋体" panose="02010600030101010101" pitchFamily="2" charset="-122"/>
+                  <a:ea typeface="宋体" panose="02010600030101010101" pitchFamily="2" charset="-122"/>
+                  <a:cs typeface="宋体" panose="02010600030101010101" pitchFamily="2" charset="-122"/>
+                </a:endParaRPr>
+              </a:p>
+              <a:p>
+                <a:pPr marL="0" indent="0">
+                  <a:buNone/>
+                </a:pPr>
+                <a14:m>
+                  <m:oMathPara xmlns:m="http://schemas.openxmlformats.org/officeDocument/2006/math">
+                    <m:oMathParaPr>
+                      <m:jc m:val="centerGroup"/>
+                    </m:oMathParaPr>
+                    <m:oMath xmlns:m="http://schemas.openxmlformats.org/officeDocument/2006/math">
+                      <m:sSub>
+                        <m:sSubPr>
+                          <m:ctrlPr>
+                            <a:rPr lang="zh-CN" altLang="zh-CN" b="1" i="1" smtClean="0">
+                              <a:effectLst/>
+                              <a:latin typeface="Cambria Math" panose="02040503050406030204" pitchFamily="18" charset="0"/>
+                              <a:ea typeface="宋体" panose="02010600030101010101" pitchFamily="2" charset="-122"/>
+                              <a:cs typeface="Cambria Math" panose="02040503050406030204" pitchFamily="18" charset="0"/>
+                            </a:rPr>
+                          </m:ctrlPr>
+                        </m:sSubPr>
+                        <m:e>
+                          <m:r>
+                            <a:rPr lang="en-US" altLang="zh-CN" b="1" i="1" smtClean="0">
+                              <a:effectLst/>
+                              <a:latin typeface="Cambria Math" panose="02040503050406030204" pitchFamily="18" charset="0"/>
+                              <a:ea typeface="宋体" panose="02010600030101010101" pitchFamily="2" charset="-122"/>
+                              <a:cs typeface="Cambria Math" panose="02040503050406030204" pitchFamily="18" charset="0"/>
+                            </a:rPr>
+                            <m:t>𝒛</m:t>
+                          </m:r>
+                        </m:e>
+                        <m:sub>
+                          <m:r>
+                            <a:rPr lang="en-US" altLang="zh-CN" b="1" i="1" kern="0">
+                              <a:effectLst/>
+                              <a:latin typeface="Cambria Math" panose="02040503050406030204" pitchFamily="18" charset="0"/>
+                              <a:ea typeface="宋体" panose="02010600030101010101" pitchFamily="2" charset="-122"/>
+                              <a:cs typeface="Cambria Math" panose="02040503050406030204" pitchFamily="18" charset="0"/>
+                            </a:rPr>
+                            <m:t>𝒕</m:t>
+                          </m:r>
+                        </m:sub>
+                      </m:sSub>
+                      <m:r>
+                        <a:rPr lang="en-US" altLang="zh-CN" i="1" kern="0">
+                          <a:effectLst/>
+                          <a:latin typeface="Cambria Math" panose="02040503050406030204" pitchFamily="18" charset="0"/>
+                          <a:ea typeface="MS Mincho" charset="0"/>
+                          <a:cs typeface="Cambria Math" panose="02040503050406030204" pitchFamily="18" charset="0"/>
+                        </a:rPr>
+                        <m:t>=</m:t>
+                      </m:r>
+                      <m:func>
+                        <m:funcPr>
+                          <m:ctrlPr>
+                            <a:rPr lang="zh-CN" altLang="zh-CN" i="1" smtClean="0">
+                              <a:effectLst/>
+                              <a:latin typeface="Cambria Math" panose="02040503050406030204" pitchFamily="18" charset="0"/>
+                              <a:ea typeface="宋体" panose="02010600030101010101" pitchFamily="2" charset="-122"/>
+                              <a:cs typeface="Cambria Math" panose="02040503050406030204" pitchFamily="18" charset="0"/>
+                            </a:rPr>
+                          </m:ctrlPr>
+                        </m:funcPr>
+                        <m:fName>
+                          <m:r>
+                            <a:rPr lang="el-GR" altLang="zh-CN" i="1" kern="0" smtClean="0">
+                              <a:effectLst/>
+                              <a:latin typeface="Cambria Math" panose="02040503050406030204" pitchFamily="18" charset="0"/>
+                              <a:ea typeface="MS Mincho" charset="0"/>
+                              <a:cs typeface="Cambria Math" panose="02040503050406030204" pitchFamily="18" charset="0"/>
+                            </a:rPr>
+                            <m:t>𝜎</m:t>
+                          </m:r>
+                        </m:fName>
+                        <m:e>
+                          <m:d>
+                            <m:dPr>
+                              <m:ctrlPr>
+                                <a:rPr lang="zh-CN" altLang="zh-CN" b="1" i="1">
+                                  <a:effectLst/>
+                                  <a:latin typeface="Cambria Math" panose="02040503050406030204" pitchFamily="18" charset="0"/>
+                                  <a:ea typeface="宋体" panose="02010600030101010101" pitchFamily="2" charset="-122"/>
+                                  <a:cs typeface="Cambria Math" panose="02040503050406030204" pitchFamily="18" charset="0"/>
+                                </a:rPr>
+                              </m:ctrlPr>
+                            </m:dPr>
+                            <m:e>
+                              <m:sSub>
+                                <m:sSubPr>
+                                  <m:ctrlPr>
+                                    <a:rPr lang="zh-CN" altLang="zh-CN" b="1" i="1">
+                                      <a:effectLst/>
+                                      <a:latin typeface="Cambria Math" panose="02040503050406030204" pitchFamily="18" charset="0"/>
+                                      <a:ea typeface="宋体" panose="02010600030101010101" pitchFamily="2" charset="-122"/>
+                                      <a:cs typeface="Cambria Math" panose="02040503050406030204" pitchFamily="18" charset="0"/>
+                                    </a:rPr>
+                                  </m:ctrlPr>
+                                </m:sSubPr>
+                                <m:e>
+                                  <m:r>
+                                    <a:rPr lang="en-US" altLang="zh-CN" b="1" i="1" kern="0">
+                                      <a:effectLst/>
+                                      <a:latin typeface="Cambria Math" panose="02040503050406030204" pitchFamily="18" charset="0"/>
+                                      <a:ea typeface="宋体" panose="02010600030101010101" pitchFamily="2" charset="-122"/>
+                                      <a:cs typeface="Cambria Math" panose="02040503050406030204" pitchFamily="18" charset="0"/>
+                                    </a:rPr>
+                                    <m:t>𝒘</m:t>
+                                  </m:r>
+                                </m:e>
+                                <m:sub>
+                                  <m:r>
+                                    <a:rPr lang="en-US" altLang="zh-CN" b="1" i="1" kern="0" smtClean="0">
+                                      <a:effectLst/>
+                                      <a:latin typeface="Cambria Math" panose="02040503050406030204" pitchFamily="18" charset="0"/>
+                                      <a:ea typeface="宋体" panose="02010600030101010101" pitchFamily="2" charset="-122"/>
+                                      <a:cs typeface="Cambria Math" panose="02040503050406030204" pitchFamily="18" charset="0"/>
+                                    </a:rPr>
+                                    <m:t>𝒙𝒛</m:t>
+                                  </m:r>
+                                </m:sub>
+                              </m:sSub>
+                              <m:sSub>
+                                <m:sSubPr>
+                                  <m:ctrlPr>
+                                    <a:rPr lang="zh-CN" altLang="zh-CN" b="1" i="1">
+                                      <a:effectLst/>
+                                      <a:latin typeface="Cambria Math" panose="02040503050406030204" pitchFamily="18" charset="0"/>
+                                      <a:ea typeface="宋体" panose="02010600030101010101" pitchFamily="2" charset="-122"/>
+                                      <a:cs typeface="Cambria Math" panose="02040503050406030204" pitchFamily="18" charset="0"/>
+                                    </a:rPr>
+                                  </m:ctrlPr>
+                                </m:sSubPr>
+                                <m:e>
+                                  <m:r>
+                                    <a:rPr lang="en-US" altLang="zh-CN" b="1" i="1" kern="0">
+                                      <a:effectLst/>
+                                      <a:latin typeface="Cambria Math" panose="02040503050406030204" pitchFamily="18" charset="0"/>
+                                      <a:ea typeface="宋体" panose="02010600030101010101" pitchFamily="2" charset="-122"/>
+                                      <a:cs typeface="Cambria Math" panose="02040503050406030204" pitchFamily="18" charset="0"/>
+                                    </a:rPr>
+                                    <m:t>𝒙</m:t>
+                                  </m:r>
+                                </m:e>
+                                <m:sub>
+                                  <m:r>
+                                    <a:rPr lang="en-US" altLang="zh-CN" b="1" i="1" kern="0">
+                                      <a:effectLst/>
+                                      <a:latin typeface="Cambria Math" panose="02040503050406030204" pitchFamily="18" charset="0"/>
+                                      <a:ea typeface="宋体" panose="02010600030101010101" pitchFamily="2" charset="-122"/>
+                                      <a:cs typeface="Cambria Math" panose="02040503050406030204" pitchFamily="18" charset="0"/>
+                                    </a:rPr>
+                                    <m:t>𝒕</m:t>
+                                  </m:r>
+                                </m:sub>
+                              </m:sSub>
+                              <m:r>
+                                <a:rPr lang="en-US" altLang="zh-CN" b="1" i="1" kern="0">
+                                  <a:effectLst/>
+                                  <a:latin typeface="Cambria Math" panose="02040503050406030204" pitchFamily="18" charset="0"/>
+                                  <a:ea typeface="MS Mincho" charset="0"/>
+                                  <a:cs typeface="Cambria Math" panose="02040503050406030204" pitchFamily="18" charset="0"/>
+                                </a:rPr>
+                                <m:t>+</m:t>
+                              </m:r>
+                              <m:sSub>
+                                <m:sSubPr>
+                                  <m:ctrlPr>
+                                    <a:rPr lang="zh-CN" altLang="zh-CN" b="1" i="1">
+                                      <a:effectLst/>
+                                      <a:latin typeface="Cambria Math" panose="02040503050406030204" pitchFamily="18" charset="0"/>
+                                      <a:ea typeface="宋体" panose="02010600030101010101" pitchFamily="2" charset="-122"/>
+                                      <a:cs typeface="Cambria Math" panose="02040503050406030204" pitchFamily="18" charset="0"/>
+                                    </a:rPr>
+                                  </m:ctrlPr>
+                                </m:sSubPr>
+                                <m:e>
+                                  <m:r>
+                                    <a:rPr lang="en-US" altLang="zh-CN" b="1" i="1" kern="0">
+                                      <a:effectLst/>
+                                      <a:latin typeface="Cambria Math" panose="02040503050406030204" pitchFamily="18" charset="0"/>
+                                      <a:ea typeface="宋体" panose="02010600030101010101" pitchFamily="2" charset="-122"/>
+                                      <a:cs typeface="Cambria Math" panose="02040503050406030204" pitchFamily="18" charset="0"/>
+                                    </a:rPr>
+                                    <m:t>𝒘</m:t>
+                                  </m:r>
+                                </m:e>
+                                <m:sub>
+                                  <m:r>
+                                    <a:rPr lang="en-US" altLang="zh-CN" b="1" i="1" kern="0">
+                                      <a:effectLst/>
+                                      <a:latin typeface="Cambria Math" panose="02040503050406030204" pitchFamily="18" charset="0"/>
+                                      <a:ea typeface="宋体" panose="02010600030101010101" pitchFamily="2" charset="-122"/>
+                                      <a:cs typeface="Cambria Math" panose="02040503050406030204" pitchFamily="18" charset="0"/>
+                                    </a:rPr>
+                                    <m:t>𝒉𝒛</m:t>
+                                  </m:r>
+                                </m:sub>
+                              </m:sSub>
+                              <m:sSub>
+                                <m:sSubPr>
+                                  <m:ctrlPr>
+                                    <a:rPr lang="zh-CN" altLang="zh-CN" b="1" i="1">
+                                      <a:effectLst/>
+                                      <a:latin typeface="Cambria Math" panose="02040503050406030204" pitchFamily="18" charset="0"/>
+                                      <a:ea typeface="宋体" panose="02010600030101010101" pitchFamily="2" charset="-122"/>
+                                      <a:cs typeface="Cambria Math" panose="02040503050406030204" pitchFamily="18" charset="0"/>
+                                    </a:rPr>
+                                  </m:ctrlPr>
+                                </m:sSubPr>
+                                <m:e>
+                                  <m:r>
+                                    <a:rPr lang="en-US" altLang="zh-CN" b="1" i="1" kern="0">
+                                      <a:effectLst/>
+                                      <a:latin typeface="Cambria Math" panose="02040503050406030204" pitchFamily="18" charset="0"/>
+                                      <a:ea typeface="宋体" panose="02010600030101010101" pitchFamily="2" charset="-122"/>
+                                      <a:cs typeface="Cambria Math" panose="02040503050406030204" pitchFamily="18" charset="0"/>
+                                    </a:rPr>
+                                    <m:t>𝒉</m:t>
+                                  </m:r>
+                                </m:e>
+                                <m:sub>
+                                  <m:r>
+                                    <a:rPr lang="en-US" altLang="zh-CN" b="1" i="1" kern="0">
+                                      <a:effectLst/>
+                                      <a:latin typeface="Cambria Math" panose="02040503050406030204" pitchFamily="18" charset="0"/>
+                                      <a:ea typeface="宋体" panose="02010600030101010101" pitchFamily="2" charset="-122"/>
+                                      <a:cs typeface="Cambria Math" panose="02040503050406030204" pitchFamily="18" charset="0"/>
+                                    </a:rPr>
+                                    <m:t>𝒕</m:t>
+                                  </m:r>
+                                  <m:r>
+                                    <a:rPr lang="en-US" altLang="zh-CN" b="1" i="1" kern="0">
+                                      <a:effectLst/>
+                                      <a:latin typeface="Cambria Math" panose="02040503050406030204" pitchFamily="18" charset="0"/>
+                                      <a:ea typeface="MS Mincho" charset="0"/>
+                                      <a:cs typeface="Cambria Math" panose="02040503050406030204" pitchFamily="18" charset="0"/>
+                                    </a:rPr>
+                                    <m:t>−</m:t>
+                                  </m:r>
+                                  <m:r>
+                                    <a:rPr lang="en-US" altLang="zh-CN" b="1" i="1" kern="0">
+                                      <a:effectLst/>
+                                      <a:latin typeface="Cambria Math" panose="02040503050406030204" pitchFamily="18" charset="0"/>
+                                      <a:ea typeface="宋体" panose="02010600030101010101" pitchFamily="2" charset="-122"/>
+                                      <a:cs typeface="Cambria Math" panose="02040503050406030204" pitchFamily="18" charset="0"/>
+                                    </a:rPr>
+                                    <m:t>𝟏</m:t>
+                                  </m:r>
+                                </m:sub>
+                              </m:sSub>
+                              <m:r>
+                                <a:rPr lang="en-US" altLang="zh-CN" b="1" i="1" kern="0">
+                                  <a:effectLst/>
+                                  <a:latin typeface="Cambria Math" panose="02040503050406030204" pitchFamily="18" charset="0"/>
+                                  <a:ea typeface="MS Mincho" charset="0"/>
+                                  <a:cs typeface="Cambria Math" panose="02040503050406030204" pitchFamily="18" charset="0"/>
+                                </a:rPr>
+                                <m:t>+</m:t>
+                              </m:r>
+                              <m:sSub>
+                                <m:sSubPr>
+                                  <m:ctrlPr>
+                                    <a:rPr lang="en-US" altLang="zh-CN" b="1" i="1" kern="0" smtClean="0">
+                                      <a:effectLst/>
+                                      <a:latin typeface="Cambria Math" panose="02040503050406030204" pitchFamily="18" charset="0"/>
+                                      <a:ea typeface="宋体" panose="02010600030101010101" pitchFamily="2" charset="-122"/>
+                                      <a:cs typeface="Cambria Math" panose="02040503050406030204" pitchFamily="18" charset="0"/>
+                                    </a:rPr>
+                                  </m:ctrlPr>
+                                </m:sSubPr>
+                                <m:e>
+                                  <m:r>
+                                    <a:rPr lang="en-US" altLang="zh-CN" b="1" i="1" kern="0" smtClean="0">
+                                      <a:effectLst/>
+                                      <a:latin typeface="Cambria Math" panose="02040503050406030204" pitchFamily="18" charset="0"/>
+                                      <a:ea typeface="宋体" panose="02010600030101010101" pitchFamily="2" charset="-122"/>
+                                      <a:cs typeface="Cambria Math" panose="02040503050406030204" pitchFamily="18" charset="0"/>
+                                    </a:rPr>
+                                    <m:t>𝒃</m:t>
+                                  </m:r>
+                                </m:e>
+                                <m:sub>
+                                  <m:r>
+                                    <a:rPr lang="en-US" altLang="zh-CN" b="1" i="1" kern="0" smtClean="0">
+                                      <a:effectLst/>
+                                      <a:latin typeface="Cambria Math" panose="02040503050406030204" pitchFamily="18" charset="0"/>
+                                      <a:ea typeface="宋体" panose="02010600030101010101" pitchFamily="2" charset="-122"/>
+                                      <a:cs typeface="Cambria Math" panose="02040503050406030204" pitchFamily="18" charset="0"/>
+                                    </a:rPr>
+                                    <m:t>𝒛</m:t>
+                                  </m:r>
+                                </m:sub>
+                              </m:sSub>
+                            </m:e>
+                          </m:d>
+                        </m:e>
+                      </m:func>
+                    </m:oMath>
+                  </m:oMathPara>
+                </a14:m>
+                <a:endParaRPr lang="en-US" altLang="zh-CN" dirty="0">
+                  <a:latin typeface="宋体" panose="02010600030101010101" pitchFamily="2" charset="-122"/>
+                  <a:ea typeface="宋体" panose="02010600030101010101" pitchFamily="2" charset="-122"/>
+                  <a:cs typeface="宋体" panose="02010600030101010101" pitchFamily="2" charset="-122"/>
+                </a:endParaRPr>
+              </a:p>
+              <a:p>
+                <a:pPr marL="0" indent="0">
+                  <a:buNone/>
+                </a:pPr>
+                <a:r>
+                  <a:rPr lang="en-US" altLang="zh-CN" dirty="0">
+                    <a:latin typeface="宋体" panose="02010600030101010101" pitchFamily="2" charset="-122"/>
+                    <a:ea typeface="宋体" panose="02010600030101010101" pitchFamily="2" charset="-122"/>
+                    <a:cs typeface="宋体" panose="02010600030101010101" pitchFamily="2" charset="-122"/>
+                  </a:rPr>
+                  <a:t>				</a:t>
+                </a:r>
+                <a14:m>
+                  <m:oMath xmlns:m="http://schemas.openxmlformats.org/officeDocument/2006/math">
+                    <m:sSub>
+                      <m:sSubPr>
+                        <m:ctrlPr>
+                          <a:rPr lang="zh-CN" altLang="zh-CN" b="1" i="1" smtClean="0">
+                            <a:effectLst/>
+                            <a:latin typeface="Cambria Math" panose="02040503050406030204" pitchFamily="18" charset="0"/>
+                            <a:ea typeface="宋体" panose="02010600030101010101" pitchFamily="2" charset="-122"/>
+                            <a:cs typeface="Cambria Math" panose="02040503050406030204" pitchFamily="18" charset="0"/>
+                          </a:rPr>
+                        </m:ctrlPr>
+                      </m:sSubPr>
+                      <m:e>
+                        <m:acc>
+                          <m:accPr>
+                            <m:chr m:val="̃"/>
+                            <m:ctrlPr>
+                              <a:rPr lang="en-US" altLang="zh-CN" b="1" i="1" smtClean="0">
+                                <a:effectLst/>
+                                <a:latin typeface="Cambria Math" panose="02040503050406030204" pitchFamily="18" charset="0"/>
+                                <a:ea typeface="宋体" panose="02010600030101010101" pitchFamily="2" charset="-122"/>
+                                <a:cs typeface="Cambria Math" panose="02040503050406030204" pitchFamily="18" charset="0"/>
+                              </a:rPr>
+                            </m:ctrlPr>
+                          </m:accPr>
+                          <m:e>
+                            <m:r>
+                              <a:rPr lang="en-US" altLang="zh-CN" b="1" i="1" smtClean="0">
+                                <a:effectLst/>
+                                <a:latin typeface="Cambria Math" panose="02040503050406030204" pitchFamily="18" charset="0"/>
+                                <a:ea typeface="宋体" panose="02010600030101010101" pitchFamily="2" charset="-122"/>
+                                <a:cs typeface="Cambria Math" panose="02040503050406030204" pitchFamily="18" charset="0"/>
+                              </a:rPr>
+                              <m:t>𝒉</m:t>
+                            </m:r>
+                          </m:e>
+                        </m:acc>
+                      </m:e>
+                      <m:sub>
+                        <m:r>
+                          <a:rPr lang="en-US" altLang="zh-CN" b="1" i="1" kern="0">
+                            <a:effectLst/>
+                            <a:latin typeface="Cambria Math" panose="02040503050406030204" pitchFamily="18" charset="0"/>
+                            <a:ea typeface="宋体" panose="02010600030101010101" pitchFamily="2" charset="-122"/>
+                            <a:cs typeface="Cambria Math" panose="02040503050406030204" pitchFamily="18" charset="0"/>
+                          </a:rPr>
+                          <m:t>𝒕</m:t>
+                        </m:r>
+                      </m:sub>
+                    </m:sSub>
+                    <m:r>
+                      <a:rPr lang="en-US" altLang="zh-CN" i="1" kern="0">
+                        <a:effectLst/>
+                        <a:latin typeface="Cambria Math" panose="02040503050406030204" pitchFamily="18" charset="0"/>
+                        <a:ea typeface="MS Mincho" charset="0"/>
+                        <a:cs typeface="Cambria Math" panose="02040503050406030204" pitchFamily="18" charset="0"/>
+                      </a:rPr>
+                      <m:t>=</m:t>
+                    </m:r>
+                    <m:func>
+                      <m:funcPr>
+                        <m:ctrlPr>
+                          <a:rPr lang="zh-CN" altLang="zh-CN" i="1" smtClean="0">
+                            <a:effectLst/>
+                            <a:latin typeface="Cambria Math" panose="02040503050406030204" pitchFamily="18" charset="0"/>
+                            <a:ea typeface="宋体" panose="02010600030101010101" pitchFamily="2" charset="-122"/>
+                            <a:cs typeface="Cambria Math" panose="02040503050406030204" pitchFamily="18" charset="0"/>
+                          </a:rPr>
+                        </m:ctrlPr>
+                      </m:funcPr>
+                      <m:fName>
+                        <m:r>
+                          <a:rPr lang="en-US" altLang="el-GR" i="1" kern="0" smtClean="0">
+                            <a:effectLst/>
+                            <a:latin typeface="Cambria Math" panose="02040503050406030204" pitchFamily="18" charset="0"/>
+                            <a:ea typeface="MS Mincho" charset="0"/>
+                            <a:cs typeface="Cambria Math" panose="02040503050406030204" pitchFamily="18" charset="0"/>
+                          </a:rPr>
+                          <m:t>𝑡𝑎𝑛</m:t>
+                        </m:r>
+                        <m:r>
+                          <a:rPr lang="en-US" altLang="el-GR" i="1" kern="0" smtClean="0">
+                            <a:effectLst/>
+                            <a:latin typeface="Cambria Math" panose="02040503050406030204" pitchFamily="18" charset="0"/>
+                            <a:ea typeface="MS Mincho" charset="0"/>
+                            <a:cs typeface="Cambria Math" panose="02040503050406030204" pitchFamily="18" charset="0"/>
+                          </a:rPr>
+                          <m:t>h</m:t>
+                        </m:r>
+                      </m:fName>
+                      <m:e>
+                        <m:d>
+                          <m:dPr>
+                            <m:ctrlPr>
+                              <a:rPr lang="zh-CN" altLang="zh-CN" b="1" i="1">
+                                <a:effectLst/>
+                                <a:latin typeface="Cambria Math" panose="02040503050406030204" pitchFamily="18" charset="0"/>
+                                <a:ea typeface="宋体" panose="02010600030101010101" pitchFamily="2" charset="-122"/>
+                                <a:cs typeface="Cambria Math" panose="02040503050406030204" pitchFamily="18" charset="0"/>
+                              </a:rPr>
+                            </m:ctrlPr>
+                          </m:dPr>
+                          <m:e>
+                            <m:sSub>
+                              <m:sSubPr>
+                                <m:ctrlPr>
+                                  <a:rPr lang="zh-CN" altLang="zh-CN" b="1" i="1">
+                                    <a:effectLst/>
+                                    <a:latin typeface="Cambria Math" panose="02040503050406030204" pitchFamily="18" charset="0"/>
+                                    <a:ea typeface="宋体" panose="02010600030101010101" pitchFamily="2" charset="-122"/>
+                                    <a:cs typeface="Cambria Math" panose="02040503050406030204" pitchFamily="18" charset="0"/>
+                                  </a:rPr>
+                                </m:ctrlPr>
+                              </m:sSubPr>
+                              <m:e>
+                                <m:r>
+                                  <a:rPr lang="en-US" altLang="zh-CN" b="1" i="1" kern="0">
+                                    <a:effectLst/>
+                                    <a:latin typeface="Cambria Math" panose="02040503050406030204" pitchFamily="18" charset="0"/>
+                                    <a:ea typeface="宋体" panose="02010600030101010101" pitchFamily="2" charset="-122"/>
+                                    <a:cs typeface="Cambria Math" panose="02040503050406030204" pitchFamily="18" charset="0"/>
+                                  </a:rPr>
+                                  <m:t>𝒘</m:t>
+                                </m:r>
+                              </m:e>
+                              <m:sub>
+                                <m:r>
+                                  <a:rPr lang="en-US" altLang="zh-CN" b="1" i="1" kern="0" smtClean="0">
+                                    <a:effectLst/>
+                                    <a:latin typeface="Cambria Math" panose="02040503050406030204" pitchFamily="18" charset="0"/>
+                                    <a:ea typeface="宋体" panose="02010600030101010101" pitchFamily="2" charset="-122"/>
+                                    <a:cs typeface="Cambria Math" panose="02040503050406030204" pitchFamily="18" charset="0"/>
+                                  </a:rPr>
+                                  <m:t>𝒙𝒉</m:t>
+                                </m:r>
+                              </m:sub>
+                            </m:sSub>
+                            <m:sSub>
+                              <m:sSubPr>
+                                <m:ctrlPr>
+                                  <a:rPr lang="zh-CN" altLang="zh-CN" b="1" i="1">
+                                    <a:effectLst/>
+                                    <a:latin typeface="Cambria Math" panose="02040503050406030204" pitchFamily="18" charset="0"/>
+                                    <a:ea typeface="宋体" panose="02010600030101010101" pitchFamily="2" charset="-122"/>
+                                    <a:cs typeface="Cambria Math" panose="02040503050406030204" pitchFamily="18" charset="0"/>
+                                  </a:rPr>
+                                </m:ctrlPr>
+                              </m:sSubPr>
+                              <m:e>
+                                <m:r>
+                                  <a:rPr lang="en-US" altLang="zh-CN" b="1" i="1" kern="0">
+                                    <a:effectLst/>
+                                    <a:latin typeface="Cambria Math" panose="02040503050406030204" pitchFamily="18" charset="0"/>
+                                    <a:ea typeface="宋体" panose="02010600030101010101" pitchFamily="2" charset="-122"/>
+                                    <a:cs typeface="Cambria Math" panose="02040503050406030204" pitchFamily="18" charset="0"/>
+                                  </a:rPr>
+                                  <m:t>𝒙</m:t>
+                                </m:r>
+                              </m:e>
+                              <m:sub>
+                                <m:r>
+                                  <a:rPr lang="en-US" altLang="zh-CN" b="1" i="1" kern="0">
+                                    <a:effectLst/>
+                                    <a:latin typeface="Cambria Math" panose="02040503050406030204" pitchFamily="18" charset="0"/>
+                                    <a:ea typeface="宋体" panose="02010600030101010101" pitchFamily="2" charset="-122"/>
+                                    <a:cs typeface="Cambria Math" panose="02040503050406030204" pitchFamily="18" charset="0"/>
+                                  </a:rPr>
+                                  <m:t>𝒕</m:t>
+                                </m:r>
+                              </m:sub>
+                            </m:sSub>
+                            <m:r>
+                              <a:rPr lang="en-US" altLang="zh-CN" b="1" i="1" kern="0">
+                                <a:effectLst/>
+                                <a:latin typeface="Cambria Math" panose="02040503050406030204" pitchFamily="18" charset="0"/>
+                                <a:ea typeface="MS Mincho" charset="0"/>
+                                <a:cs typeface="Cambria Math" panose="02040503050406030204" pitchFamily="18" charset="0"/>
+                              </a:rPr>
+                              <m:t>+</m:t>
+                            </m:r>
+                            <m:sSub>
+                              <m:sSubPr>
+                                <m:ctrlPr>
+                                  <a:rPr lang="zh-CN" altLang="zh-CN" b="1" i="1">
+                                    <a:effectLst/>
+                                    <a:latin typeface="Cambria Math" panose="02040503050406030204" pitchFamily="18" charset="0"/>
+                                    <a:ea typeface="宋体" panose="02010600030101010101" pitchFamily="2" charset="-122"/>
+                                    <a:cs typeface="Cambria Math" panose="02040503050406030204" pitchFamily="18" charset="0"/>
+                                  </a:rPr>
+                                </m:ctrlPr>
+                              </m:sSubPr>
+                              <m:e>
+                                <m:r>
+                                  <a:rPr lang="en-US" altLang="zh-CN" b="1" i="1" kern="0">
+                                    <a:effectLst/>
+                                    <a:latin typeface="Cambria Math" panose="02040503050406030204" pitchFamily="18" charset="0"/>
+                                    <a:ea typeface="宋体" panose="02010600030101010101" pitchFamily="2" charset="-122"/>
+                                    <a:cs typeface="Cambria Math" panose="02040503050406030204" pitchFamily="18" charset="0"/>
+                                  </a:rPr>
+                                  <m:t>𝒘</m:t>
+                                </m:r>
+                              </m:e>
+                              <m:sub>
+                                <m:r>
+                                  <a:rPr lang="en-US" altLang="zh-CN" b="1" i="1" kern="0">
+                                    <a:effectLst/>
+                                    <a:latin typeface="Cambria Math" panose="02040503050406030204" pitchFamily="18" charset="0"/>
+                                    <a:ea typeface="宋体" panose="02010600030101010101" pitchFamily="2" charset="-122"/>
+                                    <a:cs typeface="Cambria Math" panose="02040503050406030204" pitchFamily="18" charset="0"/>
+                                  </a:rPr>
+                                  <m:t>𝒉𝒉</m:t>
+                                </m:r>
+                              </m:sub>
+                            </m:sSub>
+                            <m:r>
+                              <a:rPr lang="en-US" altLang="zh-CN" b="1" i="1" kern="0">
+                                <a:effectLst/>
+                                <a:latin typeface="Cambria Math" panose="02040503050406030204" pitchFamily="18" charset="0"/>
+                                <a:ea typeface="MS Mincho" charset="0"/>
+                                <a:cs typeface="Cambria Math" panose="02040503050406030204" pitchFamily="18" charset="0"/>
+                              </a:rPr>
+                              <m:t>(</m:t>
+                            </m:r>
+                            <m:sSub>
+                              <m:sSubPr>
+                                <m:ctrlPr>
+                                  <a:rPr lang="zh-CN" altLang="zh-CN" b="1" i="1" smtClean="0">
+                                    <a:effectLst/>
+                                    <a:latin typeface="Cambria Math" panose="02040503050406030204" pitchFamily="18" charset="0"/>
+                                    <a:ea typeface="宋体" panose="02010600030101010101" pitchFamily="2" charset="-122"/>
+                                    <a:cs typeface="Cambria Math" panose="02040503050406030204" pitchFamily="18" charset="0"/>
+                                  </a:rPr>
+                                </m:ctrlPr>
+                              </m:sSubPr>
+                              <m:e>
+                                <m:r>
+                                  <a:rPr lang="en-US" altLang="zh-CN" b="1" i="1" smtClean="0">
+                                    <a:effectLst/>
+                                    <a:latin typeface="Cambria Math" panose="02040503050406030204" pitchFamily="18" charset="0"/>
+                                    <a:ea typeface="宋体" panose="02010600030101010101" pitchFamily="2" charset="-122"/>
+                                    <a:cs typeface="Cambria Math" panose="02040503050406030204" pitchFamily="18" charset="0"/>
+                                  </a:rPr>
+                                  <m:t>𝒓</m:t>
+                                </m:r>
+                              </m:e>
+                              <m:sub>
+                                <m:r>
+                                  <a:rPr lang="en-US" altLang="zh-CN" b="1" i="1" kern="0">
+                                    <a:effectLst/>
+                                    <a:latin typeface="Cambria Math" panose="02040503050406030204" pitchFamily="18" charset="0"/>
+                                    <a:ea typeface="宋体" panose="02010600030101010101" pitchFamily="2" charset="-122"/>
+                                    <a:cs typeface="Cambria Math" panose="02040503050406030204" pitchFamily="18" charset="0"/>
+                                  </a:rPr>
+                                  <m:t>𝒕</m:t>
+                                </m:r>
+                              </m:sub>
+                            </m:sSub>
+                            <m:r>
+                              <a:rPr lang="en-US" altLang="zh-CN" b="1" i="1" kern="0">
+                                <a:effectLst/>
+                                <a:latin typeface="Cambria Math" panose="02040503050406030204" pitchFamily="18" charset="0"/>
+                                <a:ea typeface="MS Mincho" charset="0"/>
+                                <a:cs typeface="Cambria Math" panose="02040503050406030204" pitchFamily="18" charset="0"/>
+                              </a:rPr>
+                              <m:t>⊙</m:t>
+                            </m:r>
+                            <m:sSub>
+                              <m:sSubPr>
+                                <m:ctrlPr>
+                                  <a:rPr lang="zh-CN" altLang="zh-CN" b="1" i="1">
+                                    <a:effectLst/>
+                                    <a:latin typeface="Cambria Math" panose="02040503050406030204" pitchFamily="18" charset="0"/>
+                                    <a:ea typeface="宋体" panose="02010600030101010101" pitchFamily="2" charset="-122"/>
+                                    <a:cs typeface="Cambria Math" panose="02040503050406030204" pitchFamily="18" charset="0"/>
+                                  </a:rPr>
+                                </m:ctrlPr>
+                              </m:sSubPr>
+                              <m:e>
+                                <m:r>
+                                  <a:rPr lang="en-US" altLang="zh-CN" b="1" i="1" kern="0">
+                                    <a:effectLst/>
+                                    <a:latin typeface="Cambria Math" panose="02040503050406030204" pitchFamily="18" charset="0"/>
+                                    <a:ea typeface="宋体" panose="02010600030101010101" pitchFamily="2" charset="-122"/>
+                                    <a:cs typeface="Cambria Math" panose="02040503050406030204" pitchFamily="18" charset="0"/>
+                                  </a:rPr>
+                                  <m:t>𝒉</m:t>
+                                </m:r>
+                              </m:e>
+                              <m:sub>
+                                <m:r>
+                                  <a:rPr lang="en-US" altLang="zh-CN" b="1" i="1" kern="0">
+                                    <a:effectLst/>
+                                    <a:latin typeface="Cambria Math" panose="02040503050406030204" pitchFamily="18" charset="0"/>
+                                    <a:ea typeface="宋体" panose="02010600030101010101" pitchFamily="2" charset="-122"/>
+                                    <a:cs typeface="Cambria Math" panose="02040503050406030204" pitchFamily="18" charset="0"/>
+                                  </a:rPr>
+                                  <m:t>𝒕</m:t>
+                                </m:r>
+                                <m:r>
+                                  <a:rPr lang="en-US" altLang="zh-CN" b="1" i="1" kern="0">
+                                    <a:effectLst/>
+                                    <a:latin typeface="Cambria Math" panose="02040503050406030204" pitchFamily="18" charset="0"/>
+                                    <a:ea typeface="MS Mincho" charset="0"/>
+                                    <a:cs typeface="Cambria Math" panose="02040503050406030204" pitchFamily="18" charset="0"/>
+                                  </a:rPr>
+                                  <m:t>−</m:t>
+                                </m:r>
+                                <m:r>
+                                  <a:rPr lang="en-US" altLang="zh-CN" b="1" i="1" kern="0">
+                                    <a:effectLst/>
+                                    <a:latin typeface="Cambria Math" panose="02040503050406030204" pitchFamily="18" charset="0"/>
+                                    <a:ea typeface="宋体" panose="02010600030101010101" pitchFamily="2" charset="-122"/>
+                                    <a:cs typeface="Cambria Math" panose="02040503050406030204" pitchFamily="18" charset="0"/>
+                                  </a:rPr>
+                                  <m:t>𝟏</m:t>
+                                </m:r>
+                              </m:sub>
+                            </m:sSub>
+                            <m:r>
+                              <a:rPr lang="en-US" altLang="zh-CN" b="1" i="1" kern="0">
+                                <a:effectLst/>
+                                <a:latin typeface="Cambria Math" panose="02040503050406030204" pitchFamily="18" charset="0"/>
+                                <a:ea typeface="MS Mincho" charset="0"/>
+                                <a:cs typeface="Cambria Math" panose="02040503050406030204" pitchFamily="18" charset="0"/>
+                              </a:rPr>
+                              <m:t>)+</m:t>
+                            </m:r>
+                            <m:sSub>
+                              <m:sSubPr>
+                                <m:ctrlPr>
+                                  <a:rPr lang="en-US" altLang="zh-CN" b="1" i="1" kern="0" smtClean="0">
+                                    <a:effectLst/>
+                                    <a:latin typeface="Cambria Math" panose="02040503050406030204" pitchFamily="18" charset="0"/>
+                                    <a:ea typeface="宋体" panose="02010600030101010101" pitchFamily="2" charset="-122"/>
+                                    <a:cs typeface="Cambria Math" panose="02040503050406030204" pitchFamily="18" charset="0"/>
+                                  </a:rPr>
+                                </m:ctrlPr>
+                              </m:sSubPr>
+                              <m:e>
+                                <m:r>
+                                  <a:rPr lang="en-US" altLang="zh-CN" b="1" i="1" kern="0" smtClean="0">
+                                    <a:effectLst/>
+                                    <a:latin typeface="Cambria Math" panose="02040503050406030204" pitchFamily="18" charset="0"/>
+                                    <a:ea typeface="宋体" panose="02010600030101010101" pitchFamily="2" charset="-122"/>
+                                    <a:cs typeface="Cambria Math" panose="02040503050406030204" pitchFamily="18" charset="0"/>
+                                  </a:rPr>
+                                  <m:t>𝒃</m:t>
+                                </m:r>
+                              </m:e>
+                              <m:sub>
+                                <m:r>
+                                  <a:rPr lang="en-US" altLang="zh-CN" b="1" i="1" kern="0" smtClean="0">
+                                    <a:effectLst/>
+                                    <a:latin typeface="Cambria Math" panose="02040503050406030204" pitchFamily="18" charset="0"/>
+                                    <a:ea typeface="宋体" panose="02010600030101010101" pitchFamily="2" charset="-122"/>
+                                    <a:cs typeface="Cambria Math" panose="02040503050406030204" pitchFamily="18" charset="0"/>
+                                  </a:rPr>
+                                  <m:t>𝒉</m:t>
+                                </m:r>
+                              </m:sub>
+                            </m:sSub>
+                          </m:e>
+                        </m:d>
+                      </m:e>
+                    </m:func>
+                  </m:oMath>
+                </a14:m>
+                <a:endParaRPr lang="en-US" altLang="zh-CN" dirty="0">
+                  <a:latin typeface="宋体" panose="02010600030101010101" pitchFamily="2" charset="-122"/>
+                  <a:ea typeface="宋体" panose="02010600030101010101" pitchFamily="2" charset="-122"/>
+                  <a:cs typeface="宋体" panose="02010600030101010101" pitchFamily="2" charset="-122"/>
+                </a:endParaRPr>
+              </a:p>
+              <a:p>
+                <a:pPr marL="0" indent="0">
+                  <a:buNone/>
+                </a:pPr>
+                <a14:m>
+                  <m:oMathPara xmlns:m="http://schemas.openxmlformats.org/officeDocument/2006/math">
+                    <m:oMathParaPr>
+                      <m:jc m:val="centerGroup"/>
+                    </m:oMathParaPr>
+                    <m:oMath xmlns:m="http://schemas.openxmlformats.org/officeDocument/2006/math">
+                      <m:sSub>
+                        <m:sSubPr>
+                          <m:ctrlPr>
+                            <a:rPr lang="zh-CN" altLang="zh-CN" i="1" smtClean="0">
+                              <a:effectLst/>
+                              <a:latin typeface="Cambria Math" panose="02040503050406030204" pitchFamily="18" charset="0"/>
+                              <a:ea typeface="宋体" panose="02010600030101010101" pitchFamily="2" charset="-122"/>
+                              <a:cs typeface="Cambria Math" panose="02040503050406030204" pitchFamily="18" charset="0"/>
+                            </a:rPr>
+                          </m:ctrlPr>
+                        </m:sSubPr>
+                        <m:e>
+                          <m:r>
+                            <a:rPr lang="en-US" altLang="zh-CN" sz="1800" b="1" i="1" kern="0">
+                              <a:effectLst/>
+                              <a:latin typeface="Cambria Math" panose="02040503050406030204" pitchFamily="18" charset="0"/>
+                              <a:ea typeface="宋体" panose="02010600030101010101" pitchFamily="2" charset="-122"/>
+                              <a:cs typeface="Cambria Math" panose="02040503050406030204" pitchFamily="18" charset="0"/>
+                            </a:rPr>
+                            <m:t>𝒉</m:t>
+                          </m:r>
+                        </m:e>
+                        <m:sub>
+                          <m:r>
+                            <a:rPr lang="en-US" altLang="zh-CN" sz="1800" i="1" kern="0">
+                              <a:effectLst/>
+                              <a:latin typeface="Cambria Math" panose="02040503050406030204" pitchFamily="18" charset="0"/>
+                              <a:ea typeface="宋体" panose="02010600030101010101" pitchFamily="2" charset="-122"/>
+                              <a:cs typeface="Cambria Math" panose="02040503050406030204" pitchFamily="18" charset="0"/>
+                            </a:rPr>
+                            <m:t>𝑡</m:t>
+                          </m:r>
+                        </m:sub>
+                      </m:sSub>
+                      <m:r>
+                        <a:rPr lang="en-US" altLang="zh-CN" sz="1800" i="1" kern="0">
+                          <a:effectLst/>
+                          <a:latin typeface="Cambria Math" panose="02040503050406030204" pitchFamily="18" charset="0"/>
+                          <a:ea typeface="MS Mincho" charset="0"/>
+                          <a:cs typeface="Cambria Math" panose="02040503050406030204" pitchFamily="18" charset="0"/>
+                        </a:rPr>
+                        <m:t>=</m:t>
+                      </m:r>
+                      <m:sSub>
+                        <m:sSubPr>
+                          <m:ctrlPr>
+                            <a:rPr lang="zh-CN" altLang="zh-CN" b="1" i="1" smtClean="0">
+                              <a:effectLst/>
+                              <a:latin typeface="Cambria Math" panose="02040503050406030204" pitchFamily="18" charset="0"/>
+                              <a:ea typeface="宋体" panose="02010600030101010101" pitchFamily="2" charset="-122"/>
+                              <a:cs typeface="Cambria Math" panose="02040503050406030204" pitchFamily="18" charset="0"/>
+                            </a:rPr>
+                          </m:ctrlPr>
+                        </m:sSubPr>
+                        <m:e>
+                          <m:r>
+                            <a:rPr lang="en-US" altLang="zh-CN" b="1" i="1" smtClean="0">
+                              <a:effectLst/>
+                              <a:latin typeface="Cambria Math" panose="02040503050406030204" pitchFamily="18" charset="0"/>
+                              <a:ea typeface="宋体" panose="02010600030101010101" pitchFamily="2" charset="-122"/>
+                              <a:cs typeface="Cambria Math" panose="02040503050406030204" pitchFamily="18" charset="0"/>
+                            </a:rPr>
+                            <m:t>𝒛</m:t>
+                          </m:r>
+                        </m:e>
+                        <m:sub>
+                          <m:r>
+                            <a:rPr lang="en-US" altLang="zh-CN" b="1" i="1" kern="0">
+                              <a:effectLst/>
+                              <a:latin typeface="Cambria Math" panose="02040503050406030204" pitchFamily="18" charset="0"/>
+                              <a:ea typeface="宋体" panose="02010600030101010101" pitchFamily="2" charset="-122"/>
+                              <a:cs typeface="Cambria Math" panose="02040503050406030204" pitchFamily="18" charset="0"/>
+                            </a:rPr>
+                            <m:t>𝒕</m:t>
+                          </m:r>
+                        </m:sub>
+                      </m:sSub>
+                      <m:r>
+                        <a:rPr lang="en-US" altLang="zh-CN" b="1" i="1" kern="0">
+                          <a:effectLst/>
+                          <a:latin typeface="Cambria Math" panose="02040503050406030204" pitchFamily="18" charset="0"/>
+                          <a:ea typeface="MS Mincho" charset="0"/>
+                          <a:cs typeface="Cambria Math" panose="02040503050406030204" pitchFamily="18" charset="0"/>
+                        </a:rPr>
+                        <m:t>⊙</m:t>
+                      </m:r>
+                      <m:sSub>
+                        <m:sSubPr>
+                          <m:ctrlPr>
+                            <a:rPr lang="zh-CN" altLang="zh-CN" b="1" i="1">
+                              <a:effectLst/>
+                              <a:latin typeface="Cambria Math" panose="02040503050406030204" pitchFamily="18" charset="0"/>
+                              <a:ea typeface="宋体" panose="02010600030101010101" pitchFamily="2" charset="-122"/>
+                              <a:cs typeface="Cambria Math" panose="02040503050406030204" pitchFamily="18" charset="0"/>
+                            </a:rPr>
+                          </m:ctrlPr>
+                        </m:sSubPr>
+                        <m:e>
+                          <m:r>
+                            <a:rPr lang="en-US" altLang="zh-CN" b="1" i="1" kern="0">
+                              <a:effectLst/>
+                              <a:latin typeface="Cambria Math" panose="02040503050406030204" pitchFamily="18" charset="0"/>
+                              <a:ea typeface="宋体" panose="02010600030101010101" pitchFamily="2" charset="-122"/>
+                              <a:cs typeface="Cambria Math" panose="02040503050406030204" pitchFamily="18" charset="0"/>
+                            </a:rPr>
+                            <m:t>𝒉</m:t>
+                          </m:r>
+                        </m:e>
+                        <m:sub>
+                          <m:r>
+                            <a:rPr lang="en-US" altLang="zh-CN" b="1" i="1" kern="0">
+                              <a:effectLst/>
+                              <a:latin typeface="Cambria Math" panose="02040503050406030204" pitchFamily="18" charset="0"/>
+                              <a:ea typeface="宋体" panose="02010600030101010101" pitchFamily="2" charset="-122"/>
+                              <a:cs typeface="Cambria Math" panose="02040503050406030204" pitchFamily="18" charset="0"/>
+                            </a:rPr>
+                            <m:t>𝒕</m:t>
+                          </m:r>
+                          <m:r>
+                            <a:rPr lang="en-US" altLang="zh-CN" b="1" i="1" kern="0">
+                              <a:effectLst/>
+                              <a:latin typeface="Cambria Math" panose="02040503050406030204" pitchFamily="18" charset="0"/>
+                              <a:ea typeface="MS Mincho" charset="0"/>
+                              <a:cs typeface="Cambria Math" panose="02040503050406030204" pitchFamily="18" charset="0"/>
+                            </a:rPr>
+                            <m:t>−</m:t>
+                          </m:r>
+                          <m:r>
+                            <a:rPr lang="en-US" altLang="zh-CN" b="1" i="1" kern="0">
+                              <a:effectLst/>
+                              <a:latin typeface="Cambria Math" panose="02040503050406030204" pitchFamily="18" charset="0"/>
+                              <a:ea typeface="宋体" panose="02010600030101010101" pitchFamily="2" charset="-122"/>
+                              <a:cs typeface="Cambria Math" panose="02040503050406030204" pitchFamily="18" charset="0"/>
+                            </a:rPr>
+                            <m:t>𝟏</m:t>
+                          </m:r>
+                        </m:sub>
+                      </m:sSub>
+                      <m:r>
+                        <a:rPr lang="en-US" altLang="zh-CN" b="1" i="1" kern="0">
+                          <a:effectLst/>
+                          <a:latin typeface="Cambria Math" panose="02040503050406030204" pitchFamily="18" charset="0"/>
+                          <a:ea typeface="宋体" panose="02010600030101010101" pitchFamily="2" charset="-122"/>
+                          <a:cs typeface="Cambria Math" panose="02040503050406030204" pitchFamily="18" charset="0"/>
+                        </a:rPr>
+                        <m:t>+(</m:t>
+                      </m:r>
+                      <m:r>
+                        <a:rPr lang="en-US" altLang="zh-CN" b="1" i="1" kern="0">
+                          <a:effectLst/>
+                          <a:latin typeface="Cambria Math" panose="02040503050406030204" pitchFamily="18" charset="0"/>
+                          <a:ea typeface="宋体" panose="02010600030101010101" pitchFamily="2" charset="-122"/>
+                          <a:cs typeface="Cambria Math" panose="02040503050406030204" pitchFamily="18" charset="0"/>
+                        </a:rPr>
+                        <m:t>𝟏</m:t>
+                      </m:r>
+                      <m:r>
+                        <a:rPr lang="en-US" altLang="zh-CN" b="1" i="1" kern="0">
+                          <a:effectLst/>
+                          <a:latin typeface="Cambria Math" panose="02040503050406030204" pitchFamily="18" charset="0"/>
+                          <a:ea typeface="宋体" panose="02010600030101010101" pitchFamily="2" charset="-122"/>
+                          <a:cs typeface="Cambria Math" panose="02040503050406030204" pitchFamily="18" charset="0"/>
+                        </a:rPr>
+                        <m:t>−</m:t>
+                      </m:r>
+                      <m:sSub>
+                        <m:sSubPr>
+                          <m:ctrlPr>
+                            <a:rPr lang="zh-CN" altLang="zh-CN" b="1" i="1" smtClean="0">
+                              <a:effectLst/>
+                              <a:latin typeface="Cambria Math" panose="02040503050406030204" pitchFamily="18" charset="0"/>
+                              <a:ea typeface="宋体" panose="02010600030101010101" pitchFamily="2" charset="-122"/>
+                              <a:cs typeface="Cambria Math" panose="02040503050406030204" pitchFamily="18" charset="0"/>
+                            </a:rPr>
+                          </m:ctrlPr>
+                        </m:sSubPr>
+                        <m:e>
+                          <m:r>
+                            <a:rPr lang="en-US" altLang="zh-CN" b="1" i="1" smtClean="0">
+                              <a:effectLst/>
+                              <a:latin typeface="Cambria Math" panose="02040503050406030204" pitchFamily="18" charset="0"/>
+                              <a:ea typeface="宋体" panose="02010600030101010101" pitchFamily="2" charset="-122"/>
+                              <a:cs typeface="Cambria Math" panose="02040503050406030204" pitchFamily="18" charset="0"/>
+                            </a:rPr>
+                            <m:t>𝒛</m:t>
+                          </m:r>
+                        </m:e>
+                        <m:sub>
+                          <m:r>
+                            <a:rPr lang="en-US" altLang="zh-CN" b="1" i="1" kern="0">
+                              <a:effectLst/>
+                              <a:latin typeface="Cambria Math" panose="02040503050406030204" pitchFamily="18" charset="0"/>
+                              <a:ea typeface="宋体" panose="02010600030101010101" pitchFamily="2" charset="-122"/>
+                              <a:cs typeface="Cambria Math" panose="02040503050406030204" pitchFamily="18" charset="0"/>
+                            </a:rPr>
+                            <m:t>𝒕</m:t>
+                          </m:r>
+                        </m:sub>
+                      </m:sSub>
+                      <m:r>
+                        <a:rPr lang="en-US" altLang="zh-CN" b="1" i="1" kern="0">
+                          <a:effectLst/>
+                          <a:latin typeface="Cambria Math" panose="02040503050406030204" pitchFamily="18" charset="0"/>
+                          <a:ea typeface="宋体" panose="02010600030101010101" pitchFamily="2" charset="-122"/>
+                          <a:cs typeface="Cambria Math" panose="02040503050406030204" pitchFamily="18" charset="0"/>
+                        </a:rPr>
+                        <m:t>)</m:t>
+                      </m:r>
+                      <m:r>
+                        <a:rPr lang="en-US" altLang="zh-CN" b="1" i="1" kern="0">
+                          <a:effectLst/>
+                          <a:latin typeface="Cambria Math" panose="02040503050406030204" pitchFamily="18" charset="0"/>
+                          <a:ea typeface="MS Mincho" charset="0"/>
+                          <a:cs typeface="Cambria Math" panose="02040503050406030204" pitchFamily="18" charset="0"/>
+                        </a:rPr>
+                        <m:t>⊙</m:t>
+                      </m:r>
+                      <m:sSub>
+                        <m:sSubPr>
+                          <m:ctrlPr>
+                            <a:rPr lang="zh-CN" altLang="zh-CN" b="1" i="1" smtClean="0">
+                              <a:effectLst/>
+                              <a:latin typeface="Cambria Math" panose="02040503050406030204" pitchFamily="18" charset="0"/>
+                              <a:ea typeface="宋体" panose="02010600030101010101" pitchFamily="2" charset="-122"/>
+                              <a:cs typeface="Cambria Math" panose="02040503050406030204" pitchFamily="18" charset="0"/>
+                            </a:rPr>
+                          </m:ctrlPr>
+                        </m:sSubPr>
+                        <m:e>
+                          <m:acc>
+                            <m:accPr>
+                              <m:chr m:val="̃"/>
+                              <m:ctrlPr>
+                                <a:rPr lang="en-US" altLang="zh-CN" b="1" i="1" smtClean="0">
+                                  <a:effectLst/>
+                                  <a:latin typeface="Cambria Math" panose="02040503050406030204" pitchFamily="18" charset="0"/>
+                                  <a:ea typeface="宋体" panose="02010600030101010101" pitchFamily="2" charset="-122"/>
+                                  <a:cs typeface="Cambria Math" panose="02040503050406030204" pitchFamily="18" charset="0"/>
+                                </a:rPr>
+                              </m:ctrlPr>
+                            </m:accPr>
+                            <m:e>
+                              <m:r>
+                                <a:rPr lang="en-US" altLang="zh-CN" b="1" i="1" smtClean="0">
+                                  <a:effectLst/>
+                                  <a:latin typeface="Cambria Math" panose="02040503050406030204" pitchFamily="18" charset="0"/>
+                                  <a:ea typeface="宋体" panose="02010600030101010101" pitchFamily="2" charset="-122"/>
+                                  <a:cs typeface="Cambria Math" panose="02040503050406030204" pitchFamily="18" charset="0"/>
+                                </a:rPr>
+                                <m:t>𝒉</m:t>
+                              </m:r>
+                            </m:e>
+                          </m:acc>
+                        </m:e>
+                        <m:sub>
+                          <m:r>
+                            <a:rPr lang="en-US" altLang="zh-CN" b="1" i="1" kern="0">
+                              <a:effectLst/>
+                              <a:latin typeface="Cambria Math" panose="02040503050406030204" pitchFamily="18" charset="0"/>
+                              <a:ea typeface="宋体" panose="02010600030101010101" pitchFamily="2" charset="-122"/>
+                              <a:cs typeface="Cambria Math" panose="02040503050406030204" pitchFamily="18" charset="0"/>
+                            </a:rPr>
+                            <m:t>𝒕</m:t>
+                          </m:r>
+                        </m:sub>
+                      </m:sSub>
+                    </m:oMath>
+                  </m:oMathPara>
+                </a14:m>
+                <a:endParaRPr lang="en-US" altLang="zh-CN" dirty="0">
+                  <a:latin typeface="宋体" panose="02010600030101010101" pitchFamily="2" charset="-122"/>
+                  <a:ea typeface="宋体" panose="02010600030101010101" pitchFamily="2" charset="-122"/>
+                  <a:cs typeface="宋体" panose="02010600030101010101" pitchFamily="2" charset="-122"/>
+                </a:endParaRPr>
+              </a:p>
+              <a:p>
+                <a:pPr marL="0" indent="0">
+                  <a:buNone/>
+                </a:pPr>
+                <a:endParaRPr lang="zh-CN" altLang="zh-CN" i="1" dirty="0">
+                  <a:effectLst/>
+                  <a:latin typeface="Cambria Math" panose="02040503050406030204" pitchFamily="18" charset="0"/>
+                  <a:ea typeface="宋体" panose="02010600030101010101" pitchFamily="2" charset="-122"/>
+                  <a:cs typeface="Cambria Math" panose="02040503050406030204" pitchFamily="18" charset="0"/>
+                </a:endParaRPr>
+              </a:p>
+              <a:p>
+                <a:pPr marL="0" indent="0">
+                  <a:buNone/>
+                </a:pPr>
+                <a:endParaRPr lang="zh-CN" altLang="zh-CN" i="1" dirty="0">
+                  <a:effectLst/>
+                  <a:latin typeface="Cambria Math" panose="02040503050406030204" pitchFamily="18" charset="0"/>
+                  <a:ea typeface="宋体" panose="02010600030101010101" pitchFamily="2" charset="-122"/>
+                  <a:cs typeface="Cambria Math" panose="02040503050406030204" pitchFamily="18" charset="0"/>
+                </a:endParaRPr>
+              </a:p>
+              <a:p>
+                <a:pPr marL="0" indent="0">
+                  <a:buNone/>
+                </a:pPr>
+                <a:r>
+                  <a:rPr lang="zh-CN" altLang="en-US" dirty="0">
+                    <a:effectLst/>
+                    <a:latin typeface="Cambria Math" panose="02040503050406030204" pitchFamily="18" charset="0"/>
+                    <a:ea typeface="宋体" panose="02010600030101010101" pitchFamily="2" charset="-122"/>
+                    <a:cs typeface="Cambria Math" panose="02040503050406030204" pitchFamily="18" charset="0"/>
+                  </a:rPr>
+                  <a:t>更新门，重置门</a:t>
+                </a:r>
+                <a:r>
+                  <a:rPr lang="en-US" altLang="zh-CN" dirty="0">
+                    <a:effectLst/>
+                    <a:latin typeface="Cambria Math" panose="02040503050406030204" pitchFamily="18" charset="0"/>
+                    <a:ea typeface="宋体" panose="02010600030101010101" pitchFamily="2" charset="-122"/>
+                    <a:cs typeface="Cambria Math" panose="02040503050406030204" pitchFamily="18" charset="0"/>
+                  </a:rPr>
+                  <a:t> </a:t>
+                </a:r>
+                <a:endParaRPr lang="zh-CN" altLang="zh-CN" dirty="0">
+                  <a:effectLst/>
+                  <a:latin typeface="Cambria Math" panose="02040503050406030204" pitchFamily="18" charset="0"/>
+                  <a:ea typeface="宋体" panose="02010600030101010101" pitchFamily="2" charset="-122"/>
+                  <a:cs typeface="Cambria Math" panose="02040503050406030204" pitchFamily="18" charset="0"/>
+                </a:endParaRPr>
+              </a:p>
+              <a:p>
+                <a:pPr marL="0" indent="0">
+                  <a:buNone/>
+                </a:pPr>
+                <a14:m>
+                  <m:oMath xmlns:m="http://schemas.openxmlformats.org/officeDocument/2006/math">
+                    <m:sSub>
+                      <m:sSubPr>
+                        <m:ctrlPr>
+                          <a:rPr lang="zh-CN" altLang="zh-CN" i="1" smtClean="0">
+                            <a:effectLst/>
+                            <a:latin typeface="Cambria Math" panose="02040503050406030204" pitchFamily="18" charset="0"/>
+                            <a:ea typeface="宋体" panose="02010600030101010101" pitchFamily="2" charset="-122"/>
+                            <a:cs typeface="Cambria Math" panose="02040503050406030204" pitchFamily="18" charset="0"/>
+                          </a:rPr>
+                        </m:ctrlPr>
+                      </m:sSubPr>
+                      <m:e>
+                        <m:r>
+                          <a:rPr lang="en-US" altLang="zh-CN" sz="2000" b="1" i="1" kern="0">
+                            <a:effectLst/>
+                            <a:latin typeface="Cambria Math" panose="02040503050406030204" pitchFamily="18" charset="0"/>
+                            <a:ea typeface="宋体" panose="02010600030101010101" pitchFamily="2" charset="-122"/>
+                            <a:cs typeface="Cambria Math" panose="02040503050406030204" pitchFamily="18" charset="0"/>
+                          </a:rPr>
+                          <m:t>𝒙</m:t>
+                        </m:r>
+                      </m:e>
+                      <m:sub>
+                        <m:r>
+                          <a:rPr lang="en-US" altLang="zh-CN" sz="2000" i="1" kern="0">
+                            <a:effectLst/>
+                            <a:latin typeface="Cambria Math" panose="02040503050406030204" pitchFamily="18" charset="0"/>
+                            <a:ea typeface="宋体" panose="02010600030101010101" pitchFamily="2" charset="-122"/>
+                            <a:cs typeface="Cambria Math" panose="02040503050406030204" pitchFamily="18" charset="0"/>
+                          </a:rPr>
+                          <m:t>𝑡</m:t>
+                        </m:r>
+                      </m:sub>
+                    </m:sSub>
+                    <m:r>
+                      <a:rPr lang="zh-CN" altLang="en-US" i="1" kern="0">
+                        <a:latin typeface="Cambria Math" panose="02040503050406030204" pitchFamily="18" charset="0"/>
+                        <a:ea typeface="MS Mincho" charset="0"/>
+                        <a:cs typeface="Cambria Math" panose="02040503050406030204" pitchFamily="18" charset="0"/>
+                      </a:rPr>
+                      <m:t>代表</m:t>
+                    </m:r>
+                    <m:r>
+                      <a:rPr lang="en-US" altLang="zh-CN" i="1" dirty="0" smtClean="0">
+                        <a:latin typeface="Cambria Math" panose="02040503050406030204" pitchFamily="18" charset="0"/>
+                        <a:ea typeface="宋体" panose="02010600030101010101" pitchFamily="2" charset="-122"/>
+                        <a:cs typeface="Cambria Math" panose="02040503050406030204" pitchFamily="18" charset="0"/>
+                      </a:rPr>
+                      <m:t>𝑡</m:t>
+                    </m:r>
+                  </m:oMath>
+                </a14:m>
+                <a:r>
+                  <a:rPr lang="zh-CN" altLang="en-US" dirty="0">
+                    <a:latin typeface="宋体" panose="02010600030101010101" pitchFamily="2" charset="-122"/>
+                    <a:ea typeface="宋体" panose="02010600030101010101" pitchFamily="2" charset="-122"/>
+                    <a:cs typeface="宋体" panose="02010600030101010101" pitchFamily="2" charset="-122"/>
+                  </a:rPr>
+                  <a:t>时刻的输入，</a:t>
+                </a:r>
+                <a:r>
+                  <a:rPr lang="zh-CN" altLang="zh-CN" dirty="0">
+                    <a:latin typeface="宋体" panose="02010600030101010101" pitchFamily="2" charset="-122"/>
+                    <a:ea typeface="宋体" panose="02010600030101010101" pitchFamily="2" charset="-122"/>
+                    <a:cs typeface="宋体" panose="02010600030101010101" pitchFamily="2" charset="-122"/>
+                  </a:rPr>
+                  <a:t> </a:t>
+                </a:r>
+                <a14:m>
+                  <m:oMath xmlns:m="http://schemas.openxmlformats.org/officeDocument/2006/math">
+                    <m:sSub>
+                      <m:sSubPr>
+                        <m:ctrlPr>
+                          <a:rPr lang="zh-CN" altLang="zh-CN" i="1">
+                            <a:latin typeface="Cambria Math" panose="02040503050406030204" pitchFamily="18" charset="0"/>
+                            <a:ea typeface="宋体" panose="02010600030101010101" pitchFamily="2" charset="-122"/>
+                            <a:cs typeface="Cambria Math" panose="02040503050406030204" pitchFamily="18" charset="0"/>
+                          </a:rPr>
+                        </m:ctrlPr>
+                      </m:sSubPr>
+                      <m:e>
+                        <m:r>
+                          <a:rPr lang="en-US" altLang="zh-CN" b="1" i="1" kern="0">
+                            <a:latin typeface="Cambria Math" panose="02040503050406030204" pitchFamily="18" charset="0"/>
+                            <a:ea typeface="宋体" panose="02010600030101010101" pitchFamily="2" charset="-122"/>
+                            <a:cs typeface="Cambria Math" panose="02040503050406030204" pitchFamily="18" charset="0"/>
+                          </a:rPr>
+                          <m:t>𝒉</m:t>
+                        </m:r>
+                      </m:e>
+                      <m:sub>
+                        <m:r>
+                          <a:rPr lang="en-US" altLang="zh-CN" i="1" kern="0">
+                            <a:latin typeface="Cambria Math" panose="02040503050406030204" pitchFamily="18" charset="0"/>
+                            <a:ea typeface="宋体" panose="02010600030101010101" pitchFamily="2" charset="-122"/>
+                            <a:cs typeface="Cambria Math" panose="02040503050406030204" pitchFamily="18" charset="0"/>
+                          </a:rPr>
+                          <m:t>𝑡</m:t>
+                        </m:r>
+                      </m:sub>
+                    </m:sSub>
+                  </m:oMath>
+                </a14:m>
+                <a:r>
+                  <a:rPr lang="zh-CN" altLang="en-US" dirty="0">
+                    <a:latin typeface="宋体" panose="02010600030101010101" pitchFamily="2" charset="-122"/>
+                    <a:ea typeface="宋体" panose="02010600030101010101" pitchFamily="2" charset="-122"/>
+                    <a:cs typeface="宋体" panose="02010600030101010101" pitchFamily="2" charset="-122"/>
+                  </a:rPr>
+                  <a:t>代表</a:t>
+                </a:r>
+                <a14:m>
+                  <m:oMath xmlns:m="http://schemas.openxmlformats.org/officeDocument/2006/math">
+                    <m:r>
+                      <a:rPr lang="en-US" altLang="zh-CN" i="1" dirty="0" smtClean="0">
+                        <a:latin typeface="Cambria Math" panose="02040503050406030204" pitchFamily="18" charset="0"/>
+                        <a:ea typeface="宋体" panose="02010600030101010101" pitchFamily="2" charset="-122"/>
+                        <a:cs typeface="Cambria Math" panose="02040503050406030204" pitchFamily="18" charset="0"/>
+                      </a:rPr>
+                      <m:t>𝑡</m:t>
+                    </m:r>
+                  </m:oMath>
+                </a14:m>
+                <a:r>
+                  <a:rPr lang="zh-CN" altLang="en-US" dirty="0">
+                    <a:latin typeface="宋体" panose="02010600030101010101" pitchFamily="2" charset="-122"/>
+                    <a:ea typeface="宋体" panose="02010600030101010101" pitchFamily="2" charset="-122"/>
+                    <a:cs typeface="宋体" panose="02010600030101010101" pitchFamily="2" charset="-122"/>
+                  </a:rPr>
+                  <a:t>时刻的输出，</a:t>
+                </a:r>
+                <a:r>
+                  <a:rPr lang="zh-CN" altLang="zh-CN" dirty="0">
+                    <a:latin typeface="宋体" panose="02010600030101010101" pitchFamily="2" charset="-122"/>
+                    <a:ea typeface="宋体" panose="02010600030101010101" pitchFamily="2" charset="-122"/>
+                    <a:cs typeface="宋体" panose="02010600030101010101" pitchFamily="2" charset="-122"/>
+                  </a:rPr>
+                  <a:t> </a:t>
+                </a:r>
+                <a14:m>
+                  <m:oMath xmlns:m="http://schemas.openxmlformats.org/officeDocument/2006/math">
+                    <m:sSub>
+                      <m:sSubPr>
+                        <m:ctrlPr>
+                          <a:rPr lang="zh-CN" altLang="zh-CN" i="1">
+                            <a:latin typeface="Cambria Math" panose="02040503050406030204" pitchFamily="18" charset="0"/>
+                            <a:ea typeface="宋体" panose="02010600030101010101" pitchFamily="2" charset="-122"/>
+                            <a:cs typeface="Cambria Math" panose="02040503050406030204" pitchFamily="18" charset="0"/>
+                          </a:rPr>
+                        </m:ctrlPr>
+                      </m:sSubPr>
+                      <m:e>
+                        <m:r>
+                          <a:rPr lang="en-US" altLang="zh-CN" b="1" i="1" kern="0">
+                            <a:latin typeface="Cambria Math" panose="02040503050406030204" pitchFamily="18" charset="0"/>
+                            <a:ea typeface="宋体" panose="02010600030101010101" pitchFamily="2" charset="-122"/>
+                            <a:cs typeface="Cambria Math" panose="02040503050406030204" pitchFamily="18" charset="0"/>
+                          </a:rPr>
+                          <m:t>𝒉</m:t>
+                        </m:r>
+                      </m:e>
+                      <m:sub>
+                        <m:r>
+                          <a:rPr lang="en-US" altLang="zh-CN" i="1" kern="0">
+                            <a:latin typeface="Cambria Math" panose="02040503050406030204" pitchFamily="18" charset="0"/>
+                            <a:ea typeface="宋体" panose="02010600030101010101" pitchFamily="2" charset="-122"/>
+                            <a:cs typeface="Cambria Math" panose="02040503050406030204" pitchFamily="18" charset="0"/>
+                          </a:rPr>
+                          <m:t>𝑡</m:t>
+                        </m:r>
+                        <m:r>
+                          <a:rPr lang="en-US" altLang="zh-CN" i="1" kern="0">
+                            <a:latin typeface="Cambria Math" panose="02040503050406030204" pitchFamily="18" charset="0"/>
+                            <a:ea typeface="MS Mincho" charset="0"/>
+                            <a:cs typeface="Cambria Math" panose="02040503050406030204" pitchFamily="18" charset="0"/>
+                          </a:rPr>
+                          <m:t>−</m:t>
+                        </m:r>
+                        <m:r>
+                          <a:rPr lang="en-US" altLang="zh-CN" i="1" kern="0">
+                            <a:latin typeface="Cambria Math" panose="02040503050406030204" pitchFamily="18" charset="0"/>
+                            <a:ea typeface="MS Mincho" charset="0"/>
+                            <a:cs typeface="Cambria Math" panose="02040503050406030204" pitchFamily="18" charset="0"/>
+                          </a:rPr>
+                          <m:t>1</m:t>
+                        </m:r>
+                      </m:sub>
+                    </m:sSub>
+                    <m:r>
+                      <a:rPr lang="zh-CN" altLang="en-US" i="1" kern="0">
+                        <a:latin typeface="Cambria Math" panose="02040503050406030204" pitchFamily="18" charset="0"/>
+                        <a:ea typeface="MS Mincho" charset="0"/>
+                        <a:cs typeface="Cambria Math" panose="02040503050406030204" pitchFamily="18" charset="0"/>
+                      </a:rPr>
+                      <m:t>代表</m:t>
+                    </m:r>
+                    <m:r>
+                      <a:rPr lang="en-US" altLang="zh-CN" i="1" dirty="0" smtClean="0">
+                        <a:latin typeface="Cambria Math" panose="02040503050406030204" pitchFamily="18" charset="0"/>
+                        <a:ea typeface="宋体" panose="02010600030101010101" pitchFamily="2" charset="-122"/>
+                        <a:cs typeface="Cambria Math" panose="02040503050406030204" pitchFamily="18" charset="0"/>
+                      </a:rPr>
+                      <m:t>𝑡</m:t>
+                    </m:r>
+                    <m:r>
+                      <a:rPr lang="en-US" altLang="zh-CN" i="1" dirty="0" smtClean="0">
+                        <a:latin typeface="Cambria Math" panose="02040503050406030204" pitchFamily="18" charset="0"/>
+                        <a:ea typeface="MS Mincho" charset="0"/>
+                        <a:cs typeface="Cambria Math" panose="02040503050406030204" pitchFamily="18" charset="0"/>
+                      </a:rPr>
+                      <m:t>−</m:t>
+                    </m:r>
+                    <m:r>
+                      <a:rPr lang="en-US" altLang="zh-CN" i="1" dirty="0" smtClean="0">
+                        <a:latin typeface="Cambria Math" panose="02040503050406030204" pitchFamily="18" charset="0"/>
+                        <a:ea typeface="MS Mincho" charset="0"/>
+                        <a:cs typeface="Cambria Math" panose="02040503050406030204" pitchFamily="18" charset="0"/>
+                      </a:rPr>
+                      <m:t>1</m:t>
+                    </m:r>
+                  </m:oMath>
+                </a14:m>
+                <a:r>
+                  <a:rPr lang="zh-CN" altLang="en-US" dirty="0">
+                    <a:latin typeface="宋体" panose="02010600030101010101" pitchFamily="2" charset="-122"/>
+                    <a:ea typeface="宋体" panose="02010600030101010101" pitchFamily="2" charset="-122"/>
+                    <a:cs typeface="宋体" panose="02010600030101010101" pitchFamily="2" charset="-122"/>
+                  </a:rPr>
+                  <a:t>时刻的输出。其余的</a:t>
+                </a:r>
+                <a14:m>
+                  <m:oMath xmlns:m="http://schemas.openxmlformats.org/officeDocument/2006/math">
+                    <m:r>
+                      <a:rPr lang="en-US" altLang="zh-CN" b="1" i="1" dirty="0" smtClean="0">
+                        <a:latin typeface="Cambria Math" panose="02040503050406030204" pitchFamily="18" charset="0"/>
+                        <a:ea typeface="宋体" panose="02010600030101010101" pitchFamily="2" charset="-122"/>
+                        <a:cs typeface="Cambria Math" panose="02040503050406030204" pitchFamily="18" charset="0"/>
+                      </a:rPr>
+                      <m:t>𝒘</m:t>
+                    </m:r>
+                  </m:oMath>
+                </a14:m>
+                <a:r>
+                  <a:rPr lang="zh-CN" altLang="en-US" dirty="0">
+                    <a:latin typeface="宋体" panose="02010600030101010101" pitchFamily="2" charset="-122"/>
+                    <a:ea typeface="宋体" panose="02010600030101010101" pitchFamily="2" charset="-122"/>
+                    <a:cs typeface="宋体" panose="02010600030101010101" pitchFamily="2" charset="-122"/>
+                  </a:rPr>
+                  <a:t>和</a:t>
+                </a:r>
+                <a14:m>
+                  <m:oMath xmlns:m="http://schemas.openxmlformats.org/officeDocument/2006/math">
+                    <m:r>
+                      <a:rPr lang="en-US" altLang="zh-CN" b="1" i="1" dirty="0" smtClean="0">
+                        <a:latin typeface="Cambria Math" panose="02040503050406030204" pitchFamily="18" charset="0"/>
+                        <a:ea typeface="宋体" panose="02010600030101010101" pitchFamily="2" charset="-122"/>
+                        <a:cs typeface="Cambria Math" panose="02040503050406030204" pitchFamily="18" charset="0"/>
+                      </a:rPr>
+                      <m:t>𝒃</m:t>
+                    </m:r>
+                  </m:oMath>
+                </a14:m>
+                <a:r>
+                  <a:rPr lang="zh-CN" altLang="en-US" dirty="0">
+                    <a:latin typeface="宋体" panose="02010600030101010101" pitchFamily="2" charset="-122"/>
+                    <a:ea typeface="宋体" panose="02010600030101010101" pitchFamily="2" charset="-122"/>
+                    <a:cs typeface="宋体" panose="02010600030101010101" pitchFamily="2" charset="-122"/>
+                  </a:rPr>
+                  <a:t>是模型需训练的参数。</a:t>
+                </a:r>
+                <a:r>
+                  <a:rPr lang="en-US" altLang="zh-CN" dirty="0">
+                    <a:latin typeface="宋体" panose="02010600030101010101" pitchFamily="2" charset="-122"/>
+                    <a:ea typeface="宋体" panose="02010600030101010101" pitchFamily="2" charset="-122"/>
+                    <a:cs typeface="宋体" panose="02010600030101010101" pitchFamily="2" charset="-122"/>
+                  </a:rPr>
+                  <a:t>RNN</a:t>
+                </a:r>
+                <a:r>
+                  <a:rPr lang="zh-CN" altLang="en-US" dirty="0">
+                    <a:latin typeface="宋体" panose="02010600030101010101" pitchFamily="2" charset="-122"/>
+                    <a:ea typeface="宋体" panose="02010600030101010101" pitchFamily="2" charset="-122"/>
+                    <a:cs typeface="宋体" panose="02010600030101010101" pitchFamily="2" charset="-122"/>
+                  </a:rPr>
+                  <a:t>的精髓就在于当前时刻的输出将作为下一时刻的输入参与下一时刻的计算。</a:t>
+                </a:r>
+                <a:endParaRPr lang="en-US" altLang="zh-CN" dirty="0">
+                  <a:latin typeface="宋体" panose="02010600030101010101" pitchFamily="2" charset="-122"/>
+                  <a:ea typeface="宋体" panose="02010600030101010101" pitchFamily="2" charset="-122"/>
+                  <a:cs typeface="宋体" panose="02010600030101010101" pitchFamily="2" charset="-122"/>
+                </a:endParaRPr>
+              </a:p>
+              <a:p>
+                <a:pPr marL="457200" indent="-457200">
+                  <a:buFont typeface="+mj-lt"/>
+                  <a:buAutoNum type="arabicPeriod"/>
+                </a:pPr>
+                <a:endParaRPr lang="en-GB" altLang="zh-CN" dirty="0"/>
+              </a:p>
+              <a:p>
+                <a:endParaRPr kumimoji="1" lang="en-GB" altLang="zh-CN" dirty="0"/>
+              </a:p>
+              <a:p>
+                <a:pPr marL="0" indent="0">
+                  <a:buNone/>
+                </a:pPr>
+                <a:endParaRPr kumimoji="1" lang="en-GB" altLang="zh-CN" dirty="0"/>
+              </a:p>
+            </p:txBody>
+          </p:sp>
+        </mc:Choice>
+        <mc:Fallback xmlns="">
+          <p:sp>
+            <p:nvSpPr>
+              <p:cNvPr id="3" name="内容占位符 2"/>
+              <p:cNvSpPr>
+                <a:spLocks noGrp="1" noRot="1" noChangeAspect="1" noMove="1" noResize="1" noEditPoints="1" noAdjustHandles="1" noChangeArrowheads="1" noChangeShapeType="1" noTextEdit="1"/>
+              </p:cNvSpPr>
+              <p:nvPr>
+                <p:ph idx="1"/>
+              </p:nvPr>
+            </p:nvSpPr>
+            <p:spPr>
+              <a:xfrm>
+                <a:off x="757936" y="1853754"/>
+                <a:ext cx="10990555" cy="4351338"/>
+              </a:xfrm>
+              <a:blipFill>
+                <a:blip r:embed="rId2"/>
+                <a:stretch>
+                  <a:fillRect l="-555" t="-980" r="-277"/>
+                </a:stretch>
+              </a:blipFill>
+            </p:spPr>
+            <p:txBody>
+              <a:bodyPr/>
+              <a:lstStyle/>
+              <a:p>
+                <a:r>
+                  <a:rPr lang="zh-CN" altLang="en-US">
+                    <a:noFill/>
+                  </a:rPr>
+                  <a:t> </a:t>
+                </a:r>
+              </a:p>
+            </p:txBody>
+          </p:sp>
+        </mc:Fallback>
+      </mc:AlternateContent>
+    </p:spTree>
+  </p:cSld>
+  <p:clrMapOvr>
+    <a:masterClrMapping/>
+  </p:clrMapOvr>
+</p:sld>
+</file>
+
+<file path=ppt/slides/slide6.xml><?xml version="1.0" encoding="utf-8"?>
+<p:sld xmlns:a="http://schemas.openxmlformats.org/drawingml/2006/main" xmlns:r="http://schemas.openxmlformats.org/officeDocument/2006/relationships" xmlns:p="http://schemas.openxmlformats.org/presentationml/2006/main">
+  <p:cSld>
+    <p:spTree>
+      <p:nvGrpSpPr>
+        <p:cNvPr id="1" name=""/>
+        <p:cNvGrpSpPr/>
+        <p:nvPr/>
+      </p:nvGrpSpPr>
+      <p:grpSpPr>
+        <a:xfrm>
+          <a:off x="0" y="0"/>
+          <a:ext cx="0" cy="0"/>
+          <a:chOff x="0" y="0"/>
+          <a:chExt cx="0" cy="0"/>
+        </a:xfrm>
+      </p:grpSpPr>
+      <p:sp>
+        <p:nvSpPr>
+          <p:cNvPr id="2" name="标题 1"/>
+          <p:cNvSpPr>
+            <a:spLocks noGrp="1"/>
+          </p:cNvSpPr>
+          <p:nvPr>
+            <p:ph type="title"/>
+          </p:nvPr>
+        </p:nvSpPr>
+        <p:spPr/>
+        <p:txBody>
+          <a:bodyPr/>
+          <a:lstStyle/>
+          <a:p>
+            <a:pPr algn="ctr"/>
+            <a:r>
+              <a:rPr kumimoji="1" lang="en-US" altLang="zh-CN" sz="3600" b="1" dirty="0">
+                <a:latin typeface="宋体" panose="02010600030101010101" pitchFamily="2" charset="-122"/>
+                <a:ea typeface="宋体" panose="02010600030101010101" pitchFamily="2" charset="-122"/>
+                <a:cs typeface="宋体" panose="02010600030101010101" pitchFamily="2" charset="-122"/>
+              </a:rPr>
+              <a:t>3. </a:t>
+            </a:r>
+            <a:r>
+              <a:rPr kumimoji="1" lang="zh-CN" altLang="en-US" sz="3600" b="1" dirty="0">
+                <a:latin typeface="宋体" panose="02010600030101010101" pitchFamily="2" charset="-122"/>
+                <a:ea typeface="宋体" panose="02010600030101010101" pitchFamily="2" charset="-122"/>
+                <a:cs typeface="宋体" panose="02010600030101010101" pitchFamily="2" charset="-122"/>
+              </a:rPr>
+              <a:t>长短期记忆网络（LSTM）</a:t>
+            </a:r>
+          </a:p>
+        </p:txBody>
+      </p:sp>
+      <mc:AlternateContent xmlns:mc="http://schemas.openxmlformats.org/markup-compatibility/2006">
+        <mc:Choice xmlns:a14="http://schemas.microsoft.com/office/drawing/2010/main" Requires="a14">
+          <p:sp>
+            <p:nvSpPr>
+              <p:cNvPr id="3" name="内容占位符 2"/>
+              <p:cNvSpPr>
+                <a:spLocks noGrp="1"/>
+              </p:cNvSpPr>
+              <p:nvPr>
+                <p:ph idx="1"/>
+              </p:nvPr>
+            </p:nvSpPr>
+            <p:spPr>
+              <a:xfrm>
+                <a:off x="757936" y="1853754"/>
+                <a:ext cx="10990555" cy="4351338"/>
+              </a:xfrm>
+            </p:spPr>
+            <p:txBody>
+              <a:bodyPr>
+                <a:normAutofit fontScale="85000" lnSpcReduction="10000"/>
+              </a:bodyPr>
+              <a:lstStyle/>
+              <a:p>
+                <a:pPr marL="0" indent="0">
+                  <a:buNone/>
+                </a:pPr>
+                <a:r>
+                  <a:rPr lang="zh-CN" altLang="en-US" dirty="0">
+                    <a:latin typeface="宋体" panose="02010600030101010101" pitchFamily="2" charset="-122"/>
+                    <a:ea typeface="宋体" panose="02010600030101010101" pitchFamily="2" charset="-122"/>
+                    <a:cs typeface="宋体" panose="02010600030101010101" pitchFamily="2" charset="-122"/>
+                  </a:rPr>
+                  <a:t>长短期记忆网络（</a:t>
+                </a:r>
+                <a:r>
+                  <a:rPr lang="en-US" dirty="0">
+                    <a:latin typeface="宋体" panose="02010600030101010101" pitchFamily="2" charset="-122"/>
+                    <a:ea typeface="宋体" panose="02010600030101010101" pitchFamily="2" charset="-122"/>
+                    <a:cs typeface="宋体" panose="02010600030101010101" pitchFamily="2" charset="-122"/>
+                  </a:rPr>
+                  <a:t>long short-term memory，LSTM）</a:t>
+                </a:r>
+                <a:r>
+                  <a:rPr lang="zh-CN" altLang="en-US" dirty="0">
+                    <a:latin typeface="宋体" panose="02010600030101010101" pitchFamily="2" charset="-122"/>
+                    <a:ea typeface="宋体" panose="02010600030101010101" pitchFamily="2" charset="-122"/>
+                    <a:cs typeface="宋体" panose="02010600030101010101" pitchFamily="2" charset="-122"/>
+                  </a:rPr>
+                  <a:t>：</a:t>
+                </a:r>
+                <a:r>
+                  <a:rPr lang="en-US" altLang="zh-CN" dirty="0">
+                    <a:latin typeface="宋体" panose="02010600030101010101" pitchFamily="2" charset="-122"/>
+                    <a:ea typeface="宋体" panose="02010600030101010101" pitchFamily="2" charset="-122"/>
+                    <a:cs typeface="宋体" panose="02010600030101010101" pitchFamily="2" charset="-122"/>
+                  </a:rPr>
+                  <a:t>1997</a:t>
+                </a:r>
+              </a:p>
+              <a:p>
+                <a:pPr marL="0" indent="0">
+                  <a:buNone/>
+                </a:pPr>
+                <a14:m>
+                  <m:oMathPara xmlns:m="http://schemas.openxmlformats.org/officeDocument/2006/math">
+                    <m:oMathParaPr>
+                      <m:jc m:val="centerGroup"/>
+                    </m:oMathParaPr>
+                    <m:oMath xmlns:m="http://schemas.openxmlformats.org/officeDocument/2006/math">
+                      <m:sSub>
+                        <m:sSubPr>
+                          <m:ctrlPr>
+                            <a:rPr lang="ar-AE" altLang="zh-CN" b="1" i="1" smtClean="0">
+                              <a:effectLst/>
+                              <a:latin typeface="Cambria Math" panose="02040503050406030204" pitchFamily="18" charset="0"/>
+                              <a:ea typeface="宋体" panose="02010600030101010101" pitchFamily="2" charset="-122"/>
+                              <a:cs typeface="Cambria Math" panose="02040503050406030204" pitchFamily="18" charset="0"/>
+                            </a:rPr>
+                          </m:ctrlPr>
+                        </m:sSubPr>
+                        <m:e>
+                          <m:r>
+                            <a:rPr lang="zh-CN" altLang="ar-AE" b="1" i="1" smtClean="0">
+                              <a:effectLst/>
+                              <a:latin typeface="Cambria Math" panose="02040503050406030204" pitchFamily="18" charset="0"/>
+                              <a:ea typeface="宋体" panose="02010600030101010101" pitchFamily="2" charset="-122"/>
+                              <a:cs typeface="Cambria Math" panose="02040503050406030204" pitchFamily="18" charset="0"/>
+                            </a:rPr>
+                            <m:t>𝒊</m:t>
+                          </m:r>
+                        </m:e>
+                        <m:sub>
+                          <m:r>
+                            <a:rPr lang="zh-CN" altLang="ar-AE" b="1" i="1" kern="0">
+                              <a:effectLst/>
+                              <a:latin typeface="Cambria Math" panose="02040503050406030204" pitchFamily="18" charset="0"/>
+                              <a:ea typeface="宋体" panose="02010600030101010101" pitchFamily="2" charset="-122"/>
+                              <a:cs typeface="Cambria Math" panose="02040503050406030204" pitchFamily="18" charset="0"/>
+                            </a:rPr>
+                            <m:t>𝒕</m:t>
+                          </m:r>
+                        </m:sub>
+                      </m:sSub>
+                      <m:r>
+                        <a:rPr lang="ar-AE" altLang="zh-CN" i="1" kern="0">
+                          <a:effectLst/>
+                          <a:latin typeface="Cambria Math" panose="02040503050406030204" pitchFamily="18" charset="0"/>
+                          <a:ea typeface="MS Mincho" charset="0"/>
+                          <a:cs typeface="Cambria Math" panose="02040503050406030204" pitchFamily="18" charset="0"/>
+                        </a:rPr>
+                        <m:t>=</m:t>
+                      </m:r>
+                      <m:func>
+                        <m:funcPr>
+                          <m:ctrlPr>
+                            <a:rPr lang="ar-AE" altLang="zh-CN" i="1" smtClean="0">
+                              <a:effectLst/>
+                              <a:latin typeface="Cambria Math" panose="02040503050406030204" pitchFamily="18" charset="0"/>
+                              <a:ea typeface="宋体" panose="02010600030101010101" pitchFamily="2" charset="-122"/>
+                              <a:cs typeface="Cambria Math" panose="02040503050406030204" pitchFamily="18" charset="0"/>
+                            </a:rPr>
+                          </m:ctrlPr>
+                        </m:funcPr>
+                        <m:fName>
+                          <m:r>
+                            <a:rPr lang="zh-CN" altLang="ar-AE" i="1" kern="0" smtClean="0">
+                              <a:effectLst/>
+                              <a:latin typeface="Cambria Math" panose="02040503050406030204" pitchFamily="18" charset="0"/>
+                              <a:ea typeface="MS Mincho" charset="0"/>
+                              <a:cs typeface="Cambria Math" panose="02040503050406030204" pitchFamily="18" charset="0"/>
+                            </a:rPr>
+                            <m:t>𝜎</m:t>
+                          </m:r>
+                        </m:fName>
+                        <m:e>
+                          <m:d>
+                            <m:dPr>
+                              <m:ctrlPr>
+                                <a:rPr lang="ar-AE" altLang="zh-CN" b="1" i="1">
+                                  <a:effectLst/>
+                                  <a:latin typeface="Cambria Math" panose="02040503050406030204" pitchFamily="18" charset="0"/>
+                                  <a:ea typeface="宋体" panose="02010600030101010101" pitchFamily="2" charset="-122"/>
+                                  <a:cs typeface="Cambria Math" panose="02040503050406030204" pitchFamily="18" charset="0"/>
+                                </a:rPr>
+                              </m:ctrlPr>
+                            </m:dPr>
+                            <m:e>
+                              <m:sSub>
+                                <m:sSubPr>
+                                  <m:ctrlPr>
+                                    <a:rPr lang="ar-AE" altLang="zh-CN" b="1" i="1">
+                                      <a:effectLst/>
+                                      <a:latin typeface="Cambria Math" panose="02040503050406030204" pitchFamily="18" charset="0"/>
+                                      <a:ea typeface="宋体" panose="02010600030101010101" pitchFamily="2" charset="-122"/>
+                                      <a:cs typeface="Cambria Math" panose="02040503050406030204" pitchFamily="18" charset="0"/>
+                                    </a:rPr>
+                                  </m:ctrlPr>
+                                </m:sSubPr>
+                                <m:e>
+                                  <m:r>
+                                    <a:rPr lang="zh-CN" altLang="ar-AE" b="1" i="1" kern="0">
+                                      <a:effectLst/>
+                                      <a:latin typeface="Cambria Math" panose="02040503050406030204" pitchFamily="18" charset="0"/>
+                                      <a:ea typeface="宋体" panose="02010600030101010101" pitchFamily="2" charset="-122"/>
+                                      <a:cs typeface="Cambria Math" panose="02040503050406030204" pitchFamily="18" charset="0"/>
+                                    </a:rPr>
+                                    <m:t>𝒘</m:t>
+                                  </m:r>
+                                </m:e>
+                                <m:sub>
+                                  <m:r>
+                                    <a:rPr lang="zh-CN" altLang="ar-AE" b="1" i="1" kern="0" smtClean="0">
+                                      <a:effectLst/>
+                                      <a:latin typeface="Cambria Math" panose="02040503050406030204" pitchFamily="18" charset="0"/>
+                                      <a:ea typeface="宋体" panose="02010600030101010101" pitchFamily="2" charset="-122"/>
+                                      <a:cs typeface="Cambria Math" panose="02040503050406030204" pitchFamily="18" charset="0"/>
+                                    </a:rPr>
+                                    <m:t>𝒙</m:t>
+                                  </m:r>
+                                  <m:r>
+                                    <a:rPr lang="en-US" altLang="zh-CN" b="1" i="1" kern="0" smtClean="0">
+                                      <a:effectLst/>
+                                      <a:latin typeface="Cambria Math" panose="02040503050406030204" pitchFamily="18" charset="0"/>
+                                      <a:ea typeface="宋体" panose="02010600030101010101" pitchFamily="2" charset="-122"/>
+                                      <a:cs typeface="Cambria Math" panose="02040503050406030204" pitchFamily="18" charset="0"/>
+                                    </a:rPr>
+                                    <m:t>𝒊</m:t>
+                                  </m:r>
+                                </m:sub>
+                              </m:sSub>
+                              <m:sSub>
+                                <m:sSubPr>
+                                  <m:ctrlPr>
+                                    <a:rPr lang="ar-AE" altLang="zh-CN" b="1" i="1">
+                                      <a:effectLst/>
+                                      <a:latin typeface="Cambria Math" panose="02040503050406030204" pitchFamily="18" charset="0"/>
+                                      <a:ea typeface="宋体" panose="02010600030101010101" pitchFamily="2" charset="-122"/>
+                                      <a:cs typeface="Cambria Math" panose="02040503050406030204" pitchFamily="18" charset="0"/>
+                                    </a:rPr>
+                                  </m:ctrlPr>
+                                </m:sSubPr>
+                                <m:e>
+                                  <m:r>
+                                    <a:rPr lang="zh-CN" altLang="ar-AE" b="1" i="1" kern="0">
+                                      <a:effectLst/>
+                                      <a:latin typeface="Cambria Math" panose="02040503050406030204" pitchFamily="18" charset="0"/>
+                                      <a:ea typeface="宋体" panose="02010600030101010101" pitchFamily="2" charset="-122"/>
+                                      <a:cs typeface="Cambria Math" panose="02040503050406030204" pitchFamily="18" charset="0"/>
+                                    </a:rPr>
+                                    <m:t>𝒙</m:t>
+                                  </m:r>
+                                </m:e>
+                                <m:sub>
+                                  <m:r>
+                                    <a:rPr lang="zh-CN" altLang="ar-AE" b="1" i="1" kern="0">
+                                      <a:effectLst/>
+                                      <a:latin typeface="Cambria Math" panose="02040503050406030204" pitchFamily="18" charset="0"/>
+                                      <a:ea typeface="宋体" panose="02010600030101010101" pitchFamily="2" charset="-122"/>
+                                      <a:cs typeface="Cambria Math" panose="02040503050406030204" pitchFamily="18" charset="0"/>
+                                    </a:rPr>
+                                    <m:t>𝒕</m:t>
+                                  </m:r>
+                                </m:sub>
+                              </m:sSub>
+                              <m:r>
+                                <a:rPr lang="ar-AE" altLang="zh-CN" b="1" i="1" kern="0">
+                                  <a:effectLst/>
+                                  <a:latin typeface="Cambria Math" panose="02040503050406030204" pitchFamily="18" charset="0"/>
+                                  <a:ea typeface="MS Mincho" charset="0"/>
+                                  <a:cs typeface="Cambria Math" panose="02040503050406030204" pitchFamily="18" charset="0"/>
+                                </a:rPr>
+                                <m:t>+</m:t>
+                              </m:r>
+                              <m:sSub>
+                                <m:sSubPr>
+                                  <m:ctrlPr>
+                                    <a:rPr lang="ar-AE" altLang="zh-CN" b="1" i="1">
+                                      <a:effectLst/>
+                                      <a:latin typeface="Cambria Math" panose="02040503050406030204" pitchFamily="18" charset="0"/>
+                                      <a:ea typeface="宋体" panose="02010600030101010101" pitchFamily="2" charset="-122"/>
+                                      <a:cs typeface="Cambria Math" panose="02040503050406030204" pitchFamily="18" charset="0"/>
+                                    </a:rPr>
+                                  </m:ctrlPr>
+                                </m:sSubPr>
+                                <m:e>
+                                  <m:r>
+                                    <a:rPr lang="zh-CN" altLang="ar-AE" b="1" i="1" kern="0">
+                                      <a:effectLst/>
+                                      <a:latin typeface="Cambria Math" panose="02040503050406030204" pitchFamily="18" charset="0"/>
+                                      <a:ea typeface="宋体" panose="02010600030101010101" pitchFamily="2" charset="-122"/>
+                                      <a:cs typeface="Cambria Math" panose="02040503050406030204" pitchFamily="18" charset="0"/>
+                                    </a:rPr>
+                                    <m:t>𝒘</m:t>
+                                  </m:r>
+                                </m:e>
+                                <m:sub>
+                                  <m:r>
+                                    <a:rPr lang="zh-CN" altLang="ar-AE" b="1" i="1" kern="0">
+                                      <a:effectLst/>
+                                      <a:latin typeface="Cambria Math" panose="02040503050406030204" pitchFamily="18" charset="0"/>
+                                      <a:ea typeface="宋体" panose="02010600030101010101" pitchFamily="2" charset="-122"/>
+                                      <a:cs typeface="Cambria Math" panose="02040503050406030204" pitchFamily="18" charset="0"/>
+                                    </a:rPr>
+                                    <m:t>𝒉</m:t>
+                                  </m:r>
+                                  <m:r>
+                                    <a:rPr lang="en-US" altLang="zh-CN" b="1" i="1" kern="0" smtClean="0">
+                                      <a:effectLst/>
+                                      <a:latin typeface="Cambria Math" panose="02040503050406030204" pitchFamily="18" charset="0"/>
+                                      <a:ea typeface="宋体" panose="02010600030101010101" pitchFamily="2" charset="-122"/>
+                                      <a:cs typeface="Cambria Math" panose="02040503050406030204" pitchFamily="18" charset="0"/>
+                                    </a:rPr>
+                                    <m:t>𝒊</m:t>
+                                  </m:r>
+                                </m:sub>
+                              </m:sSub>
+                              <m:sSub>
+                                <m:sSubPr>
+                                  <m:ctrlPr>
+                                    <a:rPr lang="ar-AE" altLang="zh-CN" b="1" i="1">
+                                      <a:effectLst/>
+                                      <a:latin typeface="Cambria Math" panose="02040503050406030204" pitchFamily="18" charset="0"/>
+                                      <a:ea typeface="宋体" panose="02010600030101010101" pitchFamily="2" charset="-122"/>
+                                      <a:cs typeface="Cambria Math" panose="02040503050406030204" pitchFamily="18" charset="0"/>
+                                    </a:rPr>
+                                  </m:ctrlPr>
+                                </m:sSubPr>
+                                <m:e>
+                                  <m:r>
+                                    <a:rPr lang="zh-CN" altLang="ar-AE" b="1" i="1" kern="0">
+                                      <a:effectLst/>
+                                      <a:latin typeface="Cambria Math" panose="02040503050406030204" pitchFamily="18" charset="0"/>
+                                      <a:ea typeface="宋体" panose="02010600030101010101" pitchFamily="2" charset="-122"/>
+                                      <a:cs typeface="Cambria Math" panose="02040503050406030204" pitchFamily="18" charset="0"/>
+                                    </a:rPr>
+                                    <m:t>𝒉</m:t>
+                                  </m:r>
+                                </m:e>
+                                <m:sub>
+                                  <m:r>
+                                    <a:rPr lang="zh-CN" altLang="ar-AE" b="1" i="1" kern="0">
+                                      <a:effectLst/>
+                                      <a:latin typeface="Cambria Math" panose="02040503050406030204" pitchFamily="18" charset="0"/>
+                                      <a:ea typeface="宋体" panose="02010600030101010101" pitchFamily="2" charset="-122"/>
+                                      <a:cs typeface="Cambria Math" panose="02040503050406030204" pitchFamily="18" charset="0"/>
+                                    </a:rPr>
+                                    <m:t>𝒕</m:t>
+                                  </m:r>
+                                  <m:r>
+                                    <a:rPr lang="ar-AE" altLang="zh-CN" b="1" i="1" kern="0">
+                                      <a:effectLst/>
+                                      <a:latin typeface="Cambria Math" panose="02040503050406030204" pitchFamily="18" charset="0"/>
+                                      <a:ea typeface="MS Mincho" charset="0"/>
+                                      <a:cs typeface="Cambria Math" panose="02040503050406030204" pitchFamily="18" charset="0"/>
+                                    </a:rPr>
+                                    <m:t>−</m:t>
+                                  </m:r>
+                                  <m:r>
+                                    <a:rPr lang="zh-CN" altLang="ar-AE" b="1" i="1" kern="0">
+                                      <a:effectLst/>
+                                      <a:latin typeface="Cambria Math" panose="02040503050406030204" pitchFamily="18" charset="0"/>
+                                      <a:ea typeface="宋体" panose="02010600030101010101" pitchFamily="2" charset="-122"/>
+                                      <a:cs typeface="Cambria Math" panose="02040503050406030204" pitchFamily="18" charset="0"/>
+                                    </a:rPr>
+                                    <m:t>𝟏</m:t>
+                                  </m:r>
+                                </m:sub>
+                              </m:sSub>
+                              <m:r>
+                                <a:rPr lang="ar-AE" altLang="zh-CN" b="1" i="1" kern="0">
+                                  <a:effectLst/>
+                                  <a:latin typeface="Cambria Math" panose="02040503050406030204" pitchFamily="18" charset="0"/>
+                                  <a:ea typeface="MS Mincho" charset="0"/>
+                                  <a:cs typeface="Cambria Math" panose="02040503050406030204" pitchFamily="18" charset="0"/>
+                                </a:rPr>
+                                <m:t>+</m:t>
+                              </m:r>
+                              <m:sSub>
+                                <m:sSubPr>
+                                  <m:ctrlPr>
+                                    <a:rPr lang="ar-AE" altLang="zh-CN" b="1" i="1" kern="0" smtClean="0">
+                                      <a:effectLst/>
+                                      <a:latin typeface="Cambria Math" panose="02040503050406030204" pitchFamily="18" charset="0"/>
+                                      <a:ea typeface="宋体" panose="02010600030101010101" pitchFamily="2" charset="-122"/>
+                                      <a:cs typeface="Cambria Math" panose="02040503050406030204" pitchFamily="18" charset="0"/>
+                                    </a:rPr>
+                                  </m:ctrlPr>
+                                </m:sSubPr>
+                                <m:e>
+                                  <m:r>
+                                    <a:rPr lang="zh-CN" altLang="ar-AE" b="1" i="1" kern="0" smtClean="0">
+                                      <a:effectLst/>
+                                      <a:latin typeface="Cambria Math" panose="02040503050406030204" pitchFamily="18" charset="0"/>
+                                      <a:ea typeface="宋体" panose="02010600030101010101" pitchFamily="2" charset="-122"/>
+                                      <a:cs typeface="Cambria Math" panose="02040503050406030204" pitchFamily="18" charset="0"/>
+                                    </a:rPr>
+                                    <m:t>𝒃</m:t>
+                                  </m:r>
+                                </m:e>
+                                <m:sub>
+                                  <m:r>
+                                    <a:rPr lang="en-US" altLang="zh-CN" b="1" i="1" kern="0" smtClean="0">
+                                      <a:effectLst/>
+                                      <a:latin typeface="Cambria Math" panose="02040503050406030204" pitchFamily="18" charset="0"/>
+                                      <a:ea typeface="宋体" panose="02010600030101010101" pitchFamily="2" charset="-122"/>
+                                      <a:cs typeface="Cambria Math" panose="02040503050406030204" pitchFamily="18" charset="0"/>
+                                    </a:rPr>
+                                    <m:t>𝒊</m:t>
+                                  </m:r>
+                                </m:sub>
+                              </m:sSub>
+                            </m:e>
+                          </m:d>
+                        </m:e>
+                      </m:func>
+                    </m:oMath>
+                  </m:oMathPara>
+                </a14:m>
+                <a:endParaRPr lang="ar-AE" altLang="zh-CN" dirty="0">
+                  <a:latin typeface="宋体" panose="02010600030101010101" pitchFamily="2" charset="-122"/>
+                  <a:ea typeface="宋体" panose="02010600030101010101" pitchFamily="2" charset="-122"/>
+                  <a:cs typeface="宋体" panose="02010600030101010101" pitchFamily="2" charset="-122"/>
+                </a:endParaRPr>
+              </a:p>
+              <a:p>
+                <a:pPr marL="0" indent="0">
+                  <a:buNone/>
+                </a:pPr>
+                <a14:m>
+                  <m:oMathPara xmlns:m="http://schemas.openxmlformats.org/officeDocument/2006/math">
+                    <m:oMathParaPr>
+                      <m:jc m:val="centerGroup"/>
+                    </m:oMathParaPr>
+                    <m:oMath xmlns:m="http://schemas.openxmlformats.org/officeDocument/2006/math">
+                      <m:sSub>
+                        <m:sSubPr>
+                          <m:ctrlPr>
+                            <a:rPr lang="ar-AE" altLang="zh-CN" b="1" i="1" smtClean="0">
+                              <a:effectLst/>
+                              <a:latin typeface="Cambria Math" panose="02040503050406030204" pitchFamily="18" charset="0"/>
+                              <a:ea typeface="宋体" panose="02010600030101010101" pitchFamily="2" charset="-122"/>
+                              <a:cs typeface="Cambria Math" panose="02040503050406030204" pitchFamily="18" charset="0"/>
+                            </a:rPr>
+                          </m:ctrlPr>
+                        </m:sSubPr>
+                        <m:e>
+                          <m:r>
+                            <a:rPr lang="en-US" altLang="zh-CN" b="1" i="1" smtClean="0">
+                              <a:effectLst/>
+                              <a:latin typeface="Cambria Math" panose="02040503050406030204" pitchFamily="18" charset="0"/>
+                              <a:ea typeface="宋体" panose="02010600030101010101" pitchFamily="2" charset="-122"/>
+                              <a:cs typeface="Cambria Math" panose="02040503050406030204" pitchFamily="18" charset="0"/>
+                            </a:rPr>
+                            <m:t>𝒇</m:t>
+                          </m:r>
+                        </m:e>
+                        <m:sub>
+                          <m:r>
+                            <a:rPr lang="zh-CN" altLang="ar-AE" b="1" i="1" kern="0">
+                              <a:effectLst/>
+                              <a:latin typeface="Cambria Math" panose="02040503050406030204" pitchFamily="18" charset="0"/>
+                              <a:ea typeface="宋体" panose="02010600030101010101" pitchFamily="2" charset="-122"/>
+                              <a:cs typeface="Cambria Math" panose="02040503050406030204" pitchFamily="18" charset="0"/>
+                            </a:rPr>
+                            <m:t>𝒕</m:t>
+                          </m:r>
+                        </m:sub>
+                      </m:sSub>
+                      <m:r>
+                        <a:rPr lang="ar-AE" altLang="zh-CN" i="1" kern="0">
+                          <a:effectLst/>
+                          <a:latin typeface="Cambria Math" panose="02040503050406030204" pitchFamily="18" charset="0"/>
+                          <a:ea typeface="MS Mincho" charset="0"/>
+                          <a:cs typeface="Cambria Math" panose="02040503050406030204" pitchFamily="18" charset="0"/>
+                        </a:rPr>
+                        <m:t>=</m:t>
+                      </m:r>
+                      <m:func>
+                        <m:funcPr>
+                          <m:ctrlPr>
+                            <a:rPr lang="ar-AE" altLang="zh-CN" i="1" smtClean="0">
+                              <a:effectLst/>
+                              <a:latin typeface="Cambria Math" panose="02040503050406030204" pitchFamily="18" charset="0"/>
+                              <a:ea typeface="宋体" panose="02010600030101010101" pitchFamily="2" charset="-122"/>
+                              <a:cs typeface="Cambria Math" panose="02040503050406030204" pitchFamily="18" charset="0"/>
+                            </a:rPr>
+                          </m:ctrlPr>
+                        </m:funcPr>
+                        <m:fName>
+                          <m:r>
+                            <a:rPr lang="zh-CN" altLang="ar-AE" i="1" kern="0" smtClean="0">
+                              <a:effectLst/>
+                              <a:latin typeface="Cambria Math" panose="02040503050406030204" pitchFamily="18" charset="0"/>
+                              <a:ea typeface="MS Mincho" charset="0"/>
+                              <a:cs typeface="Cambria Math" panose="02040503050406030204" pitchFamily="18" charset="0"/>
+                            </a:rPr>
+                            <m:t>𝜎</m:t>
+                          </m:r>
+                        </m:fName>
+                        <m:e>
+                          <m:d>
+                            <m:dPr>
+                              <m:ctrlPr>
+                                <a:rPr lang="ar-AE" altLang="zh-CN" b="1" i="1">
+                                  <a:effectLst/>
+                                  <a:latin typeface="Cambria Math" panose="02040503050406030204" pitchFamily="18" charset="0"/>
+                                  <a:ea typeface="宋体" panose="02010600030101010101" pitchFamily="2" charset="-122"/>
+                                  <a:cs typeface="Cambria Math" panose="02040503050406030204" pitchFamily="18" charset="0"/>
+                                </a:rPr>
+                              </m:ctrlPr>
+                            </m:dPr>
+                            <m:e>
+                              <m:sSub>
+                                <m:sSubPr>
+                                  <m:ctrlPr>
+                                    <a:rPr lang="ar-AE" altLang="zh-CN" b="1" i="1">
+                                      <a:effectLst/>
+                                      <a:latin typeface="Cambria Math" panose="02040503050406030204" pitchFamily="18" charset="0"/>
+                                      <a:ea typeface="宋体" panose="02010600030101010101" pitchFamily="2" charset="-122"/>
+                                      <a:cs typeface="Cambria Math" panose="02040503050406030204" pitchFamily="18" charset="0"/>
+                                    </a:rPr>
+                                  </m:ctrlPr>
+                                </m:sSubPr>
+                                <m:e>
+                                  <m:r>
+                                    <a:rPr lang="zh-CN" altLang="ar-AE" b="1" i="1" kern="0">
+                                      <a:effectLst/>
+                                      <a:latin typeface="Cambria Math" panose="02040503050406030204" pitchFamily="18" charset="0"/>
+                                      <a:ea typeface="宋体" panose="02010600030101010101" pitchFamily="2" charset="-122"/>
+                                      <a:cs typeface="Cambria Math" panose="02040503050406030204" pitchFamily="18" charset="0"/>
+                                    </a:rPr>
+                                    <m:t>𝒘</m:t>
+                                  </m:r>
+                                </m:e>
+                                <m:sub>
+                                  <m:r>
+                                    <a:rPr lang="zh-CN" altLang="ar-AE" b="1" i="1" kern="0" smtClean="0">
+                                      <a:effectLst/>
+                                      <a:latin typeface="Cambria Math" panose="02040503050406030204" pitchFamily="18" charset="0"/>
+                                      <a:ea typeface="宋体" panose="02010600030101010101" pitchFamily="2" charset="-122"/>
+                                      <a:cs typeface="Cambria Math" panose="02040503050406030204" pitchFamily="18" charset="0"/>
+                                    </a:rPr>
+                                    <m:t>𝒙</m:t>
+                                  </m:r>
+                                  <m:r>
+                                    <a:rPr lang="en-US" altLang="zh-CN" b="1" i="1" kern="0" smtClean="0">
+                                      <a:effectLst/>
+                                      <a:latin typeface="Cambria Math" panose="02040503050406030204" pitchFamily="18" charset="0"/>
+                                      <a:ea typeface="宋体" panose="02010600030101010101" pitchFamily="2" charset="-122"/>
+                                      <a:cs typeface="Cambria Math" panose="02040503050406030204" pitchFamily="18" charset="0"/>
+                                    </a:rPr>
+                                    <m:t>𝒇</m:t>
+                                  </m:r>
+                                </m:sub>
+                              </m:sSub>
+                              <m:sSub>
+                                <m:sSubPr>
+                                  <m:ctrlPr>
+                                    <a:rPr lang="ar-AE" altLang="zh-CN" b="1" i="1">
+                                      <a:effectLst/>
+                                      <a:latin typeface="Cambria Math" panose="02040503050406030204" pitchFamily="18" charset="0"/>
+                                      <a:ea typeface="宋体" panose="02010600030101010101" pitchFamily="2" charset="-122"/>
+                                      <a:cs typeface="Cambria Math" panose="02040503050406030204" pitchFamily="18" charset="0"/>
+                                    </a:rPr>
+                                  </m:ctrlPr>
+                                </m:sSubPr>
+                                <m:e>
+                                  <m:r>
+                                    <a:rPr lang="zh-CN" altLang="ar-AE" b="1" i="1" kern="0">
+                                      <a:effectLst/>
+                                      <a:latin typeface="Cambria Math" panose="02040503050406030204" pitchFamily="18" charset="0"/>
+                                      <a:ea typeface="宋体" panose="02010600030101010101" pitchFamily="2" charset="-122"/>
+                                      <a:cs typeface="Cambria Math" panose="02040503050406030204" pitchFamily="18" charset="0"/>
+                                    </a:rPr>
+                                    <m:t>𝒙</m:t>
+                                  </m:r>
+                                </m:e>
+                                <m:sub>
+                                  <m:r>
+                                    <a:rPr lang="zh-CN" altLang="ar-AE" b="1" i="1" kern="0">
+                                      <a:effectLst/>
+                                      <a:latin typeface="Cambria Math" panose="02040503050406030204" pitchFamily="18" charset="0"/>
+                                      <a:ea typeface="宋体" panose="02010600030101010101" pitchFamily="2" charset="-122"/>
+                                      <a:cs typeface="Cambria Math" panose="02040503050406030204" pitchFamily="18" charset="0"/>
+                                    </a:rPr>
+                                    <m:t>𝒕</m:t>
+                                  </m:r>
+                                </m:sub>
+                              </m:sSub>
+                              <m:r>
+                                <a:rPr lang="ar-AE" altLang="zh-CN" b="1" i="1" kern="0">
+                                  <a:effectLst/>
+                                  <a:latin typeface="Cambria Math" panose="02040503050406030204" pitchFamily="18" charset="0"/>
+                                  <a:ea typeface="MS Mincho" charset="0"/>
+                                  <a:cs typeface="Cambria Math" panose="02040503050406030204" pitchFamily="18" charset="0"/>
+                                </a:rPr>
+                                <m:t>+</m:t>
+                              </m:r>
+                              <m:sSub>
+                                <m:sSubPr>
+                                  <m:ctrlPr>
+                                    <a:rPr lang="ar-AE" altLang="zh-CN" b="1" i="1">
+                                      <a:effectLst/>
+                                      <a:latin typeface="Cambria Math" panose="02040503050406030204" pitchFamily="18" charset="0"/>
+                                      <a:ea typeface="宋体" panose="02010600030101010101" pitchFamily="2" charset="-122"/>
+                                      <a:cs typeface="Cambria Math" panose="02040503050406030204" pitchFamily="18" charset="0"/>
+                                    </a:rPr>
+                                  </m:ctrlPr>
+                                </m:sSubPr>
+                                <m:e>
+                                  <m:r>
+                                    <a:rPr lang="zh-CN" altLang="ar-AE" b="1" i="1" kern="0">
+                                      <a:effectLst/>
+                                      <a:latin typeface="Cambria Math" panose="02040503050406030204" pitchFamily="18" charset="0"/>
+                                      <a:ea typeface="宋体" panose="02010600030101010101" pitchFamily="2" charset="-122"/>
+                                      <a:cs typeface="Cambria Math" panose="02040503050406030204" pitchFamily="18" charset="0"/>
+                                    </a:rPr>
+                                    <m:t>𝒘</m:t>
+                                  </m:r>
+                                </m:e>
+                                <m:sub>
+                                  <m:r>
+                                    <a:rPr lang="zh-CN" altLang="ar-AE" b="1" i="1" kern="0">
+                                      <a:effectLst/>
+                                      <a:latin typeface="Cambria Math" panose="02040503050406030204" pitchFamily="18" charset="0"/>
+                                      <a:ea typeface="宋体" panose="02010600030101010101" pitchFamily="2" charset="-122"/>
+                                      <a:cs typeface="Cambria Math" panose="02040503050406030204" pitchFamily="18" charset="0"/>
+                                    </a:rPr>
+                                    <m:t>𝒉</m:t>
+                                  </m:r>
+                                  <m:r>
+                                    <a:rPr lang="en-US" altLang="zh-CN" b="1" i="1" kern="0" smtClean="0">
+                                      <a:effectLst/>
+                                      <a:latin typeface="Cambria Math" panose="02040503050406030204" pitchFamily="18" charset="0"/>
+                                      <a:ea typeface="宋体" panose="02010600030101010101" pitchFamily="2" charset="-122"/>
+                                      <a:cs typeface="Cambria Math" panose="02040503050406030204" pitchFamily="18" charset="0"/>
+                                    </a:rPr>
+                                    <m:t>𝒇</m:t>
+                                  </m:r>
+                                </m:sub>
+                              </m:sSub>
+                              <m:sSub>
+                                <m:sSubPr>
+                                  <m:ctrlPr>
+                                    <a:rPr lang="ar-AE" altLang="zh-CN" b="1" i="1">
+                                      <a:effectLst/>
+                                      <a:latin typeface="Cambria Math" panose="02040503050406030204" pitchFamily="18" charset="0"/>
+                                      <a:ea typeface="宋体" panose="02010600030101010101" pitchFamily="2" charset="-122"/>
+                                      <a:cs typeface="Cambria Math" panose="02040503050406030204" pitchFamily="18" charset="0"/>
+                                    </a:rPr>
+                                  </m:ctrlPr>
+                                </m:sSubPr>
+                                <m:e>
+                                  <m:r>
+                                    <a:rPr lang="zh-CN" altLang="ar-AE" b="1" i="1" kern="0">
+                                      <a:effectLst/>
+                                      <a:latin typeface="Cambria Math" panose="02040503050406030204" pitchFamily="18" charset="0"/>
+                                      <a:ea typeface="宋体" panose="02010600030101010101" pitchFamily="2" charset="-122"/>
+                                      <a:cs typeface="Cambria Math" panose="02040503050406030204" pitchFamily="18" charset="0"/>
+                                    </a:rPr>
+                                    <m:t>𝒉</m:t>
+                                  </m:r>
+                                </m:e>
+                                <m:sub>
+                                  <m:r>
+                                    <a:rPr lang="zh-CN" altLang="ar-AE" b="1" i="1" kern="0">
+                                      <a:effectLst/>
+                                      <a:latin typeface="Cambria Math" panose="02040503050406030204" pitchFamily="18" charset="0"/>
+                                      <a:ea typeface="宋体" panose="02010600030101010101" pitchFamily="2" charset="-122"/>
+                                      <a:cs typeface="Cambria Math" panose="02040503050406030204" pitchFamily="18" charset="0"/>
+                                    </a:rPr>
+                                    <m:t>𝒕</m:t>
+                                  </m:r>
+                                  <m:r>
+                                    <a:rPr lang="ar-AE" altLang="zh-CN" b="1" i="1" kern="0">
+                                      <a:effectLst/>
+                                      <a:latin typeface="Cambria Math" panose="02040503050406030204" pitchFamily="18" charset="0"/>
+                                      <a:ea typeface="MS Mincho" charset="0"/>
+                                      <a:cs typeface="Cambria Math" panose="02040503050406030204" pitchFamily="18" charset="0"/>
+                                    </a:rPr>
+                                    <m:t>−</m:t>
+                                  </m:r>
+                                  <m:r>
+                                    <a:rPr lang="zh-CN" altLang="ar-AE" b="1" i="1" kern="0">
+                                      <a:effectLst/>
+                                      <a:latin typeface="Cambria Math" panose="02040503050406030204" pitchFamily="18" charset="0"/>
+                                      <a:ea typeface="宋体" panose="02010600030101010101" pitchFamily="2" charset="-122"/>
+                                      <a:cs typeface="Cambria Math" panose="02040503050406030204" pitchFamily="18" charset="0"/>
+                                    </a:rPr>
+                                    <m:t>𝟏</m:t>
+                                  </m:r>
+                                </m:sub>
+                              </m:sSub>
+                              <m:r>
+                                <a:rPr lang="ar-AE" altLang="zh-CN" b="1" i="1" kern="0">
+                                  <a:effectLst/>
+                                  <a:latin typeface="Cambria Math" panose="02040503050406030204" pitchFamily="18" charset="0"/>
+                                  <a:ea typeface="MS Mincho" charset="0"/>
+                                  <a:cs typeface="Cambria Math" panose="02040503050406030204" pitchFamily="18" charset="0"/>
+                                </a:rPr>
+                                <m:t>+</m:t>
+                              </m:r>
+                              <m:sSub>
+                                <m:sSubPr>
+                                  <m:ctrlPr>
+                                    <a:rPr lang="ar-AE" altLang="zh-CN" b="1" i="1" kern="0" smtClean="0">
+                                      <a:effectLst/>
+                                      <a:latin typeface="Cambria Math" panose="02040503050406030204" pitchFamily="18" charset="0"/>
+                                      <a:ea typeface="宋体" panose="02010600030101010101" pitchFamily="2" charset="-122"/>
+                                      <a:cs typeface="Cambria Math" panose="02040503050406030204" pitchFamily="18" charset="0"/>
+                                    </a:rPr>
+                                  </m:ctrlPr>
+                                </m:sSubPr>
+                                <m:e>
+                                  <m:r>
+                                    <a:rPr lang="zh-CN" altLang="ar-AE" b="1" i="1" kern="0" smtClean="0">
+                                      <a:effectLst/>
+                                      <a:latin typeface="Cambria Math" panose="02040503050406030204" pitchFamily="18" charset="0"/>
+                                      <a:ea typeface="宋体" panose="02010600030101010101" pitchFamily="2" charset="-122"/>
+                                      <a:cs typeface="Cambria Math" panose="02040503050406030204" pitchFamily="18" charset="0"/>
+                                    </a:rPr>
+                                    <m:t>𝒃</m:t>
+                                  </m:r>
+                                </m:e>
+                                <m:sub>
+                                  <m:r>
+                                    <a:rPr lang="en-US" altLang="zh-CN" b="1" i="1" kern="0" smtClean="0">
+                                      <a:effectLst/>
+                                      <a:latin typeface="Cambria Math" panose="02040503050406030204" pitchFamily="18" charset="0"/>
+                                      <a:ea typeface="宋体" panose="02010600030101010101" pitchFamily="2" charset="-122"/>
+                                      <a:cs typeface="Cambria Math" panose="02040503050406030204" pitchFamily="18" charset="0"/>
+                                    </a:rPr>
+                                    <m:t>𝒇</m:t>
+                                  </m:r>
+                                </m:sub>
+                              </m:sSub>
+                            </m:e>
+                          </m:d>
+                        </m:e>
+                      </m:func>
+                    </m:oMath>
+                  </m:oMathPara>
+                </a14:m>
+                <a:endParaRPr lang="en-US" altLang="zh-CN" dirty="0">
+                  <a:latin typeface="宋体" panose="02010600030101010101" pitchFamily="2" charset="-122"/>
+                  <a:ea typeface="宋体" panose="02010600030101010101" pitchFamily="2" charset="-122"/>
+                  <a:cs typeface="宋体" panose="02010600030101010101" pitchFamily="2" charset="-122"/>
+                </a:endParaRPr>
+              </a:p>
+              <a:p>
+                <a:pPr marL="0" indent="0">
+                  <a:buNone/>
+                </a:pPr>
+                <a14:m>
+                  <m:oMathPara xmlns:m="http://schemas.openxmlformats.org/officeDocument/2006/math">
+                    <m:oMathParaPr>
+                      <m:jc m:val="centerGroup"/>
+                    </m:oMathParaPr>
+                    <m:oMath xmlns:m="http://schemas.openxmlformats.org/officeDocument/2006/math">
+                      <m:sSub>
+                        <m:sSubPr>
+                          <m:ctrlPr>
+                            <a:rPr lang="ar-AE" altLang="zh-CN" b="1" i="1">
+                              <a:latin typeface="Cambria Math" panose="02040503050406030204" pitchFamily="18" charset="0"/>
+                              <a:ea typeface="宋体" panose="02010600030101010101" pitchFamily="2" charset="-122"/>
+                              <a:cs typeface="Cambria Math" panose="02040503050406030204" pitchFamily="18" charset="0"/>
+                            </a:rPr>
+                          </m:ctrlPr>
+                        </m:sSubPr>
+                        <m:e>
+                          <m:r>
+                            <a:rPr lang="en-US" altLang="zh-CN" b="1" i="1" smtClean="0">
+                              <a:latin typeface="Cambria Math" panose="02040503050406030204" pitchFamily="18" charset="0"/>
+                              <a:ea typeface="宋体" panose="02010600030101010101" pitchFamily="2" charset="-122"/>
+                              <a:cs typeface="Cambria Math" panose="02040503050406030204" pitchFamily="18" charset="0"/>
+                            </a:rPr>
+                            <m:t>𝒐</m:t>
+                          </m:r>
+                        </m:e>
+                        <m:sub>
+                          <m:r>
+                            <a:rPr lang="zh-CN" altLang="ar-AE" b="1" i="1" kern="0">
+                              <a:latin typeface="Cambria Math" panose="02040503050406030204" pitchFamily="18" charset="0"/>
+                              <a:ea typeface="宋体" panose="02010600030101010101" pitchFamily="2" charset="-122"/>
+                              <a:cs typeface="Cambria Math" panose="02040503050406030204" pitchFamily="18" charset="0"/>
+                            </a:rPr>
+                            <m:t>𝒕</m:t>
+                          </m:r>
+                        </m:sub>
+                      </m:sSub>
+                      <m:r>
+                        <a:rPr lang="ar-AE" altLang="zh-CN" i="1" kern="0">
+                          <a:latin typeface="Cambria Math" panose="02040503050406030204" pitchFamily="18" charset="0"/>
+                          <a:ea typeface="MS Mincho" charset="0"/>
+                          <a:cs typeface="Cambria Math" panose="02040503050406030204" pitchFamily="18" charset="0"/>
+                        </a:rPr>
+                        <m:t>=</m:t>
+                      </m:r>
+                      <m:func>
+                        <m:funcPr>
+                          <m:ctrlPr>
+                            <a:rPr lang="ar-AE" altLang="zh-CN" i="1">
+                              <a:latin typeface="Cambria Math" panose="02040503050406030204" pitchFamily="18" charset="0"/>
+                              <a:ea typeface="宋体" panose="02010600030101010101" pitchFamily="2" charset="-122"/>
+                              <a:cs typeface="Cambria Math" panose="02040503050406030204" pitchFamily="18" charset="0"/>
+                            </a:rPr>
+                          </m:ctrlPr>
+                        </m:funcPr>
+                        <m:fName>
+                          <m:r>
+                            <a:rPr lang="zh-CN" altLang="ar-AE" i="1" kern="0">
+                              <a:latin typeface="Cambria Math" panose="02040503050406030204" pitchFamily="18" charset="0"/>
+                              <a:ea typeface="MS Mincho" charset="0"/>
+                              <a:cs typeface="Cambria Math" panose="02040503050406030204" pitchFamily="18" charset="0"/>
+                            </a:rPr>
+                            <m:t>𝜎</m:t>
+                          </m:r>
+                        </m:fName>
+                        <m:e>
+                          <m:d>
+                            <m:dPr>
+                              <m:ctrlPr>
+                                <a:rPr lang="ar-AE" altLang="zh-CN" b="1" i="1">
+                                  <a:latin typeface="Cambria Math" panose="02040503050406030204" pitchFamily="18" charset="0"/>
+                                  <a:ea typeface="宋体" panose="02010600030101010101" pitchFamily="2" charset="-122"/>
+                                  <a:cs typeface="Cambria Math" panose="02040503050406030204" pitchFamily="18" charset="0"/>
+                                </a:rPr>
+                              </m:ctrlPr>
+                            </m:dPr>
+                            <m:e>
+                              <m:sSub>
+                                <m:sSubPr>
+                                  <m:ctrlPr>
+                                    <a:rPr lang="ar-AE" altLang="zh-CN" b="1" i="1">
+                                      <a:latin typeface="Cambria Math" panose="02040503050406030204" pitchFamily="18" charset="0"/>
+                                      <a:ea typeface="宋体" panose="02010600030101010101" pitchFamily="2" charset="-122"/>
+                                      <a:cs typeface="Cambria Math" panose="02040503050406030204" pitchFamily="18" charset="0"/>
+                                    </a:rPr>
+                                  </m:ctrlPr>
+                                </m:sSubPr>
+                                <m:e>
+                                  <m:r>
+                                    <a:rPr lang="zh-CN" altLang="ar-AE" b="1" i="1" kern="0">
+                                      <a:latin typeface="Cambria Math" panose="02040503050406030204" pitchFamily="18" charset="0"/>
+                                      <a:ea typeface="宋体" panose="02010600030101010101" pitchFamily="2" charset="-122"/>
+                                      <a:cs typeface="Cambria Math" panose="02040503050406030204" pitchFamily="18" charset="0"/>
+                                    </a:rPr>
+                                    <m:t>𝒘</m:t>
+                                  </m:r>
+                                </m:e>
+                                <m:sub>
+                                  <m:r>
+                                    <a:rPr lang="zh-CN" altLang="ar-AE" b="1" i="1" kern="0">
+                                      <a:latin typeface="Cambria Math" panose="02040503050406030204" pitchFamily="18" charset="0"/>
+                                      <a:ea typeface="宋体" panose="02010600030101010101" pitchFamily="2" charset="-122"/>
+                                      <a:cs typeface="Cambria Math" panose="02040503050406030204" pitchFamily="18" charset="0"/>
+                                    </a:rPr>
+                                    <m:t>𝒙</m:t>
+                                  </m:r>
+                                  <m:r>
+                                    <a:rPr lang="en-US" altLang="zh-CN" b="1" i="1" kern="0" smtClean="0">
+                                      <a:latin typeface="Cambria Math" panose="02040503050406030204" pitchFamily="18" charset="0"/>
+                                      <a:ea typeface="宋体" panose="02010600030101010101" pitchFamily="2" charset="-122"/>
+                                      <a:cs typeface="Cambria Math" panose="02040503050406030204" pitchFamily="18" charset="0"/>
+                                    </a:rPr>
+                                    <m:t>𝒐</m:t>
+                                  </m:r>
+                                </m:sub>
+                              </m:sSub>
+                              <m:sSub>
+                                <m:sSubPr>
+                                  <m:ctrlPr>
+                                    <a:rPr lang="ar-AE" altLang="zh-CN" b="1" i="1">
+                                      <a:latin typeface="Cambria Math" panose="02040503050406030204" pitchFamily="18" charset="0"/>
+                                      <a:ea typeface="宋体" panose="02010600030101010101" pitchFamily="2" charset="-122"/>
+                                      <a:cs typeface="Cambria Math" panose="02040503050406030204" pitchFamily="18" charset="0"/>
+                                    </a:rPr>
+                                  </m:ctrlPr>
+                                </m:sSubPr>
+                                <m:e>
+                                  <m:r>
+                                    <a:rPr lang="zh-CN" altLang="ar-AE" b="1" i="1" kern="0">
+                                      <a:latin typeface="Cambria Math" panose="02040503050406030204" pitchFamily="18" charset="0"/>
+                                      <a:ea typeface="宋体" panose="02010600030101010101" pitchFamily="2" charset="-122"/>
+                                      <a:cs typeface="Cambria Math" panose="02040503050406030204" pitchFamily="18" charset="0"/>
+                                    </a:rPr>
+                                    <m:t>𝒙</m:t>
+                                  </m:r>
+                                </m:e>
+                                <m:sub>
+                                  <m:r>
+                                    <a:rPr lang="zh-CN" altLang="ar-AE" b="1" i="1" kern="0">
+                                      <a:latin typeface="Cambria Math" panose="02040503050406030204" pitchFamily="18" charset="0"/>
+                                      <a:ea typeface="宋体" panose="02010600030101010101" pitchFamily="2" charset="-122"/>
+                                      <a:cs typeface="Cambria Math" panose="02040503050406030204" pitchFamily="18" charset="0"/>
+                                    </a:rPr>
+                                    <m:t>𝒕</m:t>
+                                  </m:r>
+                                </m:sub>
+                              </m:sSub>
+                              <m:r>
+                                <a:rPr lang="ar-AE" altLang="zh-CN" b="1" i="1" kern="0">
+                                  <a:latin typeface="Cambria Math" panose="02040503050406030204" pitchFamily="18" charset="0"/>
+                                  <a:ea typeface="MS Mincho" charset="0"/>
+                                  <a:cs typeface="Cambria Math" panose="02040503050406030204" pitchFamily="18" charset="0"/>
+                                </a:rPr>
+                                <m:t>+</m:t>
+                              </m:r>
+                              <m:sSub>
+                                <m:sSubPr>
+                                  <m:ctrlPr>
+                                    <a:rPr lang="ar-AE" altLang="zh-CN" b="1" i="1">
+                                      <a:latin typeface="Cambria Math" panose="02040503050406030204" pitchFamily="18" charset="0"/>
+                                      <a:ea typeface="宋体" panose="02010600030101010101" pitchFamily="2" charset="-122"/>
+                                      <a:cs typeface="Cambria Math" panose="02040503050406030204" pitchFamily="18" charset="0"/>
+                                    </a:rPr>
+                                  </m:ctrlPr>
+                                </m:sSubPr>
+                                <m:e>
+                                  <m:r>
+                                    <a:rPr lang="zh-CN" altLang="ar-AE" b="1" i="1" kern="0">
+                                      <a:latin typeface="Cambria Math" panose="02040503050406030204" pitchFamily="18" charset="0"/>
+                                      <a:ea typeface="宋体" panose="02010600030101010101" pitchFamily="2" charset="-122"/>
+                                      <a:cs typeface="Cambria Math" panose="02040503050406030204" pitchFamily="18" charset="0"/>
+                                    </a:rPr>
+                                    <m:t>𝒘</m:t>
+                                  </m:r>
+                                </m:e>
+                                <m:sub>
+                                  <m:r>
+                                    <a:rPr lang="zh-CN" altLang="ar-AE" b="1" i="1" kern="0">
+                                      <a:latin typeface="Cambria Math" panose="02040503050406030204" pitchFamily="18" charset="0"/>
+                                      <a:ea typeface="宋体" panose="02010600030101010101" pitchFamily="2" charset="-122"/>
+                                      <a:cs typeface="Cambria Math" panose="02040503050406030204" pitchFamily="18" charset="0"/>
+                                    </a:rPr>
+                                    <m:t>𝒉</m:t>
+                                  </m:r>
+                                  <m:r>
+                                    <a:rPr lang="en-US" altLang="zh-CN" b="1" i="1" kern="0" smtClean="0">
+                                      <a:latin typeface="Cambria Math" panose="02040503050406030204" pitchFamily="18" charset="0"/>
+                                      <a:ea typeface="宋体" panose="02010600030101010101" pitchFamily="2" charset="-122"/>
+                                      <a:cs typeface="Cambria Math" panose="02040503050406030204" pitchFamily="18" charset="0"/>
+                                    </a:rPr>
+                                    <m:t>𝒐</m:t>
+                                  </m:r>
+                                </m:sub>
+                              </m:sSub>
+                              <m:sSub>
+                                <m:sSubPr>
+                                  <m:ctrlPr>
+                                    <a:rPr lang="ar-AE" altLang="zh-CN" b="1" i="1">
+                                      <a:latin typeface="Cambria Math" panose="02040503050406030204" pitchFamily="18" charset="0"/>
+                                      <a:ea typeface="宋体" panose="02010600030101010101" pitchFamily="2" charset="-122"/>
+                                      <a:cs typeface="Cambria Math" panose="02040503050406030204" pitchFamily="18" charset="0"/>
+                                    </a:rPr>
+                                  </m:ctrlPr>
+                                </m:sSubPr>
+                                <m:e>
+                                  <m:r>
+                                    <a:rPr lang="zh-CN" altLang="ar-AE" b="1" i="1" kern="0">
+                                      <a:latin typeface="Cambria Math" panose="02040503050406030204" pitchFamily="18" charset="0"/>
+                                      <a:ea typeface="宋体" panose="02010600030101010101" pitchFamily="2" charset="-122"/>
+                                      <a:cs typeface="Cambria Math" panose="02040503050406030204" pitchFamily="18" charset="0"/>
+                                    </a:rPr>
+                                    <m:t>𝒉</m:t>
+                                  </m:r>
+                                </m:e>
+                                <m:sub>
+                                  <m:r>
+                                    <a:rPr lang="zh-CN" altLang="ar-AE" b="1" i="1" kern="0">
+                                      <a:latin typeface="Cambria Math" panose="02040503050406030204" pitchFamily="18" charset="0"/>
+                                      <a:ea typeface="宋体" panose="02010600030101010101" pitchFamily="2" charset="-122"/>
+                                      <a:cs typeface="Cambria Math" panose="02040503050406030204" pitchFamily="18" charset="0"/>
+                                    </a:rPr>
+                                    <m:t>𝒕</m:t>
+                                  </m:r>
+                                  <m:r>
+                                    <a:rPr lang="ar-AE" altLang="zh-CN" b="1" i="1" kern="0">
+                                      <a:latin typeface="Cambria Math" panose="02040503050406030204" pitchFamily="18" charset="0"/>
+                                      <a:ea typeface="MS Mincho" charset="0"/>
+                                      <a:cs typeface="Cambria Math" panose="02040503050406030204" pitchFamily="18" charset="0"/>
+                                    </a:rPr>
+                                    <m:t>−</m:t>
+                                  </m:r>
+                                  <m:r>
+                                    <a:rPr lang="zh-CN" altLang="ar-AE" b="1" i="1" kern="0">
+                                      <a:latin typeface="Cambria Math" panose="02040503050406030204" pitchFamily="18" charset="0"/>
+                                      <a:ea typeface="宋体" panose="02010600030101010101" pitchFamily="2" charset="-122"/>
+                                      <a:cs typeface="Cambria Math" panose="02040503050406030204" pitchFamily="18" charset="0"/>
+                                    </a:rPr>
+                                    <m:t>𝟏</m:t>
+                                  </m:r>
+                                </m:sub>
+                              </m:sSub>
+                              <m:r>
+                                <a:rPr lang="ar-AE" altLang="zh-CN" b="1" i="1" kern="0">
+                                  <a:latin typeface="Cambria Math" panose="02040503050406030204" pitchFamily="18" charset="0"/>
+                                  <a:ea typeface="MS Mincho" charset="0"/>
+                                  <a:cs typeface="Cambria Math" panose="02040503050406030204" pitchFamily="18" charset="0"/>
+                                </a:rPr>
+                                <m:t>+</m:t>
+                              </m:r>
+                              <m:sSub>
+                                <m:sSubPr>
+                                  <m:ctrlPr>
+                                    <a:rPr lang="ar-AE" altLang="zh-CN" b="1" i="1" kern="0">
+                                      <a:latin typeface="Cambria Math" panose="02040503050406030204" pitchFamily="18" charset="0"/>
+                                      <a:ea typeface="宋体" panose="02010600030101010101" pitchFamily="2" charset="-122"/>
+                                      <a:cs typeface="Cambria Math" panose="02040503050406030204" pitchFamily="18" charset="0"/>
+                                    </a:rPr>
+                                  </m:ctrlPr>
+                                </m:sSubPr>
+                                <m:e>
+                                  <m:r>
+                                    <a:rPr lang="zh-CN" altLang="ar-AE" b="1" i="1" kern="0">
+                                      <a:latin typeface="Cambria Math" panose="02040503050406030204" pitchFamily="18" charset="0"/>
+                                      <a:ea typeface="宋体" panose="02010600030101010101" pitchFamily="2" charset="-122"/>
+                                      <a:cs typeface="Cambria Math" panose="02040503050406030204" pitchFamily="18" charset="0"/>
+                                    </a:rPr>
+                                    <m:t>𝒃</m:t>
+                                  </m:r>
+                                </m:e>
+                                <m:sub>
+                                  <m:r>
+                                    <a:rPr lang="en-US" altLang="zh-CN" b="1" i="1" kern="0" smtClean="0">
+                                      <a:latin typeface="Cambria Math" panose="02040503050406030204" pitchFamily="18" charset="0"/>
+                                      <a:ea typeface="宋体" panose="02010600030101010101" pitchFamily="2" charset="-122"/>
+                                      <a:cs typeface="Cambria Math" panose="02040503050406030204" pitchFamily="18" charset="0"/>
+                                    </a:rPr>
+                                    <m:t>𝒐</m:t>
+                                  </m:r>
+                                </m:sub>
+                              </m:sSub>
+                            </m:e>
+                          </m:d>
+                        </m:e>
+                      </m:func>
+                    </m:oMath>
+                  </m:oMathPara>
+                </a14:m>
+                <a:endParaRPr lang="en-US" altLang="zh-CN" dirty="0">
+                  <a:latin typeface="宋体" panose="02010600030101010101" pitchFamily="2" charset="-122"/>
+                  <a:ea typeface="宋体" panose="02010600030101010101" pitchFamily="2" charset="-122"/>
+                  <a:cs typeface="宋体" panose="02010600030101010101" pitchFamily="2" charset="-122"/>
+                </a:endParaRPr>
+              </a:p>
+              <a:p>
+                <a:pPr marL="0" indent="0">
+                  <a:buNone/>
+                </a:pPr>
+                <a14:m>
+                  <m:oMathPara xmlns:m="http://schemas.openxmlformats.org/officeDocument/2006/math">
+                    <m:oMathParaPr>
+                      <m:jc m:val="centerGroup"/>
+                    </m:oMathParaPr>
+                    <m:oMath xmlns:m="http://schemas.openxmlformats.org/officeDocument/2006/math">
+                      <m:sSub>
+                        <m:sSubPr>
+                          <m:ctrlPr>
+                            <a:rPr lang="ar-AE" altLang="zh-CN" b="1" i="1">
+                              <a:latin typeface="Cambria Math" panose="02040503050406030204" pitchFamily="18" charset="0"/>
+                              <a:ea typeface="宋体" panose="02010600030101010101" pitchFamily="2" charset="-122"/>
+                              <a:cs typeface="Cambria Math" panose="02040503050406030204" pitchFamily="18" charset="0"/>
+                            </a:rPr>
+                          </m:ctrlPr>
+                        </m:sSubPr>
+                        <m:e>
+                          <m:acc>
+                            <m:accPr>
+                              <m:chr m:val="̃"/>
+                              <m:ctrlPr>
+                                <a:rPr lang="ar-AE" altLang="zh-CN" b="1" i="1">
+                                  <a:latin typeface="Cambria Math" panose="02040503050406030204" pitchFamily="18" charset="0"/>
+                                  <a:ea typeface="宋体" panose="02010600030101010101" pitchFamily="2" charset="-122"/>
+                                  <a:cs typeface="Cambria Math" panose="02040503050406030204" pitchFamily="18" charset="0"/>
+                                </a:rPr>
+                              </m:ctrlPr>
+                            </m:accPr>
+                            <m:e>
+                              <m:r>
+                                <a:rPr lang="en-US" altLang="zh-CN" b="1" i="1">
+                                  <a:latin typeface="Cambria Math" panose="02040503050406030204" pitchFamily="18" charset="0"/>
+                                  <a:ea typeface="宋体" panose="02010600030101010101" pitchFamily="2" charset="-122"/>
+                                  <a:cs typeface="Cambria Math" panose="02040503050406030204" pitchFamily="18" charset="0"/>
+                                </a:rPr>
+                                <m:t>𝒄</m:t>
+                              </m:r>
+                            </m:e>
+                          </m:acc>
+                        </m:e>
+                        <m:sub>
+                          <m:r>
+                            <a:rPr lang="zh-CN" altLang="ar-AE" b="1" i="1" kern="0">
+                              <a:latin typeface="Cambria Math" panose="02040503050406030204" pitchFamily="18" charset="0"/>
+                              <a:ea typeface="宋体" panose="02010600030101010101" pitchFamily="2" charset="-122"/>
+                              <a:cs typeface="Cambria Math" panose="02040503050406030204" pitchFamily="18" charset="0"/>
+                            </a:rPr>
+                            <m:t>𝒕</m:t>
+                          </m:r>
+                        </m:sub>
+                      </m:sSub>
+                      <m:r>
+                        <a:rPr lang="ar-AE" altLang="zh-CN" i="1" kern="0">
+                          <a:latin typeface="Cambria Math" panose="02040503050406030204" pitchFamily="18" charset="0"/>
+                          <a:ea typeface="MS Mincho" charset="0"/>
+                          <a:cs typeface="Cambria Math" panose="02040503050406030204" pitchFamily="18" charset="0"/>
+                        </a:rPr>
+                        <m:t>=</m:t>
+                      </m:r>
+                      <m:func>
+                        <m:funcPr>
+                          <m:ctrlPr>
+                            <a:rPr lang="ar-AE" altLang="zh-CN" i="1">
+                              <a:latin typeface="Cambria Math" panose="02040503050406030204" pitchFamily="18" charset="0"/>
+                              <a:ea typeface="宋体" panose="02010600030101010101" pitchFamily="2" charset="-122"/>
+                              <a:cs typeface="Cambria Math" panose="02040503050406030204" pitchFamily="18" charset="0"/>
+                            </a:rPr>
+                          </m:ctrlPr>
+                        </m:funcPr>
+                        <m:fName>
+                          <m:r>
+                            <a:rPr lang="ar-AE" altLang="el-GR" i="1" kern="0">
+                              <a:latin typeface="Cambria Math" panose="02040503050406030204" pitchFamily="18" charset="0"/>
+                              <a:ea typeface="MS Mincho" charset="0"/>
+                              <a:cs typeface="Cambria Math" panose="02040503050406030204" pitchFamily="18" charset="0"/>
+                            </a:rPr>
+                            <m:t>𝑡𝑎𝑛</m:t>
+                          </m:r>
+                          <m:r>
+                            <a:rPr lang="ar-AE" altLang="el-GR" i="1" kern="0">
+                              <a:latin typeface="Cambria Math" panose="02040503050406030204" pitchFamily="18" charset="0"/>
+                              <a:ea typeface="MS Mincho" charset="0"/>
+                              <a:cs typeface="Cambria Math" panose="02040503050406030204" pitchFamily="18" charset="0"/>
+                            </a:rPr>
+                            <m:t>h</m:t>
+                          </m:r>
+                        </m:fName>
+                        <m:e>
+                          <m:d>
+                            <m:dPr>
+                              <m:ctrlPr>
+                                <a:rPr lang="ar-AE" altLang="zh-CN" b="1" i="1">
+                                  <a:latin typeface="Cambria Math" panose="02040503050406030204" pitchFamily="18" charset="0"/>
+                                  <a:ea typeface="宋体" panose="02010600030101010101" pitchFamily="2" charset="-122"/>
+                                  <a:cs typeface="Cambria Math" panose="02040503050406030204" pitchFamily="18" charset="0"/>
+                                </a:rPr>
+                              </m:ctrlPr>
+                            </m:dPr>
+                            <m:e>
+                              <m:sSub>
+                                <m:sSubPr>
+                                  <m:ctrlPr>
+                                    <a:rPr lang="ar-AE" altLang="zh-CN" b="1" i="1">
+                                      <a:latin typeface="Cambria Math" panose="02040503050406030204" pitchFamily="18" charset="0"/>
+                                      <a:ea typeface="宋体" panose="02010600030101010101" pitchFamily="2" charset="-122"/>
+                                      <a:cs typeface="Cambria Math" panose="02040503050406030204" pitchFamily="18" charset="0"/>
+                                    </a:rPr>
+                                  </m:ctrlPr>
+                                </m:sSubPr>
+                                <m:e>
+                                  <m:r>
+                                    <a:rPr lang="zh-CN" altLang="ar-AE" b="1" i="1" kern="0">
+                                      <a:latin typeface="Cambria Math" panose="02040503050406030204" pitchFamily="18" charset="0"/>
+                                      <a:ea typeface="宋体" panose="02010600030101010101" pitchFamily="2" charset="-122"/>
+                                      <a:cs typeface="Cambria Math" panose="02040503050406030204" pitchFamily="18" charset="0"/>
+                                    </a:rPr>
+                                    <m:t>𝒘</m:t>
+                                  </m:r>
+                                </m:e>
+                                <m:sub>
+                                  <m:r>
+                                    <a:rPr lang="zh-CN" altLang="ar-AE" b="1" i="1" kern="0">
+                                      <a:latin typeface="Cambria Math" panose="02040503050406030204" pitchFamily="18" charset="0"/>
+                                      <a:ea typeface="宋体" panose="02010600030101010101" pitchFamily="2" charset="-122"/>
+                                      <a:cs typeface="Cambria Math" panose="02040503050406030204" pitchFamily="18" charset="0"/>
+                                    </a:rPr>
+                                    <m:t>𝒙</m:t>
+                                  </m:r>
+                                  <m:r>
+                                    <a:rPr lang="en-US" altLang="zh-CN" b="1" i="1" kern="0" smtClean="0">
+                                      <a:latin typeface="Cambria Math" panose="02040503050406030204" pitchFamily="18" charset="0"/>
+                                      <a:ea typeface="宋体" panose="02010600030101010101" pitchFamily="2" charset="-122"/>
+                                      <a:cs typeface="Cambria Math" panose="02040503050406030204" pitchFamily="18" charset="0"/>
+                                    </a:rPr>
+                                    <m:t>𝒄</m:t>
+                                  </m:r>
+                                </m:sub>
+                              </m:sSub>
+                              <m:sSub>
+                                <m:sSubPr>
+                                  <m:ctrlPr>
+                                    <a:rPr lang="ar-AE" altLang="zh-CN" b="1" i="1">
+                                      <a:latin typeface="Cambria Math" panose="02040503050406030204" pitchFamily="18" charset="0"/>
+                                      <a:ea typeface="宋体" panose="02010600030101010101" pitchFamily="2" charset="-122"/>
+                                      <a:cs typeface="Cambria Math" panose="02040503050406030204" pitchFamily="18" charset="0"/>
+                                    </a:rPr>
+                                  </m:ctrlPr>
+                                </m:sSubPr>
+                                <m:e>
+                                  <m:r>
+                                    <a:rPr lang="zh-CN" altLang="ar-AE" b="1" i="1" kern="0">
+                                      <a:latin typeface="Cambria Math" panose="02040503050406030204" pitchFamily="18" charset="0"/>
+                                      <a:ea typeface="宋体" panose="02010600030101010101" pitchFamily="2" charset="-122"/>
+                                      <a:cs typeface="Cambria Math" panose="02040503050406030204" pitchFamily="18" charset="0"/>
+                                    </a:rPr>
+                                    <m:t>𝒙</m:t>
+                                  </m:r>
+                                </m:e>
+                                <m:sub>
+                                  <m:r>
+                                    <a:rPr lang="zh-CN" altLang="ar-AE" b="1" i="1" kern="0">
+                                      <a:latin typeface="Cambria Math" panose="02040503050406030204" pitchFamily="18" charset="0"/>
+                                      <a:ea typeface="宋体" panose="02010600030101010101" pitchFamily="2" charset="-122"/>
+                                      <a:cs typeface="Cambria Math" panose="02040503050406030204" pitchFamily="18" charset="0"/>
+                                    </a:rPr>
+                                    <m:t>𝒕</m:t>
+                                  </m:r>
+                                </m:sub>
+                              </m:sSub>
+                              <m:r>
+                                <a:rPr lang="ar-AE" altLang="zh-CN" b="1" i="1" kern="0">
+                                  <a:latin typeface="Cambria Math" panose="02040503050406030204" pitchFamily="18" charset="0"/>
+                                  <a:ea typeface="MS Mincho" charset="0"/>
+                                  <a:cs typeface="Cambria Math" panose="02040503050406030204" pitchFamily="18" charset="0"/>
+                                </a:rPr>
+                                <m:t>+</m:t>
+                              </m:r>
+                              <m:sSub>
+                                <m:sSubPr>
+                                  <m:ctrlPr>
+                                    <a:rPr lang="ar-AE" altLang="zh-CN" b="1" i="1">
+                                      <a:latin typeface="Cambria Math" panose="02040503050406030204" pitchFamily="18" charset="0"/>
+                                      <a:ea typeface="宋体" panose="02010600030101010101" pitchFamily="2" charset="-122"/>
+                                      <a:cs typeface="Cambria Math" panose="02040503050406030204" pitchFamily="18" charset="0"/>
+                                    </a:rPr>
+                                  </m:ctrlPr>
+                                </m:sSubPr>
+                                <m:e>
+                                  <m:r>
+                                    <a:rPr lang="zh-CN" altLang="ar-AE" b="1" i="1" kern="0">
+                                      <a:latin typeface="Cambria Math" panose="02040503050406030204" pitchFamily="18" charset="0"/>
+                                      <a:ea typeface="宋体" panose="02010600030101010101" pitchFamily="2" charset="-122"/>
+                                      <a:cs typeface="Cambria Math" panose="02040503050406030204" pitchFamily="18" charset="0"/>
+                                    </a:rPr>
+                                    <m:t>𝒘</m:t>
+                                  </m:r>
+                                </m:e>
+                                <m:sub>
+                                  <m:r>
+                                    <a:rPr lang="zh-CN" altLang="ar-AE" b="1" i="1" kern="0">
+                                      <a:latin typeface="Cambria Math" panose="02040503050406030204" pitchFamily="18" charset="0"/>
+                                      <a:ea typeface="宋体" panose="02010600030101010101" pitchFamily="2" charset="-122"/>
+                                      <a:cs typeface="Cambria Math" panose="02040503050406030204" pitchFamily="18" charset="0"/>
+                                    </a:rPr>
+                                    <m:t>𝒉</m:t>
+                                  </m:r>
+                                  <m:r>
+                                    <a:rPr lang="en-US" altLang="zh-CN" b="1" i="1" kern="0" smtClean="0">
+                                      <a:latin typeface="Cambria Math" panose="02040503050406030204" pitchFamily="18" charset="0"/>
+                                      <a:ea typeface="宋体" panose="02010600030101010101" pitchFamily="2" charset="-122"/>
+                                      <a:cs typeface="Cambria Math" panose="02040503050406030204" pitchFamily="18" charset="0"/>
+                                    </a:rPr>
+                                    <m:t>𝒄</m:t>
+                                  </m:r>
+                                </m:sub>
+                              </m:sSub>
+                              <m:sSub>
+                                <m:sSubPr>
+                                  <m:ctrlPr>
+                                    <a:rPr lang="ar-AE" altLang="zh-CN" b="1" i="1">
+                                      <a:latin typeface="Cambria Math" panose="02040503050406030204" pitchFamily="18" charset="0"/>
+                                      <a:ea typeface="宋体" panose="02010600030101010101" pitchFamily="2" charset="-122"/>
+                                      <a:cs typeface="Cambria Math" panose="02040503050406030204" pitchFamily="18" charset="0"/>
+                                    </a:rPr>
+                                  </m:ctrlPr>
+                                </m:sSubPr>
+                                <m:e>
+                                  <m:r>
+                                    <a:rPr lang="zh-CN" altLang="ar-AE" b="1" i="1" kern="0">
+                                      <a:latin typeface="Cambria Math" panose="02040503050406030204" pitchFamily="18" charset="0"/>
+                                      <a:ea typeface="宋体" panose="02010600030101010101" pitchFamily="2" charset="-122"/>
+                                      <a:cs typeface="Cambria Math" panose="02040503050406030204" pitchFamily="18" charset="0"/>
+                                    </a:rPr>
+                                    <m:t>𝒉</m:t>
+                                  </m:r>
+                                </m:e>
+                                <m:sub>
+                                  <m:r>
+                                    <a:rPr lang="zh-CN" altLang="ar-AE" b="1" i="1" kern="0">
+                                      <a:latin typeface="Cambria Math" panose="02040503050406030204" pitchFamily="18" charset="0"/>
+                                      <a:ea typeface="宋体" panose="02010600030101010101" pitchFamily="2" charset="-122"/>
+                                      <a:cs typeface="Cambria Math" panose="02040503050406030204" pitchFamily="18" charset="0"/>
+                                    </a:rPr>
+                                    <m:t>𝒕</m:t>
+                                  </m:r>
+                                  <m:r>
+                                    <a:rPr lang="ar-AE" altLang="zh-CN" b="1" i="1" kern="0">
+                                      <a:latin typeface="Cambria Math" panose="02040503050406030204" pitchFamily="18" charset="0"/>
+                                      <a:ea typeface="MS Mincho" charset="0"/>
+                                      <a:cs typeface="Cambria Math" panose="02040503050406030204" pitchFamily="18" charset="0"/>
+                                    </a:rPr>
+                                    <m:t>−</m:t>
+                                  </m:r>
+                                  <m:r>
+                                    <a:rPr lang="zh-CN" altLang="ar-AE" b="1" i="1" kern="0">
+                                      <a:latin typeface="Cambria Math" panose="02040503050406030204" pitchFamily="18" charset="0"/>
+                                      <a:ea typeface="宋体" panose="02010600030101010101" pitchFamily="2" charset="-122"/>
+                                      <a:cs typeface="Cambria Math" panose="02040503050406030204" pitchFamily="18" charset="0"/>
+                                    </a:rPr>
+                                    <m:t>𝟏</m:t>
+                                  </m:r>
+                                </m:sub>
+                              </m:sSub>
+                              <m:r>
+                                <a:rPr lang="ar-AE" altLang="zh-CN" b="1" i="1" kern="0">
+                                  <a:latin typeface="Cambria Math" panose="02040503050406030204" pitchFamily="18" charset="0"/>
+                                  <a:ea typeface="MS Mincho" charset="0"/>
+                                  <a:cs typeface="Cambria Math" panose="02040503050406030204" pitchFamily="18" charset="0"/>
+                                </a:rPr>
+                                <m:t>+</m:t>
+                              </m:r>
+                              <m:sSub>
+                                <m:sSubPr>
+                                  <m:ctrlPr>
+                                    <a:rPr lang="ar-AE" altLang="zh-CN" b="1" i="1" kern="0">
+                                      <a:latin typeface="Cambria Math" panose="02040503050406030204" pitchFamily="18" charset="0"/>
+                                      <a:ea typeface="宋体" panose="02010600030101010101" pitchFamily="2" charset="-122"/>
+                                      <a:cs typeface="Cambria Math" panose="02040503050406030204" pitchFamily="18" charset="0"/>
+                                    </a:rPr>
+                                  </m:ctrlPr>
+                                </m:sSubPr>
+                                <m:e>
+                                  <m:r>
+                                    <a:rPr lang="zh-CN" altLang="ar-AE" b="1" i="1" kern="0">
+                                      <a:latin typeface="Cambria Math" panose="02040503050406030204" pitchFamily="18" charset="0"/>
+                                      <a:ea typeface="宋体" panose="02010600030101010101" pitchFamily="2" charset="-122"/>
+                                      <a:cs typeface="Cambria Math" panose="02040503050406030204" pitchFamily="18" charset="0"/>
+                                    </a:rPr>
+                                    <m:t>𝒃</m:t>
+                                  </m:r>
+                                </m:e>
+                                <m:sub>
+                                  <m:r>
+                                    <a:rPr lang="en-US" altLang="zh-CN" b="1" i="1" kern="0" smtClean="0">
+                                      <a:latin typeface="Cambria Math" panose="02040503050406030204" pitchFamily="18" charset="0"/>
+                                      <a:ea typeface="宋体" panose="02010600030101010101" pitchFamily="2" charset="-122"/>
+                                      <a:cs typeface="Cambria Math" panose="02040503050406030204" pitchFamily="18" charset="0"/>
+                                    </a:rPr>
+                                    <m:t>𝒄</m:t>
+                                  </m:r>
+                                </m:sub>
+                              </m:sSub>
+                            </m:e>
+                          </m:d>
+                        </m:e>
+                      </m:func>
+                    </m:oMath>
+                  </m:oMathPara>
+                </a14:m>
+                <a:endParaRPr lang="ar-AE" altLang="zh-CN" dirty="0">
+                  <a:latin typeface="宋体" panose="02010600030101010101" pitchFamily="2" charset="-122"/>
+                  <a:ea typeface="宋体" panose="02010600030101010101" pitchFamily="2" charset="-122"/>
+                  <a:cs typeface="宋体" panose="02010600030101010101" pitchFamily="2" charset="-122"/>
+                </a:endParaRPr>
+              </a:p>
+              <a:p>
+                <a:pPr marL="0" indent="0">
+                  <a:buNone/>
+                </a:pPr>
+                <a14:m>
+                  <m:oMathPara xmlns:m="http://schemas.openxmlformats.org/officeDocument/2006/math">
+                    <m:oMathParaPr>
+                      <m:jc m:val="centerGroup"/>
+                    </m:oMathParaPr>
+                    <m:oMath xmlns:m="http://schemas.openxmlformats.org/officeDocument/2006/math">
+                      <m:sSub>
+                        <m:sSubPr>
+                          <m:ctrlPr>
+                            <a:rPr lang="ar-AE" altLang="zh-CN" i="1" smtClean="0">
+                              <a:effectLst/>
+                              <a:latin typeface="Cambria Math" panose="02040503050406030204" pitchFamily="18" charset="0"/>
+                              <a:ea typeface="宋体" panose="02010600030101010101" pitchFamily="2" charset="-122"/>
+                              <a:cs typeface="Cambria Math" panose="02040503050406030204" pitchFamily="18" charset="0"/>
+                            </a:rPr>
+                          </m:ctrlPr>
+                        </m:sSubPr>
+                        <m:e>
+                          <m:r>
+                            <a:rPr lang="en-US" altLang="zh-CN" sz="1800" b="1" i="1" kern="0" smtClean="0">
+                              <a:effectLst/>
+                              <a:latin typeface="Cambria Math" panose="02040503050406030204" pitchFamily="18" charset="0"/>
+                              <a:ea typeface="宋体" panose="02010600030101010101" pitchFamily="2" charset="-122"/>
+                              <a:cs typeface="Cambria Math" panose="02040503050406030204" pitchFamily="18" charset="0"/>
+                            </a:rPr>
+                            <m:t>𝒄</m:t>
+                          </m:r>
+                        </m:e>
+                        <m:sub>
+                          <m:r>
+                            <a:rPr lang="zh-CN" altLang="ar-AE" sz="1800" i="1" kern="0">
+                              <a:effectLst/>
+                              <a:latin typeface="Cambria Math" panose="02040503050406030204" pitchFamily="18" charset="0"/>
+                              <a:ea typeface="宋体" panose="02010600030101010101" pitchFamily="2" charset="-122"/>
+                              <a:cs typeface="Cambria Math" panose="02040503050406030204" pitchFamily="18" charset="0"/>
+                            </a:rPr>
+                            <m:t>𝑡</m:t>
+                          </m:r>
+                        </m:sub>
+                      </m:sSub>
+                      <m:r>
+                        <a:rPr lang="ar-AE" altLang="zh-CN" sz="1800" i="1" kern="0">
+                          <a:effectLst/>
+                          <a:latin typeface="Cambria Math" panose="02040503050406030204" pitchFamily="18" charset="0"/>
+                          <a:ea typeface="MS Mincho" charset="0"/>
+                          <a:cs typeface="Cambria Math" panose="02040503050406030204" pitchFamily="18" charset="0"/>
+                        </a:rPr>
+                        <m:t>=</m:t>
+                      </m:r>
+                      <m:sSub>
+                        <m:sSubPr>
+                          <m:ctrlPr>
+                            <a:rPr lang="ar-AE" altLang="zh-CN" b="1" i="1" smtClean="0">
+                              <a:effectLst/>
+                              <a:latin typeface="Cambria Math" panose="02040503050406030204" pitchFamily="18" charset="0"/>
+                              <a:ea typeface="宋体" panose="02010600030101010101" pitchFamily="2" charset="-122"/>
+                              <a:cs typeface="Cambria Math" panose="02040503050406030204" pitchFamily="18" charset="0"/>
+                            </a:rPr>
+                          </m:ctrlPr>
+                        </m:sSubPr>
+                        <m:e>
+                          <m:r>
+                            <a:rPr lang="en-US" altLang="zh-CN" b="1" i="1" smtClean="0">
+                              <a:effectLst/>
+                              <a:latin typeface="Cambria Math" panose="02040503050406030204" pitchFamily="18" charset="0"/>
+                              <a:ea typeface="宋体" panose="02010600030101010101" pitchFamily="2" charset="-122"/>
+                              <a:cs typeface="Cambria Math" panose="02040503050406030204" pitchFamily="18" charset="0"/>
+                            </a:rPr>
+                            <m:t>𝒇</m:t>
+                          </m:r>
+                        </m:e>
+                        <m:sub>
+                          <m:r>
+                            <a:rPr lang="zh-CN" altLang="ar-AE" b="1" i="1" kern="0">
+                              <a:effectLst/>
+                              <a:latin typeface="Cambria Math" panose="02040503050406030204" pitchFamily="18" charset="0"/>
+                              <a:ea typeface="宋体" panose="02010600030101010101" pitchFamily="2" charset="-122"/>
+                              <a:cs typeface="Cambria Math" panose="02040503050406030204" pitchFamily="18" charset="0"/>
+                            </a:rPr>
+                            <m:t>𝒕</m:t>
+                          </m:r>
+                        </m:sub>
+                      </m:sSub>
+                      <m:r>
+                        <a:rPr lang="ar-AE" altLang="zh-CN" b="1" i="1" kern="0">
+                          <a:effectLst/>
+                          <a:latin typeface="Cambria Math" panose="02040503050406030204" pitchFamily="18" charset="0"/>
+                          <a:ea typeface="MS Mincho" charset="0"/>
+                          <a:cs typeface="Cambria Math" panose="02040503050406030204" pitchFamily="18" charset="0"/>
+                        </a:rPr>
+                        <m:t>⊙</m:t>
+                      </m:r>
+                      <m:sSub>
+                        <m:sSubPr>
+                          <m:ctrlPr>
+                            <a:rPr lang="ar-AE" altLang="zh-CN" b="1" i="1">
+                              <a:effectLst/>
+                              <a:latin typeface="Cambria Math" panose="02040503050406030204" pitchFamily="18" charset="0"/>
+                              <a:ea typeface="宋体" panose="02010600030101010101" pitchFamily="2" charset="-122"/>
+                              <a:cs typeface="Cambria Math" panose="02040503050406030204" pitchFamily="18" charset="0"/>
+                            </a:rPr>
+                          </m:ctrlPr>
+                        </m:sSubPr>
+                        <m:e>
+                          <m:r>
+                            <a:rPr lang="en-US" altLang="zh-CN" b="1" i="1" kern="0" smtClean="0">
+                              <a:effectLst/>
+                              <a:latin typeface="Cambria Math" panose="02040503050406030204" pitchFamily="18" charset="0"/>
+                              <a:ea typeface="宋体" panose="02010600030101010101" pitchFamily="2" charset="-122"/>
+                              <a:cs typeface="Cambria Math" panose="02040503050406030204" pitchFamily="18" charset="0"/>
+                            </a:rPr>
+                            <m:t>𝒄</m:t>
+                          </m:r>
+                        </m:e>
+                        <m:sub>
+                          <m:r>
+                            <a:rPr lang="zh-CN" altLang="ar-AE" b="1" i="1" kern="0">
+                              <a:effectLst/>
+                              <a:latin typeface="Cambria Math" panose="02040503050406030204" pitchFamily="18" charset="0"/>
+                              <a:ea typeface="宋体" panose="02010600030101010101" pitchFamily="2" charset="-122"/>
+                              <a:cs typeface="Cambria Math" panose="02040503050406030204" pitchFamily="18" charset="0"/>
+                            </a:rPr>
+                            <m:t>𝒕</m:t>
+                          </m:r>
+                          <m:r>
+                            <a:rPr lang="ar-AE" altLang="zh-CN" b="1" i="1" kern="0">
+                              <a:effectLst/>
+                              <a:latin typeface="Cambria Math" panose="02040503050406030204" pitchFamily="18" charset="0"/>
+                              <a:ea typeface="MS Mincho" charset="0"/>
+                              <a:cs typeface="Cambria Math" panose="02040503050406030204" pitchFamily="18" charset="0"/>
+                            </a:rPr>
+                            <m:t>−</m:t>
+                          </m:r>
+                          <m:r>
+                            <a:rPr lang="zh-CN" altLang="ar-AE" b="1" i="1" kern="0">
+                              <a:effectLst/>
+                              <a:latin typeface="Cambria Math" panose="02040503050406030204" pitchFamily="18" charset="0"/>
+                              <a:ea typeface="宋体" panose="02010600030101010101" pitchFamily="2" charset="-122"/>
+                              <a:cs typeface="Cambria Math" panose="02040503050406030204" pitchFamily="18" charset="0"/>
+                            </a:rPr>
+                            <m:t>𝟏</m:t>
+                          </m:r>
+                        </m:sub>
+                      </m:sSub>
+                      <m:r>
+                        <a:rPr lang="ar-AE" altLang="zh-CN" b="1" i="1" kern="0">
+                          <a:effectLst/>
+                          <a:latin typeface="Cambria Math" panose="02040503050406030204" pitchFamily="18" charset="0"/>
+                          <a:ea typeface="宋体" panose="02010600030101010101" pitchFamily="2" charset="-122"/>
+                          <a:cs typeface="Cambria Math" panose="02040503050406030204" pitchFamily="18" charset="0"/>
+                        </a:rPr>
+                        <m:t>+</m:t>
+                      </m:r>
+                      <m:sSub>
+                        <m:sSubPr>
+                          <m:ctrlPr>
+                            <a:rPr lang="en-US" altLang="zh-CN" b="1" i="1" kern="0" smtClean="0">
+                              <a:effectLst/>
+                              <a:latin typeface="Cambria Math" panose="02040503050406030204" pitchFamily="18" charset="0"/>
+                              <a:ea typeface="宋体" panose="02010600030101010101" pitchFamily="2" charset="-122"/>
+                              <a:cs typeface="Cambria Math" panose="02040503050406030204" pitchFamily="18" charset="0"/>
+                            </a:rPr>
+                          </m:ctrlPr>
+                        </m:sSubPr>
+                        <m:e>
+                          <m:r>
+                            <a:rPr lang="en-US" altLang="zh-CN" b="1" i="1" kern="0" smtClean="0">
+                              <a:effectLst/>
+                              <a:latin typeface="Cambria Math" panose="02040503050406030204" pitchFamily="18" charset="0"/>
+                              <a:ea typeface="宋体" panose="02010600030101010101" pitchFamily="2" charset="-122"/>
+                              <a:cs typeface="Cambria Math" panose="02040503050406030204" pitchFamily="18" charset="0"/>
+                            </a:rPr>
+                            <m:t>𝒊</m:t>
+                          </m:r>
+                        </m:e>
+                        <m:sub>
+                          <m:r>
+                            <a:rPr lang="en-US" altLang="zh-CN" b="1" i="1" kern="0" smtClean="0">
+                              <a:effectLst/>
+                              <a:latin typeface="Cambria Math" panose="02040503050406030204" pitchFamily="18" charset="0"/>
+                              <a:ea typeface="宋体" panose="02010600030101010101" pitchFamily="2" charset="-122"/>
+                              <a:cs typeface="Cambria Math" panose="02040503050406030204" pitchFamily="18" charset="0"/>
+                            </a:rPr>
+                            <m:t>𝒕</m:t>
+                          </m:r>
+                        </m:sub>
+                      </m:sSub>
+                      <m:r>
+                        <a:rPr lang="ar-AE" altLang="zh-CN" b="1" i="1" kern="0">
+                          <a:effectLst/>
+                          <a:latin typeface="Cambria Math" panose="02040503050406030204" pitchFamily="18" charset="0"/>
+                          <a:ea typeface="MS Mincho" charset="0"/>
+                          <a:cs typeface="Cambria Math" panose="02040503050406030204" pitchFamily="18" charset="0"/>
+                        </a:rPr>
+                        <m:t>⊙</m:t>
+                      </m:r>
+                      <m:sSub>
+                        <m:sSubPr>
+                          <m:ctrlPr>
+                            <a:rPr lang="ar-AE" altLang="zh-CN" b="1" i="1" smtClean="0">
+                              <a:effectLst/>
+                              <a:latin typeface="Cambria Math" panose="02040503050406030204" pitchFamily="18" charset="0"/>
+                              <a:ea typeface="宋体" panose="02010600030101010101" pitchFamily="2" charset="-122"/>
+                              <a:cs typeface="Cambria Math" panose="02040503050406030204" pitchFamily="18" charset="0"/>
+                            </a:rPr>
+                          </m:ctrlPr>
+                        </m:sSubPr>
+                        <m:e>
+                          <m:acc>
+                            <m:accPr>
+                              <m:chr m:val="̃"/>
+                              <m:ctrlPr>
+                                <a:rPr lang="ar-AE" altLang="zh-CN" b="1" i="1" smtClean="0">
+                                  <a:effectLst/>
+                                  <a:latin typeface="Cambria Math" panose="02040503050406030204" pitchFamily="18" charset="0"/>
+                                  <a:ea typeface="宋体" panose="02010600030101010101" pitchFamily="2" charset="-122"/>
+                                  <a:cs typeface="Cambria Math" panose="02040503050406030204" pitchFamily="18" charset="0"/>
+                                </a:rPr>
+                              </m:ctrlPr>
+                            </m:accPr>
+                            <m:e>
+                              <m:r>
+                                <a:rPr lang="en-US" altLang="zh-CN" b="1" i="1" smtClean="0">
+                                  <a:effectLst/>
+                                  <a:latin typeface="Cambria Math" panose="02040503050406030204" pitchFamily="18" charset="0"/>
+                                  <a:ea typeface="宋体" panose="02010600030101010101" pitchFamily="2" charset="-122"/>
+                                  <a:cs typeface="Cambria Math" panose="02040503050406030204" pitchFamily="18" charset="0"/>
+                                </a:rPr>
+                                <m:t>𝒄</m:t>
+                              </m:r>
+                            </m:e>
+                          </m:acc>
+                        </m:e>
+                        <m:sub>
+                          <m:r>
+                            <a:rPr lang="zh-CN" altLang="ar-AE" b="1" i="1" kern="0">
+                              <a:effectLst/>
+                              <a:latin typeface="Cambria Math" panose="02040503050406030204" pitchFamily="18" charset="0"/>
+                              <a:ea typeface="宋体" panose="02010600030101010101" pitchFamily="2" charset="-122"/>
+                              <a:cs typeface="Cambria Math" panose="02040503050406030204" pitchFamily="18" charset="0"/>
+                            </a:rPr>
+                            <m:t>𝒕</m:t>
+                          </m:r>
+                        </m:sub>
+                      </m:sSub>
+                    </m:oMath>
+                  </m:oMathPara>
+                </a14:m>
+                <a:endParaRPr lang="en-US" altLang="zh-CN" dirty="0">
+                  <a:latin typeface="宋体" panose="02010600030101010101" pitchFamily="2" charset="-122"/>
+                  <a:ea typeface="宋体" panose="02010600030101010101" pitchFamily="2" charset="-122"/>
+                  <a:cs typeface="宋体" panose="02010600030101010101" pitchFamily="2" charset="-122"/>
+                </a:endParaRPr>
+              </a:p>
+              <a:p>
+                <a:pPr marL="0" indent="0">
+                  <a:buNone/>
+                </a:pPr>
+                <a14:m>
+                  <m:oMathPara xmlns:m="http://schemas.openxmlformats.org/officeDocument/2006/math">
+                    <m:oMathParaPr>
+                      <m:jc m:val="centerGroup"/>
+                    </m:oMathParaPr>
+                    <m:oMath xmlns:m="http://schemas.openxmlformats.org/officeDocument/2006/math">
+                      <m:sSub>
+                        <m:sSubPr>
+                          <m:ctrlPr>
+                            <a:rPr lang="ar-AE" altLang="zh-CN" i="1">
+                              <a:latin typeface="Cambria Math" panose="02040503050406030204" pitchFamily="18" charset="0"/>
+                              <a:ea typeface="宋体" panose="02010600030101010101" pitchFamily="2" charset="-122"/>
+                              <a:cs typeface="Cambria Math" panose="02040503050406030204" pitchFamily="18" charset="0"/>
+                            </a:rPr>
+                          </m:ctrlPr>
+                        </m:sSubPr>
+                        <m:e>
+                          <m:r>
+                            <a:rPr lang="en-US" altLang="zh-CN" b="1" i="1" smtClean="0">
+                              <a:latin typeface="Cambria Math" panose="02040503050406030204" pitchFamily="18" charset="0"/>
+                              <a:ea typeface="宋体" panose="02010600030101010101" pitchFamily="2" charset="-122"/>
+                              <a:cs typeface="Cambria Math" panose="02040503050406030204" pitchFamily="18" charset="0"/>
+                            </a:rPr>
+                            <m:t>𝒉</m:t>
+                          </m:r>
+                        </m:e>
+                        <m:sub>
+                          <m:r>
+                            <a:rPr lang="zh-CN" altLang="ar-AE" sz="1800" i="1" kern="0">
+                              <a:latin typeface="Cambria Math" panose="02040503050406030204" pitchFamily="18" charset="0"/>
+                              <a:ea typeface="宋体" panose="02010600030101010101" pitchFamily="2" charset="-122"/>
+                              <a:cs typeface="Cambria Math" panose="02040503050406030204" pitchFamily="18" charset="0"/>
+                            </a:rPr>
+                            <m:t>𝑡</m:t>
+                          </m:r>
+                        </m:sub>
+                      </m:sSub>
+                      <m:r>
+                        <a:rPr lang="ar-AE" altLang="zh-CN" sz="1800" i="1" kern="0">
+                          <a:latin typeface="Cambria Math" panose="02040503050406030204" pitchFamily="18" charset="0"/>
+                          <a:ea typeface="MS Mincho" charset="0"/>
+                          <a:cs typeface="Cambria Math" panose="02040503050406030204" pitchFamily="18" charset="0"/>
+                        </a:rPr>
+                        <m:t>=</m:t>
+                      </m:r>
+                      <m:sSub>
+                        <m:sSubPr>
+                          <m:ctrlPr>
+                            <a:rPr lang="ar-AE" altLang="zh-CN" b="1" i="1">
+                              <a:latin typeface="Cambria Math" panose="02040503050406030204" pitchFamily="18" charset="0"/>
+                              <a:ea typeface="宋体" panose="02010600030101010101" pitchFamily="2" charset="-122"/>
+                              <a:cs typeface="Cambria Math" panose="02040503050406030204" pitchFamily="18" charset="0"/>
+                            </a:rPr>
+                          </m:ctrlPr>
+                        </m:sSubPr>
+                        <m:e>
+                          <m:r>
+                            <a:rPr lang="en-US" altLang="zh-CN" b="1" i="1" smtClean="0">
+                              <a:latin typeface="Cambria Math" panose="02040503050406030204" pitchFamily="18" charset="0"/>
+                              <a:ea typeface="宋体" panose="02010600030101010101" pitchFamily="2" charset="-122"/>
+                              <a:cs typeface="Cambria Math" panose="02040503050406030204" pitchFamily="18" charset="0"/>
+                            </a:rPr>
+                            <m:t>𝒐</m:t>
+                          </m:r>
+                        </m:e>
+                        <m:sub>
+                          <m:r>
+                            <a:rPr lang="zh-CN" altLang="ar-AE" b="1" i="1" kern="0">
+                              <a:latin typeface="Cambria Math" panose="02040503050406030204" pitchFamily="18" charset="0"/>
+                              <a:ea typeface="宋体" panose="02010600030101010101" pitchFamily="2" charset="-122"/>
+                              <a:cs typeface="Cambria Math" panose="02040503050406030204" pitchFamily="18" charset="0"/>
+                            </a:rPr>
+                            <m:t>𝒕</m:t>
+                          </m:r>
+                        </m:sub>
+                      </m:sSub>
+                      <m:r>
+                        <a:rPr lang="ar-AE" altLang="zh-CN" b="1" i="1" kern="0">
+                          <a:latin typeface="Cambria Math" panose="02040503050406030204" pitchFamily="18" charset="0"/>
+                          <a:ea typeface="MS Mincho" charset="0"/>
+                          <a:cs typeface="Cambria Math" panose="02040503050406030204" pitchFamily="18" charset="0"/>
+                        </a:rPr>
+                        <m:t>⊙</m:t>
+                      </m:r>
+                      <m:r>
+                        <a:rPr lang="en-US" altLang="zh-CN" b="0" i="1" kern="0" smtClean="0">
+                          <a:latin typeface="Cambria Math" panose="02040503050406030204" pitchFamily="18" charset="0"/>
+                          <a:ea typeface="MS Mincho" charset="0"/>
+                          <a:cs typeface="Cambria Math" panose="02040503050406030204" pitchFamily="18" charset="0"/>
+                        </a:rPr>
+                        <m:t>𝑡𝑎𝑛</m:t>
+                      </m:r>
+                      <m:r>
+                        <a:rPr lang="en-US" altLang="zh-CN" b="0" i="1" kern="0" smtClean="0">
+                          <a:latin typeface="Cambria Math" panose="02040503050406030204" pitchFamily="18" charset="0"/>
+                          <a:ea typeface="MS Mincho" charset="0"/>
+                          <a:cs typeface="Cambria Math" panose="02040503050406030204" pitchFamily="18" charset="0"/>
+                        </a:rPr>
+                        <m:t>h</m:t>
+                      </m:r>
+                      <m:r>
+                        <a:rPr lang="en-US" altLang="zh-CN" b="1" i="1" kern="0" smtClean="0">
+                          <a:latin typeface="Cambria Math" panose="02040503050406030204" pitchFamily="18" charset="0"/>
+                          <a:ea typeface="MS Mincho" charset="0"/>
+                          <a:cs typeface="Cambria Math" panose="02040503050406030204" pitchFamily="18" charset="0"/>
+                        </a:rPr>
+                        <m:t>(</m:t>
+                      </m:r>
+                      <m:sSub>
+                        <m:sSubPr>
+                          <m:ctrlPr>
+                            <a:rPr lang="en-US" altLang="zh-CN" b="1" i="1" kern="0" smtClean="0">
+                              <a:latin typeface="Cambria Math" panose="02040503050406030204" pitchFamily="18" charset="0"/>
+                              <a:ea typeface="MS Mincho" charset="0"/>
+                              <a:cs typeface="Cambria Math" panose="02040503050406030204" pitchFamily="18" charset="0"/>
+                            </a:rPr>
+                          </m:ctrlPr>
+                        </m:sSubPr>
+                        <m:e>
+                          <m:r>
+                            <a:rPr lang="en-US" altLang="zh-CN" b="1" i="1" kern="0" smtClean="0">
+                              <a:latin typeface="Cambria Math" panose="02040503050406030204" pitchFamily="18" charset="0"/>
+                              <a:ea typeface="MS Mincho" charset="0"/>
+                              <a:cs typeface="Cambria Math" panose="02040503050406030204" pitchFamily="18" charset="0"/>
+                            </a:rPr>
+                            <m:t>𝒄</m:t>
+                          </m:r>
+                        </m:e>
+                        <m:sub>
+                          <m:r>
+                            <a:rPr lang="en-US" altLang="zh-CN" b="1" i="1" kern="0" smtClean="0">
+                              <a:latin typeface="Cambria Math" panose="02040503050406030204" pitchFamily="18" charset="0"/>
+                              <a:ea typeface="MS Mincho" charset="0"/>
+                              <a:cs typeface="Cambria Math" panose="02040503050406030204" pitchFamily="18" charset="0"/>
+                            </a:rPr>
+                            <m:t>𝒕</m:t>
+                          </m:r>
+                        </m:sub>
+                      </m:sSub>
+                      <m:r>
+                        <a:rPr lang="en-US" altLang="zh-CN" b="1" i="1" kern="0" smtClean="0">
+                          <a:latin typeface="Cambria Math" panose="02040503050406030204" pitchFamily="18" charset="0"/>
+                          <a:ea typeface="MS Mincho" charset="0"/>
+                          <a:cs typeface="Cambria Math" panose="02040503050406030204" pitchFamily="18" charset="0"/>
+                        </a:rPr>
+                        <m:t>)</m:t>
+                      </m:r>
+                    </m:oMath>
+                  </m:oMathPara>
+                </a14:m>
+                <a:endParaRPr lang="ar-AE" altLang="zh-CN" dirty="0">
+                  <a:latin typeface="宋体" panose="02010600030101010101" pitchFamily="2" charset="-122"/>
+                  <a:ea typeface="宋体" panose="02010600030101010101" pitchFamily="2" charset="-122"/>
+                  <a:cs typeface="宋体" panose="02010600030101010101" pitchFamily="2" charset="-122"/>
+                </a:endParaRPr>
+              </a:p>
+              <a:p>
+                <a:pPr marL="0" indent="0">
+                  <a:buNone/>
+                </a:pPr>
+                <a:endParaRPr lang="ar-AE" altLang="zh-CN" i="1" dirty="0">
+                  <a:effectLst/>
+                  <a:latin typeface="Cambria Math" panose="02040503050406030204" pitchFamily="18" charset="0"/>
+                  <a:ea typeface="宋体" panose="02010600030101010101" pitchFamily="2" charset="-122"/>
+                  <a:cs typeface="Cambria Math" panose="02040503050406030204" pitchFamily="18" charset="0"/>
+                </a:endParaRPr>
+              </a:p>
+              <a:p>
+                <a:pPr marL="0" indent="0">
+                  <a:buNone/>
+                </a:pPr>
+                <a:r>
+                  <a:rPr lang="zh-CN" altLang="en-US" dirty="0">
+                    <a:effectLst/>
+                    <a:latin typeface="Cambria Math" panose="02040503050406030204" pitchFamily="18" charset="0"/>
+                    <a:ea typeface="宋体" panose="02010600030101010101" pitchFamily="2" charset="-122"/>
+                    <a:cs typeface="Cambria Math" panose="02040503050406030204" pitchFamily="18" charset="0"/>
+                  </a:rPr>
+                  <a:t>输入门，输出门，遗忘门</a:t>
+                </a:r>
+              </a:p>
+              <a:p>
+                <a:pPr marL="0" indent="0">
+                  <a:buNone/>
+                </a:pPr>
+                <a:endParaRPr lang="zh-CN" altLang="en-US" i="1" dirty="0">
+                  <a:effectLst/>
+                  <a:latin typeface="Cambria Math" panose="02040503050406030204" pitchFamily="18" charset="0"/>
+                  <a:ea typeface="宋体" panose="02010600030101010101" pitchFamily="2" charset="-122"/>
+                  <a:cs typeface="Cambria Math" panose="02040503050406030204" pitchFamily="18" charset="0"/>
+                </a:endParaRPr>
+              </a:p>
+              <a:p>
+                <a:pPr marL="0" indent="0">
+                  <a:buNone/>
+                </a:pPr>
+                <a14:m>
+                  <m:oMath xmlns:m="http://schemas.openxmlformats.org/officeDocument/2006/math">
+                    <m:sSub>
+                      <m:sSubPr>
+                        <m:ctrlPr>
+                          <a:rPr lang="ar-AE" altLang="zh-CN" i="1" smtClean="0">
+                            <a:effectLst/>
+                            <a:latin typeface="Cambria Math" panose="02040503050406030204" pitchFamily="18" charset="0"/>
+                            <a:ea typeface="宋体" panose="02010600030101010101" pitchFamily="2" charset="-122"/>
+                            <a:cs typeface="Cambria Math" panose="02040503050406030204" pitchFamily="18" charset="0"/>
+                          </a:rPr>
+                        </m:ctrlPr>
+                      </m:sSubPr>
+                      <m:e>
+                        <m:r>
+                          <a:rPr lang="zh-CN" altLang="ar-AE" sz="2000" b="1" i="1" kern="0">
+                            <a:effectLst/>
+                            <a:latin typeface="Cambria Math" panose="02040503050406030204" pitchFamily="18" charset="0"/>
+                            <a:ea typeface="宋体" panose="02010600030101010101" pitchFamily="2" charset="-122"/>
+                            <a:cs typeface="Cambria Math" panose="02040503050406030204" pitchFamily="18" charset="0"/>
+                          </a:rPr>
+                          <m:t>𝒙</m:t>
+                        </m:r>
+                      </m:e>
+                      <m:sub>
+                        <m:r>
+                          <a:rPr lang="zh-CN" altLang="ar-AE" sz="2000" i="1" kern="0">
+                            <a:effectLst/>
+                            <a:latin typeface="Cambria Math" panose="02040503050406030204" pitchFamily="18" charset="0"/>
+                            <a:ea typeface="宋体" panose="02010600030101010101" pitchFamily="2" charset="-122"/>
+                            <a:cs typeface="Cambria Math" panose="02040503050406030204" pitchFamily="18" charset="0"/>
+                          </a:rPr>
+                          <m:t>𝑡</m:t>
+                        </m:r>
+                      </m:sub>
+                    </m:sSub>
+                    <m:r>
+                      <a:rPr lang="zh-CN" altLang="en-US" i="1" kern="0">
+                        <a:latin typeface="Cambria Math" panose="02040503050406030204" pitchFamily="18" charset="0"/>
+                        <a:ea typeface="MS Mincho" charset="0"/>
+                        <a:cs typeface="Cambria Math" panose="02040503050406030204" pitchFamily="18" charset="0"/>
+                      </a:rPr>
+                      <m:t>代表</m:t>
+                    </m:r>
+                    <m:r>
+                      <a:rPr lang="zh-CN" altLang="en-US" i="1" dirty="0" smtClean="0">
+                        <a:latin typeface="Cambria Math" panose="02040503050406030204" pitchFamily="18" charset="0"/>
+                        <a:ea typeface="宋体" panose="02010600030101010101" pitchFamily="2" charset="-122"/>
+                        <a:cs typeface="Cambria Math" panose="02040503050406030204" pitchFamily="18" charset="0"/>
+                      </a:rPr>
+                      <m:t>𝑡</m:t>
+                    </m:r>
+                  </m:oMath>
+                </a14:m>
+                <a:r>
+                  <a:rPr lang="zh-CN" altLang="en-US" dirty="0">
+                    <a:latin typeface="宋体" panose="02010600030101010101" pitchFamily="2" charset="-122"/>
+                    <a:ea typeface="宋体" panose="02010600030101010101" pitchFamily="2" charset="-122"/>
+                    <a:cs typeface="宋体" panose="02010600030101010101" pitchFamily="2" charset="-122"/>
+                  </a:rPr>
+                  <a:t>时刻的输入， </a:t>
+                </a:r>
+                <a14:m>
+                  <m:oMath xmlns:m="http://schemas.openxmlformats.org/officeDocument/2006/math">
+                    <m:sSub>
+                      <m:sSubPr>
+                        <m:ctrlPr>
+                          <a:rPr lang="ar-AE" altLang="zh-CN" i="1">
+                            <a:latin typeface="Cambria Math" panose="02040503050406030204" pitchFamily="18" charset="0"/>
+                            <a:ea typeface="宋体" panose="02010600030101010101" pitchFamily="2" charset="-122"/>
+                            <a:cs typeface="Cambria Math" panose="02040503050406030204" pitchFamily="18" charset="0"/>
+                          </a:rPr>
+                        </m:ctrlPr>
+                      </m:sSubPr>
+                      <m:e>
+                        <m:r>
+                          <a:rPr lang="zh-CN" altLang="ar-AE" b="1" i="1" kern="0">
+                            <a:latin typeface="Cambria Math" panose="02040503050406030204" pitchFamily="18" charset="0"/>
+                            <a:ea typeface="宋体" panose="02010600030101010101" pitchFamily="2" charset="-122"/>
+                            <a:cs typeface="Cambria Math" panose="02040503050406030204" pitchFamily="18" charset="0"/>
+                          </a:rPr>
+                          <m:t>𝒉</m:t>
+                        </m:r>
+                      </m:e>
+                      <m:sub>
+                        <m:r>
+                          <a:rPr lang="zh-CN" altLang="ar-AE" i="1" kern="0">
+                            <a:latin typeface="Cambria Math" panose="02040503050406030204" pitchFamily="18" charset="0"/>
+                            <a:ea typeface="宋体" panose="02010600030101010101" pitchFamily="2" charset="-122"/>
+                            <a:cs typeface="Cambria Math" panose="02040503050406030204" pitchFamily="18" charset="0"/>
+                          </a:rPr>
+                          <m:t>𝑡</m:t>
+                        </m:r>
+                      </m:sub>
+                    </m:sSub>
+                  </m:oMath>
+                </a14:m>
+                <a:r>
+                  <a:rPr lang="zh-CN" altLang="en-US" dirty="0">
+                    <a:latin typeface="宋体" panose="02010600030101010101" pitchFamily="2" charset="-122"/>
+                    <a:ea typeface="宋体" panose="02010600030101010101" pitchFamily="2" charset="-122"/>
+                    <a:cs typeface="宋体" panose="02010600030101010101" pitchFamily="2" charset="-122"/>
+                  </a:rPr>
+                  <a:t>代表</a:t>
+                </a:r>
+                <a14:m>
+                  <m:oMath xmlns:m="http://schemas.openxmlformats.org/officeDocument/2006/math">
+                    <m:r>
+                      <a:rPr lang="zh-CN" altLang="en-US" i="1" dirty="0" smtClean="0">
+                        <a:latin typeface="Cambria Math" panose="02040503050406030204" pitchFamily="18" charset="0"/>
+                        <a:ea typeface="宋体" panose="02010600030101010101" pitchFamily="2" charset="-122"/>
+                        <a:cs typeface="Cambria Math" panose="02040503050406030204" pitchFamily="18" charset="0"/>
+                      </a:rPr>
+                      <m:t>𝑡</m:t>
+                    </m:r>
+                  </m:oMath>
+                </a14:m>
+                <a:r>
+                  <a:rPr lang="zh-CN" altLang="en-US" dirty="0">
+                    <a:latin typeface="宋体" panose="02010600030101010101" pitchFamily="2" charset="-122"/>
+                    <a:ea typeface="宋体" panose="02010600030101010101" pitchFamily="2" charset="-122"/>
+                    <a:cs typeface="宋体" panose="02010600030101010101" pitchFamily="2" charset="-122"/>
+                  </a:rPr>
+                  <a:t>时刻的输出， </a:t>
+                </a:r>
+                <a14:m>
+                  <m:oMath xmlns:m="http://schemas.openxmlformats.org/officeDocument/2006/math">
+                    <m:sSub>
+                      <m:sSubPr>
+                        <m:ctrlPr>
+                          <a:rPr lang="ar-AE" altLang="zh-CN" i="1">
+                            <a:latin typeface="Cambria Math" panose="02040503050406030204" pitchFamily="18" charset="0"/>
+                            <a:ea typeface="宋体" panose="02010600030101010101" pitchFamily="2" charset="-122"/>
+                            <a:cs typeface="Cambria Math" panose="02040503050406030204" pitchFamily="18" charset="0"/>
+                          </a:rPr>
+                        </m:ctrlPr>
+                      </m:sSubPr>
+                      <m:e>
+                        <m:r>
+                          <a:rPr lang="zh-CN" altLang="ar-AE" b="1" i="1" kern="0">
+                            <a:latin typeface="Cambria Math" panose="02040503050406030204" pitchFamily="18" charset="0"/>
+                            <a:ea typeface="宋体" panose="02010600030101010101" pitchFamily="2" charset="-122"/>
+                            <a:cs typeface="Cambria Math" panose="02040503050406030204" pitchFamily="18" charset="0"/>
+                          </a:rPr>
+                          <m:t>𝒉</m:t>
+                        </m:r>
+                      </m:e>
+                      <m:sub>
+                        <m:r>
+                          <a:rPr lang="zh-CN" altLang="ar-AE" i="1" kern="0">
+                            <a:latin typeface="Cambria Math" panose="02040503050406030204" pitchFamily="18" charset="0"/>
+                            <a:ea typeface="宋体" panose="02010600030101010101" pitchFamily="2" charset="-122"/>
+                            <a:cs typeface="Cambria Math" panose="02040503050406030204" pitchFamily="18" charset="0"/>
+                          </a:rPr>
+                          <m:t>𝑡</m:t>
+                        </m:r>
+                        <m:r>
+                          <a:rPr lang="ar-AE" altLang="zh-CN" i="1" kern="0">
+                            <a:latin typeface="Cambria Math" panose="02040503050406030204" pitchFamily="18" charset="0"/>
+                            <a:ea typeface="MS Mincho" charset="0"/>
+                            <a:cs typeface="Cambria Math" panose="02040503050406030204" pitchFamily="18" charset="0"/>
+                          </a:rPr>
+                          <m:t>−</m:t>
+                        </m:r>
+                        <m:r>
+                          <a:rPr lang="ar-AE" altLang="zh-CN" i="1" kern="0">
+                            <a:latin typeface="Cambria Math" panose="02040503050406030204" pitchFamily="18" charset="0"/>
+                            <a:ea typeface="MS Mincho" charset="0"/>
+                            <a:cs typeface="Cambria Math" panose="02040503050406030204" pitchFamily="18" charset="0"/>
+                          </a:rPr>
+                          <m:t>1</m:t>
+                        </m:r>
+                      </m:sub>
+                    </m:sSub>
+                    <m:r>
+                      <a:rPr lang="zh-CN" altLang="en-US" i="1" kern="0">
+                        <a:latin typeface="Cambria Math" panose="02040503050406030204" pitchFamily="18" charset="0"/>
+                        <a:ea typeface="MS Mincho" charset="0"/>
+                        <a:cs typeface="Cambria Math" panose="02040503050406030204" pitchFamily="18" charset="0"/>
+                      </a:rPr>
+                      <m:t>代表</m:t>
+                    </m:r>
+                    <m:r>
+                      <a:rPr lang="zh-CN" altLang="en-US" i="1" dirty="0" smtClean="0">
+                        <a:latin typeface="Cambria Math" panose="02040503050406030204" pitchFamily="18" charset="0"/>
+                        <a:ea typeface="宋体" panose="02010600030101010101" pitchFamily="2" charset="-122"/>
+                        <a:cs typeface="Cambria Math" panose="02040503050406030204" pitchFamily="18" charset="0"/>
+                      </a:rPr>
+                      <m:t>𝑡</m:t>
+                    </m:r>
+                    <m:r>
+                      <a:rPr lang="zh-CN" altLang="en-US" i="1" dirty="0" smtClean="0">
+                        <a:latin typeface="Cambria Math" panose="02040503050406030204" pitchFamily="18" charset="0"/>
+                        <a:ea typeface="MS Mincho" charset="0"/>
+                        <a:cs typeface="Cambria Math" panose="02040503050406030204" pitchFamily="18" charset="0"/>
+                      </a:rPr>
+                      <m:t>−</m:t>
+                    </m:r>
+                    <m:r>
+                      <a:rPr lang="en-US" altLang="zh-CN" i="1" dirty="0" smtClean="0">
+                        <a:latin typeface="Cambria Math" panose="02040503050406030204" pitchFamily="18" charset="0"/>
+                        <a:ea typeface="MS Mincho" charset="0"/>
+                        <a:cs typeface="Cambria Math" panose="02040503050406030204" pitchFamily="18" charset="0"/>
+                      </a:rPr>
+                      <m:t>1</m:t>
+                    </m:r>
+                  </m:oMath>
+                </a14:m>
+                <a:r>
+                  <a:rPr lang="zh-CN" altLang="en-US" dirty="0">
+                    <a:latin typeface="宋体" panose="02010600030101010101" pitchFamily="2" charset="-122"/>
+                    <a:ea typeface="宋体" panose="02010600030101010101" pitchFamily="2" charset="-122"/>
+                    <a:cs typeface="宋体" panose="02010600030101010101" pitchFamily="2" charset="-122"/>
+                  </a:rPr>
+                  <a:t>时刻的输出。其余的</a:t>
+                </a:r>
+                <a14:m>
+                  <m:oMath xmlns:m="http://schemas.openxmlformats.org/officeDocument/2006/math">
+                    <m:r>
+                      <a:rPr lang="zh-CN" altLang="en-US" b="1" i="1" dirty="0" smtClean="0">
+                        <a:latin typeface="Cambria Math" panose="02040503050406030204" pitchFamily="18" charset="0"/>
+                        <a:ea typeface="宋体" panose="02010600030101010101" pitchFamily="2" charset="-122"/>
+                        <a:cs typeface="Cambria Math" panose="02040503050406030204" pitchFamily="18" charset="0"/>
+                      </a:rPr>
+                      <m:t>𝒘</m:t>
+                    </m:r>
+                  </m:oMath>
+                </a14:m>
+                <a:r>
+                  <a:rPr lang="zh-CN" altLang="en-US" dirty="0">
+                    <a:latin typeface="宋体" panose="02010600030101010101" pitchFamily="2" charset="-122"/>
+                    <a:ea typeface="宋体" panose="02010600030101010101" pitchFamily="2" charset="-122"/>
+                    <a:cs typeface="宋体" panose="02010600030101010101" pitchFamily="2" charset="-122"/>
+                  </a:rPr>
+                  <a:t>和</a:t>
+                </a:r>
+                <a14:m>
+                  <m:oMath xmlns:m="http://schemas.openxmlformats.org/officeDocument/2006/math">
+                    <m:r>
+                      <a:rPr lang="zh-CN" altLang="en-US" b="1" i="1" dirty="0" smtClean="0">
+                        <a:latin typeface="Cambria Math" panose="02040503050406030204" pitchFamily="18" charset="0"/>
+                        <a:ea typeface="宋体" panose="02010600030101010101" pitchFamily="2" charset="-122"/>
+                        <a:cs typeface="Cambria Math" panose="02040503050406030204" pitchFamily="18" charset="0"/>
+                      </a:rPr>
+                      <m:t>𝒃</m:t>
+                    </m:r>
+                  </m:oMath>
+                </a14:m>
+                <a:r>
+                  <a:rPr lang="zh-CN" altLang="en-US" dirty="0">
+                    <a:latin typeface="宋体" panose="02010600030101010101" pitchFamily="2" charset="-122"/>
+                    <a:ea typeface="宋体" panose="02010600030101010101" pitchFamily="2" charset="-122"/>
+                    <a:cs typeface="宋体" panose="02010600030101010101" pitchFamily="2" charset="-122"/>
+                  </a:rPr>
+                  <a:t>是模型需训练的参数。</a:t>
+                </a:r>
+                <a:r>
+                  <a:rPr lang="en-US" altLang="zh-CN" dirty="0">
+                    <a:latin typeface="宋体" panose="02010600030101010101" pitchFamily="2" charset="-122"/>
+                    <a:ea typeface="宋体" panose="02010600030101010101" pitchFamily="2" charset="-122"/>
+                    <a:cs typeface="宋体" panose="02010600030101010101" pitchFamily="2" charset="-122"/>
+                  </a:rPr>
+                  <a:t>RNN</a:t>
+                </a:r>
+                <a:r>
+                  <a:rPr lang="zh-CN" altLang="en-US" dirty="0">
+                    <a:latin typeface="宋体" panose="02010600030101010101" pitchFamily="2" charset="-122"/>
+                    <a:ea typeface="宋体" panose="02010600030101010101" pitchFamily="2" charset="-122"/>
+                    <a:cs typeface="宋体" panose="02010600030101010101" pitchFamily="2" charset="-122"/>
+                  </a:rPr>
+                  <a:t>的精髓就在于当前时刻的输出将作为下一时刻的输入参与下一时刻的计算。</a:t>
+                </a:r>
+              </a:p>
+              <a:p>
+                <a:pPr marL="457200" indent="-457200">
+                  <a:buFont typeface="+mj-lt"/>
+                  <a:buAutoNum type="arabicPeriod"/>
+                </a:pPr>
+                <a:endParaRPr lang="zh-CN" altLang="en-US" dirty="0"/>
+              </a:p>
+              <a:p>
+                <a:endParaRPr kumimoji="1" lang="zh-CN" altLang="en-US" dirty="0"/>
+              </a:p>
+              <a:p>
+                <a:pPr marL="0" indent="0">
+                  <a:buNone/>
+                </a:pPr>
+                <a:endParaRPr kumimoji="1" lang="en-GB" altLang="zh-CN" dirty="0"/>
+              </a:p>
+            </p:txBody>
+          </p:sp>
+        </mc:Choice>
+        <mc:Fallback>
+          <p:sp>
+            <p:nvSpPr>
+              <p:cNvPr id="3" name="内容占位符 2"/>
+              <p:cNvSpPr>
+                <a:spLocks noGrp="1" noRot="1" noChangeAspect="1" noMove="1" noResize="1" noEditPoints="1" noAdjustHandles="1" noChangeArrowheads="1" noChangeShapeType="1" noTextEdit="1"/>
+              </p:cNvSpPr>
+              <p:nvPr>
+                <p:ph idx="1"/>
+              </p:nvPr>
+            </p:nvSpPr>
+            <p:spPr>
+              <a:xfrm>
+                <a:off x="757936" y="1853754"/>
+                <a:ext cx="10990555" cy="4351338"/>
+              </a:xfrm>
+              <a:blipFill>
+                <a:blip r:embed="rId2"/>
+                <a:stretch>
+                  <a:fillRect l="-333" t="-560"/>
+                </a:stretch>
+              </a:blipFill>
+            </p:spPr>
+            <p:txBody>
+              <a:bodyPr/>
+              <a:lstStyle/>
+              <a:p>
+                <a:r>
+                  <a:rPr lang="zh-CN" altLang="en-US">
+                    <a:noFill/>
+                  </a:rPr>
+                  <a:t> </a:t>
+                </a:r>
+              </a:p>
+            </p:txBody>
+          </p:sp>
+        </mc:Fallback>
+      </mc:AlternateContent>
+    </p:spTree>
+  </p:cSld>
+  <p:clrMapOvr>
+    <a:masterClrMapping/>
+  </p:clrMapOvr>
+</p:sld>
+</file>
+
+<file path=ppt/slides/slide7.xml><?xml version="1.0" encoding="utf-8"?>
+<p:sld xmlns:a="http://schemas.openxmlformats.org/drawingml/2006/main" xmlns:r="http://schemas.openxmlformats.org/officeDocument/2006/relationships" xmlns:p="http://schemas.openxmlformats.org/presentationml/2006/main">
+  <p:cSld>
+    <p:spTree>
+      <p:nvGrpSpPr>
+        <p:cNvPr id="1" name=""/>
+        <p:cNvGrpSpPr/>
+        <p:nvPr/>
+      </p:nvGrpSpPr>
+      <p:grpSpPr>
+        <a:xfrm>
+          <a:off x="0" y="0"/>
+          <a:ext cx="0" cy="0"/>
+          <a:chOff x="0" y="0"/>
+          <a:chExt cx="0" cy="0"/>
+        </a:xfrm>
+      </p:grpSpPr>
+      <p:sp>
+        <p:nvSpPr>
+          <p:cNvPr id="2" name="标题 1"/>
           <p:cNvSpPr>
             <a:spLocks noGrp="1"/>
           </p:cNvSpPr>
@@ -5737,13 +10203,7 @@
       </p:sp>
       <p:sp>
         <p:nvSpPr>
-          <p:cNvPr id="3" name="内容占位符 2">
-            <a:extLst>
-              <a:ext uri="{FF2B5EF4-FFF2-40B4-BE49-F238E27FC236}">
-                <a16:creationId xmlns:a16="http://schemas.microsoft.com/office/drawing/2014/main" id="{FF3B8DE9-0095-414A-9B81-D08E7779AEB8}"/>
-              </a:ext>
-            </a:extLst>
-          </p:cNvPr>
+          <p:cNvPr id="3" name="内容占位符 2"/>
           <p:cNvSpPr>
             <a:spLocks noGrp="1"/>
           </p:cNvSpPr>
@@ -5814,28 +10274,22 @@
             <a:pPr marL="0" indent="0">
               <a:buNone/>
             </a:pPr>
-            <a:endParaRPr lang="en" altLang="zh-CN" dirty="0"/>
+            <a:endParaRPr lang="en-GB" altLang="zh-CN" dirty="0"/>
           </a:p>
           <a:p>
-            <a:endParaRPr kumimoji="1" lang="en" altLang="zh-CN" dirty="0"/>
+            <a:endParaRPr kumimoji="1" lang="en-GB" altLang="zh-CN" dirty="0"/>
           </a:p>
           <a:p>
             <a:pPr marL="0" indent="0">
               <a:buNone/>
             </a:pPr>
-            <a:endParaRPr kumimoji="1" lang="en" altLang="zh-CN" dirty="0"/>
+            <a:endParaRPr kumimoji="1" lang="en-GB" altLang="zh-CN" dirty="0"/>
           </a:p>
         </p:txBody>
       </p:sp>
       <p:sp>
         <p:nvSpPr>
-          <p:cNvPr id="4" name="文本框 3">
-            <a:extLst>
-              <a:ext uri="{FF2B5EF4-FFF2-40B4-BE49-F238E27FC236}">
-                <a16:creationId xmlns:a16="http://schemas.microsoft.com/office/drawing/2014/main" id="{288BD45D-1CF1-4767-9EA2-92456F6F24C8}"/>
-              </a:ext>
-            </a:extLst>
-          </p:cNvPr>
+          <p:cNvPr id="4" name="文本框 3"/>
           <p:cNvSpPr txBox="1"/>
           <p:nvPr/>
         </p:nvSpPr>
@@ -5864,19 +10318,13 @@
           </a:bodyPr>
           <a:lstStyle/>
           <a:p>
-            <a:endParaRPr kumimoji="1" lang="en" altLang="zh-CN" sz="2000" dirty="0"/>
+            <a:endParaRPr kumimoji="1" lang="en-GB" altLang="zh-CN" sz="2000" dirty="0"/>
           </a:p>
         </p:txBody>
       </p:sp>
       <p:sp>
         <p:nvSpPr>
-          <p:cNvPr id="6" name="Rectangle 2">
-            <a:extLst>
-              <a:ext uri="{FF2B5EF4-FFF2-40B4-BE49-F238E27FC236}">
-                <a16:creationId xmlns:a16="http://schemas.microsoft.com/office/drawing/2014/main" id="{79A1C698-415D-4E48-803B-2AF8084CB28D}"/>
-              </a:ext>
-            </a:extLst>
-          </p:cNvPr>
+          <p:cNvPr id="6" name="Rectangle 2"/>
           <p:cNvSpPr>
             <a:spLocks noChangeArrowheads="1"/>
           </p:cNvSpPr>
@@ -5921,9 +10369,6 @@
         </p:spPr>
         <p:txBody>
           <a:bodyPr vert="horz" wrap="square" lIns="91440" tIns="45720" rIns="91440" bIns="45720" numCol="1" anchor="ctr" anchorCtr="0" compatLnSpc="1">
-            <a:prstTxWarp prst="textNoShape">
-              <a:avLst/>
-            </a:prstTxWarp>
             <a:spAutoFit/>
           </a:bodyPr>
           <a:lstStyle/>
@@ -7760,7 +12205,6 @@
               <a:buSzTx/>
               <a:buFontTx/>
               <a:buNone/>
-              <a:tabLst/>
             </a:pPr>
             <a:endParaRPr kumimoji="0" lang="zh-CN" altLang="zh-CN" sz="1800" b="0" i="0" u="none" strike="noStrike" cap="none" normalizeH="0" baseline="0" dirty="0">
               <a:ln>
@@ -7776,11 +12220,6 @@
         </p:txBody>
       </p:sp>
     </p:spTree>
-    <p:extLst>
-      <p:ext uri="{BB962C8B-B14F-4D97-AF65-F5344CB8AC3E}">
-        <p14:creationId xmlns:p14="http://schemas.microsoft.com/office/powerpoint/2010/main" val="3211466250"/>
-      </p:ext>
-    </p:extLst>
   </p:cSld>
   <p:clrMapOvr>
     <a:masterClrMapping/>
@@ -7788,7 +12227,7 @@
 </p:sld>
 </file>
 
-<file path=ppt/slides/slide5.xml><?xml version="1.0" encoding="utf-8"?>
+<file path=ppt/slides/slide8.xml><?xml version="1.0" encoding="utf-8"?>
 <p:sld xmlns:a="http://schemas.openxmlformats.org/drawingml/2006/main" xmlns:r="http://schemas.openxmlformats.org/officeDocument/2006/relationships" xmlns:p="http://schemas.openxmlformats.org/presentationml/2006/main">
   <p:cSld>
     <p:spTree>
@@ -7807,13 +12246,7 @@
       </p:grpSpPr>
       <p:sp>
         <p:nvSpPr>
-          <p:cNvPr id="2" name="标题 1">
-            <a:extLst>
-              <a:ext uri="{FF2B5EF4-FFF2-40B4-BE49-F238E27FC236}">
-                <a16:creationId xmlns:a16="http://schemas.microsoft.com/office/drawing/2014/main" id="{E15892A4-72AB-48FD-A310-4BD5E9C35303}"/>
-              </a:ext>
-            </a:extLst>
-          </p:cNvPr>
+          <p:cNvPr id="2" name="标题 1"/>
           <p:cNvSpPr>
             <a:spLocks noGrp="1"/>
           </p:cNvSpPr>
@@ -7842,13 +12275,7 @@
       </p:sp>
       <p:pic>
         <p:nvPicPr>
-          <p:cNvPr id="7" name="Graphic 6" descr="复选标记">
-            <a:extLst>
-              <a:ext uri="{FF2B5EF4-FFF2-40B4-BE49-F238E27FC236}">
-                <a16:creationId xmlns:a16="http://schemas.microsoft.com/office/drawing/2014/main" id="{1C5D2965-2422-4251-8FBE-CC5E41CE66CA}"/>
-              </a:ext>
-            </a:extLst>
-          </p:cNvPr>
+          <p:cNvPr id="7" name="Graphic 6" descr="复选标记"/>
           <p:cNvPicPr>
             <a:picLocks noChangeAspect="1"/>
           </p:cNvPicPr>
@@ -7880,11 +12307,6 @@
         </p:spPr>
       </p:pic>
     </p:spTree>
-    <p:extLst>
-      <p:ext uri="{BB962C8B-B14F-4D97-AF65-F5344CB8AC3E}">
-        <p14:creationId xmlns:p14="http://schemas.microsoft.com/office/powerpoint/2010/main" val="2176466383"/>
-      </p:ext>
-    </p:extLst>
   </p:cSld>
   <p:clrMapOvr>
     <a:masterClrMapping/>
@@ -7935,7 +12357,7 @@
     </a:clrScheme>
     <a:fontScheme name="画廊">
       <a:majorFont>
-        <a:latin typeface="Gill Sans MT" panose="020B0502020104020203"/>
+        <a:latin typeface="Gill Sans MT"/>
         <a:ea typeface=""/>
         <a:cs typeface=""/>
         <a:font script="Jpan" typeface="游ゴシック Light"/>
@@ -7970,7 +12392,7 @@
         <a:font script="Geor" typeface="Sylfaen"/>
       </a:majorFont>
       <a:minorFont>
-        <a:latin typeface="Gill Sans MT" panose="020B0502020104020203"/>
+        <a:latin typeface="Gill Sans MT"/>
         <a:ea typeface=""/>
         <a:cs typeface=""/>
         <a:font script="Jpan" typeface="游ゴシック"/>
@@ -8139,7 +12561,7 @@
   <a:extraClrSchemeLst/>
   <a:extLst>
     <a:ext uri="{05A4C25C-085E-4340-85A3-A5531E510DB2}">
-      <thm15:themeFamily xmlns:thm15="http://schemas.microsoft.com/office/thememl/2012/main" name="Gallery" id="{BBFCD31E-59A1-489D-B089-A3EAD7CAE12E}" vid="{F5E91637-A7B6-4E27-B710-77DA7014EE1E}"/>
+      <thm15:themeFamily xmlns:thm15="http://schemas.microsoft.com/office/thememl/2012/main" name="Office Theme" id="{62F939B6-93AF-4DB8-9C6B-D6C7DFDC589F}" vid="{4A3C46E8-61CC-4603-A589-7422A47A8E4A}"/>
     </a:ext>
   </a:extLst>
 </a:theme>
@@ -8188,7 +12610,7 @@
     </a:clrScheme>
     <a:fontScheme name="Office">
       <a:majorFont>
-        <a:latin typeface="等线 Light" panose="020F0302020204030204"/>
+        <a:latin typeface="等线 Light"/>
         <a:ea typeface=""/>
         <a:cs typeface=""/>
         <a:font script="Jpan" typeface="游ゴシック Light"/>
@@ -8221,26 +12643,9 @@
         <a:font script="Viet" typeface="Times New Roman"/>
         <a:font script="Uigh" typeface="Microsoft Uighur"/>
         <a:font script="Geor" typeface="Sylfaen"/>
-        <a:font script="Armn" typeface="Arial"/>
-        <a:font script="Bugi" typeface="Leelawadee UI"/>
-        <a:font script="Bopo" typeface="Microsoft JhengHei"/>
-        <a:font script="Java" typeface="Javanese Text"/>
-        <a:font script="Lisu" typeface="Segoe UI"/>
-        <a:font script="Mymr" typeface="Myanmar Text"/>
-        <a:font script="Nkoo" typeface="Ebrima"/>
-        <a:font script="Olck" typeface="Nirmala UI"/>
-        <a:font script="Osma" typeface="Ebrima"/>
-        <a:font script="Phag" typeface="Phagspa"/>
-        <a:font script="Syrn" typeface="Estrangelo Edessa"/>
-        <a:font script="Syrj" typeface="Estrangelo Edessa"/>
-        <a:font script="Syre" typeface="Estrangelo Edessa"/>
-        <a:font script="Sora" typeface="Nirmala UI"/>
-        <a:font script="Tale" typeface="Microsoft Tai Le"/>
-        <a:font script="Talu" typeface="Microsoft New Tai Lue"/>
-        <a:font script="Tfng" typeface="Ebrima"/>
       </a:majorFont>
       <a:minorFont>
-        <a:latin typeface="等线" panose="020F0502020204030204"/>
+        <a:latin typeface="等线"/>
         <a:ea typeface=""/>
         <a:cs typeface=""/>
         <a:font script="Jpan" typeface="游ゴシック"/>
@@ -8273,23 +12678,6 @@
         <a:font script="Viet" typeface="Arial"/>
         <a:font script="Uigh" typeface="Microsoft Uighur"/>
         <a:font script="Geor" typeface="Sylfaen"/>
-        <a:font script="Armn" typeface="Arial"/>
-        <a:font script="Bugi" typeface="Leelawadee UI"/>
-        <a:font script="Bopo" typeface="Microsoft JhengHei"/>
-        <a:font script="Java" typeface="Javanese Text"/>
-        <a:font script="Lisu" typeface="Segoe UI"/>
-        <a:font script="Mymr" typeface="Myanmar Text"/>
-        <a:font script="Nkoo" typeface="Ebrima"/>
-        <a:font script="Olck" typeface="Nirmala UI"/>
-        <a:font script="Osma" typeface="Ebrima"/>
-        <a:font script="Phag" typeface="Phagspa"/>
-        <a:font script="Syrn" typeface="Estrangelo Edessa"/>
-        <a:font script="Syrj" typeface="Estrangelo Edessa"/>
-        <a:font script="Syre" typeface="Estrangelo Edessa"/>
-        <a:font script="Sora" typeface="Nirmala UI"/>
-        <a:font script="Tale" typeface="Microsoft Tai Le"/>
-        <a:font script="Talu" typeface="Microsoft New Tai Lue"/>
-        <a:font script="Tfng" typeface="Ebrima"/>
       </a:minorFont>
     </a:fontScheme>
     <a:fmtScheme name="Office">
@@ -8483,7 +12871,7 @@
     </a:clrScheme>
     <a:fontScheme name="Office">
       <a:majorFont>
-        <a:latin typeface="等线 Light" panose="020F0302020204030204"/>
+        <a:latin typeface="等线 Light"/>
         <a:ea typeface=""/>
         <a:cs typeface=""/>
         <a:font script="Jpan" typeface="游ゴシック Light"/>
@@ -8516,26 +12904,9 @@
         <a:font script="Viet" typeface="Times New Roman"/>
         <a:font script="Uigh" typeface="Microsoft Uighur"/>
         <a:font script="Geor" typeface="Sylfaen"/>
-        <a:font script="Armn" typeface="Arial"/>
-        <a:font script="Bugi" typeface="Leelawadee UI"/>
-        <a:font script="Bopo" typeface="Microsoft JhengHei"/>
-        <a:font script="Java" typeface="Javanese Text"/>
-        <a:font script="Lisu" typeface="Segoe UI"/>
-        <a:font script="Mymr" typeface="Myanmar Text"/>
-        <a:font script="Nkoo" typeface="Ebrima"/>
-        <a:font script="Olck" typeface="Nirmala UI"/>
-        <a:font script="Osma" typeface="Ebrima"/>
-        <a:font script="Phag" typeface="Phagspa"/>
-        <a:font script="Syrn" typeface="Estrangelo Edessa"/>
-        <a:font script="Syrj" typeface="Estrangelo Edessa"/>
-        <a:font script="Syre" typeface="Estrangelo Edessa"/>
-        <a:font script="Sora" typeface="Nirmala UI"/>
-        <a:font script="Tale" typeface="Microsoft Tai Le"/>
-        <a:font script="Talu" typeface="Microsoft New Tai Lue"/>
-        <a:font script="Tfng" typeface="Ebrima"/>
       </a:majorFont>
       <a:minorFont>
-        <a:latin typeface="等线" panose="020F0502020204030204"/>
+        <a:latin typeface="等线"/>
         <a:ea typeface=""/>
         <a:cs typeface=""/>
         <a:font script="Jpan" typeface="游ゴシック"/>
@@ -8568,23 +12939,6 @@
         <a:font script="Viet" typeface="Arial"/>
         <a:font script="Uigh" typeface="Microsoft Uighur"/>
         <a:font script="Geor" typeface="Sylfaen"/>
-        <a:font script="Armn" typeface="Arial"/>
-        <a:font script="Bugi" typeface="Leelawadee UI"/>
-        <a:font script="Bopo" typeface="Microsoft JhengHei"/>
-        <a:font script="Java" typeface="Javanese Text"/>
-        <a:font script="Lisu" typeface="Segoe UI"/>
-        <a:font script="Mymr" typeface="Myanmar Text"/>
-        <a:font script="Nkoo" typeface="Ebrima"/>
-        <a:font script="Olck" typeface="Nirmala UI"/>
-        <a:font script="Osma" typeface="Ebrima"/>
-        <a:font script="Phag" typeface="Phagspa"/>
-        <a:font script="Syrn" typeface="Estrangelo Edessa"/>
-        <a:font script="Syrj" typeface="Estrangelo Edessa"/>
-        <a:font script="Syre" typeface="Estrangelo Edessa"/>
-        <a:font script="Sora" typeface="Nirmala UI"/>
-        <a:font script="Tale" typeface="Microsoft Tai Le"/>
-        <a:font script="Talu" typeface="Microsoft New Tai Lue"/>
-        <a:font script="Tfng" typeface="Ebrima"/>
       </a:minorFont>
     </a:fontScheme>
     <a:fmtScheme name="Office">
